--- a/00 Lesson Plan/Apresentação - Programação Desenvolvimento Web PHP.pptx
+++ b/00 Lesson Plan/Apresentação - Programação Desenvolvimento Web PHP.pptx
@@ -15026,6 +15026,46 @@
               <a:t>. Heleno Cardoso</a:t>
             </a:r>
           </a:p>
+          <a:p>
+            <a:pPr algn="r" hangingPunct="1"/>
+            <a:r>
+              <a:rPr lang="pt-BR" sz="2000" b="1" dirty="0">
+                <a:solidFill>
+                  <a:schemeClr val="bg1"/>
+                </a:solidFill>
+              </a:rPr>
+              <a:t>E-mail: </a:t>
+            </a:r>
+            <a:r>
+              <a:rPr lang="pt-BR" sz="2000" b="1" dirty="0" err="1">
+                <a:solidFill>
+                  <a:schemeClr val="bg1"/>
+                </a:solidFill>
+              </a:rPr>
+              <a:t>helenocardosofilho@</a:t>
+            </a:r>
+            <a:r>
+              <a:rPr lang="pt-BR" sz="2000" b="1" err="1">
+                <a:solidFill>
+                  <a:schemeClr val="bg1"/>
+                </a:solidFill>
+              </a:rPr>
+              <a:t>gmail</a:t>
+            </a:r>
+            <a:r>
+              <a:rPr lang="pt-BR" sz="2000" b="1">
+                <a:solidFill>
+                  <a:schemeClr val="bg1"/>
+                </a:solidFill>
+              </a:rPr>
+              <a:t>.com</a:t>
+            </a:r>
+            <a:endParaRPr lang="pt-BR" sz="2000" b="1" dirty="0">
+              <a:solidFill>
+                <a:schemeClr val="bg1"/>
+              </a:solidFill>
+            </a:endParaRPr>
+          </a:p>
         </p:txBody>
       </p:sp>
       <p:sp>
@@ -15491,27 +15531,7 @@
                 <a:latin typeface="Times New Roman" panose="02020603050405020304" pitchFamily="18" charset="0"/>
                 <a:cs typeface="Times New Roman" panose="02020603050405020304" pitchFamily="18" charset="0"/>
               </a:rPr>
-              <a:t>Analista </a:t>
-            </a:r>
-            <a:r>
-              <a:rPr lang="pt-BR" altLang="pt-BR" sz="2400" b="1">
-                <a:solidFill>
-                  <a:srgbClr val="FF0000"/>
-                </a:solidFill>
-                <a:latin typeface="Times New Roman" panose="02020603050405020304" pitchFamily="18" charset="0"/>
-                <a:cs typeface="Times New Roman" panose="02020603050405020304" pitchFamily="18" charset="0"/>
-              </a:rPr>
-              <a:t>de Sistemas; Lider SCRUM; </a:t>
-            </a:r>
-            <a:r>
-              <a:rPr lang="pt-BR" altLang="pt-BR" sz="2400" b="1" dirty="0">
-                <a:solidFill>
-                  <a:srgbClr val="FF0000"/>
-                </a:solidFill>
-                <a:latin typeface="Times New Roman" panose="02020603050405020304" pitchFamily="18" charset="0"/>
-                <a:cs typeface="Times New Roman" panose="02020603050405020304" pitchFamily="18" charset="0"/>
-              </a:rPr>
-              <a:t>Consultor e Docente</a:t>
+              <a:t>Analista de Sistemas; Lider SCRUM; Consultor e Docente</a:t>
             </a:r>
             <a:endParaRPr lang="pt-BR" altLang="pt-BR" sz="2400" b="1" dirty="0">
               <a:solidFill>
@@ -15614,7 +15634,21 @@
                 <a:latin typeface="Times New Roman" panose="02020603050405020304" pitchFamily="18" charset="0"/>
                 <a:cs typeface="Times New Roman" panose="02020603050405020304" pitchFamily="18" charset="0"/>
               </a:rPr>
-              <a:t>Engenheiro Eletricista 7º Semestre - Área1 (Trancado)</a:t>
+              <a:t>Engenheiro Eletricista </a:t>
+            </a:r>
+            <a:r>
+              <a:rPr lang="pt-BR" altLang="pt-BR" sz="2400">
+                <a:latin typeface="Times New Roman" panose="02020603050405020304" pitchFamily="18" charset="0"/>
+                <a:cs typeface="Times New Roman" panose="02020603050405020304" pitchFamily="18" charset="0"/>
+              </a:rPr>
+              <a:t>8º/9º </a:t>
+            </a:r>
+            <a:r>
+              <a:rPr lang="pt-BR" altLang="pt-BR" sz="2400" dirty="0">
+                <a:latin typeface="Times New Roman" panose="02020603050405020304" pitchFamily="18" charset="0"/>
+                <a:cs typeface="Times New Roman" panose="02020603050405020304" pitchFamily="18" charset="0"/>
+              </a:rPr>
+              <a:t>Semestre - Área1 (Trancado)</a:t>
             </a:r>
           </a:p>
           <a:p>

--- a/00 Lesson Plan/Apresentação - Programação Desenvolvimento Web PHP.pptx
+++ b/00 Lesson Plan/Apresentação - Programação Desenvolvimento Web PHP.pptx
@@ -5,7 +5,7 @@
     <p:sldMasterId id="2147483648" r:id="rId1"/>
   </p:sldMasterIdLst>
   <p:notesMasterIdLst>
-    <p:notesMasterId r:id="rId18"/>
+    <p:notesMasterId r:id="rId15"/>
   </p:notesMasterIdLst>
   <p:sldIdLst>
     <p:sldId id="256" r:id="rId2"/>
@@ -16,14 +16,11 @@
     <p:sldId id="334" r:id="rId7"/>
     <p:sldId id="339" r:id="rId8"/>
     <p:sldId id="340" r:id="rId9"/>
-    <p:sldId id="284" r:id="rId10"/>
-    <p:sldId id="276" r:id="rId11"/>
-    <p:sldId id="277" r:id="rId12"/>
-    <p:sldId id="279" r:id="rId13"/>
-    <p:sldId id="336" r:id="rId14"/>
-    <p:sldId id="337" r:id="rId15"/>
-    <p:sldId id="338" r:id="rId16"/>
-    <p:sldId id="309" r:id="rId17"/>
+    <p:sldId id="341" r:id="rId10"/>
+    <p:sldId id="336" r:id="rId11"/>
+    <p:sldId id="337" r:id="rId12"/>
+    <p:sldId id="338" r:id="rId13"/>
+    <p:sldId id="309" r:id="rId14"/>
   </p:sldIdLst>
   <p:sldSz cx="9144000" cy="5143500" type="screen16x9"/>
   <p:notesSz cx="6858000" cy="9144000"/>
@@ -4585,7805 +4582,6 @@
       </p:grpSpPr>
       <p:sp>
         <p:nvSpPr>
-          <p:cNvPr id="6" name="Espaço Reservado para Número de Slide 5">
-            <a:extLst>
-              <a:ext uri="{FF2B5EF4-FFF2-40B4-BE49-F238E27FC236}">
-                <a16:creationId xmlns:a16="http://schemas.microsoft.com/office/drawing/2014/main" id="{391249D3-C59D-41E6-AF88-D8DF193EA7EB}"/>
-              </a:ext>
-            </a:extLst>
-          </p:cNvPr>
-          <p:cNvSpPr>
-            <a:spLocks noGrp="1"/>
-          </p:cNvSpPr>
-          <p:nvPr>
-            <p:ph type="sldNum" sz="quarter" idx="12"/>
-          </p:nvPr>
-        </p:nvSpPr>
-        <p:spPr>
-          <a:xfrm>
-            <a:off x="8424556" y="4765688"/>
-            <a:ext cx="262247" cy="276995"/>
-          </a:xfrm>
-        </p:spPr>
-        <p:txBody>
-          <a:bodyPr/>
-          <a:lstStyle/>
-          <a:p>
-            <a:fld id="{E50FAC2A-6E90-4BEA-B3BF-15B8E63C5B7E}" type="slidenum">
-              <a:rPr lang="pt-BR" smtClean="0"/>
-              <a:pPr/>
-              <a:t>10</a:t>
-            </a:fld>
-            <a:endParaRPr lang="pt-BR"/>
-          </a:p>
-        </p:txBody>
-      </p:sp>
-      <p:pic>
-        <p:nvPicPr>
-          <p:cNvPr id="12" name="Imagem 11">
-            <a:extLst>
-              <a:ext uri="{FF2B5EF4-FFF2-40B4-BE49-F238E27FC236}">
-                <a16:creationId xmlns:a16="http://schemas.microsoft.com/office/drawing/2014/main" id="{307DB86B-02F5-765F-6C40-9BE4F9FD2FF2}"/>
-              </a:ext>
-            </a:extLst>
-          </p:cNvPr>
-          <p:cNvPicPr>
-            <a:picLocks noChangeAspect="1"/>
-          </p:cNvPicPr>
-          <p:nvPr/>
-        </p:nvPicPr>
-        <p:blipFill rotWithShape="1">
-          <a:blip r:embed="rId2"/>
-          <a:srcRect b="1141"/>
-          <a:stretch/>
-        </p:blipFill>
-        <p:spPr>
-          <a:xfrm>
-            <a:off x="79512" y="1"/>
-            <a:ext cx="8706678" cy="4750904"/>
-          </a:xfrm>
-          <a:prstGeom prst="rect">
-            <a:avLst/>
-          </a:prstGeom>
-        </p:spPr>
-      </p:pic>
-    </p:spTree>
-    <p:extLst>
-      <p:ext uri="{BB962C8B-B14F-4D97-AF65-F5344CB8AC3E}">
-        <p14:creationId xmlns:p14="http://schemas.microsoft.com/office/powerpoint/2010/main" val="2053586027"/>
-      </p:ext>
-    </p:extLst>
-  </p:cSld>
-  <p:clrMapOvr>
-    <a:masterClrMapping/>
-  </p:clrMapOvr>
-</p:sld>
-</file>
-
-<file path=ppt/slides/slide11.xml><?xml version="1.0" encoding="utf-8"?>
-<p:sld xmlns:a="http://schemas.openxmlformats.org/drawingml/2006/main" xmlns:r="http://schemas.openxmlformats.org/officeDocument/2006/relationships" xmlns:p="http://schemas.openxmlformats.org/presentationml/2006/main">
-  <p:cSld>
-    <p:spTree>
-      <p:nvGrpSpPr>
-        <p:cNvPr id="1" name=""/>
-        <p:cNvGrpSpPr/>
-        <p:nvPr/>
-      </p:nvGrpSpPr>
-      <p:grpSpPr>
-        <a:xfrm>
-          <a:off x="0" y="0"/>
-          <a:ext cx="0" cy="0"/>
-          <a:chOff x="0" y="0"/>
-          <a:chExt cx="0" cy="0"/>
-        </a:xfrm>
-      </p:grpSpPr>
-      <p:sp>
-        <p:nvSpPr>
-          <p:cNvPr id="6" name="Espaço Reservado para Número de Slide 5">
-            <a:extLst>
-              <a:ext uri="{FF2B5EF4-FFF2-40B4-BE49-F238E27FC236}">
-                <a16:creationId xmlns:a16="http://schemas.microsoft.com/office/drawing/2014/main" id="{391249D3-C59D-41E6-AF88-D8DF193EA7EB}"/>
-              </a:ext>
-            </a:extLst>
-          </p:cNvPr>
-          <p:cNvSpPr>
-            <a:spLocks noGrp="1"/>
-          </p:cNvSpPr>
-          <p:nvPr>
-            <p:ph type="sldNum" sz="quarter" idx="12"/>
-          </p:nvPr>
-        </p:nvSpPr>
-        <p:spPr>
-          <a:xfrm>
-            <a:off x="8424556" y="4765688"/>
-            <a:ext cx="262247" cy="276995"/>
-          </a:xfrm>
-        </p:spPr>
-        <p:txBody>
-          <a:bodyPr/>
-          <a:lstStyle/>
-          <a:p>
-            <a:fld id="{E50FAC2A-6E90-4BEA-B3BF-15B8E63C5B7E}" type="slidenum">
-              <a:rPr lang="pt-BR" smtClean="0"/>
-              <a:pPr/>
-              <a:t>11</a:t>
-            </a:fld>
-            <a:endParaRPr lang="pt-BR"/>
-          </a:p>
-        </p:txBody>
-      </p:sp>
-      <p:grpSp>
-        <p:nvGrpSpPr>
-          <p:cNvPr id="301" name="Agrupar 300">
-            <a:extLst>
-              <a:ext uri="{FF2B5EF4-FFF2-40B4-BE49-F238E27FC236}">
-                <a16:creationId xmlns:a16="http://schemas.microsoft.com/office/drawing/2014/main" id="{04D5EFA1-11D8-C1B8-67C0-A93825C18CF1}"/>
-              </a:ext>
-            </a:extLst>
-          </p:cNvPr>
-          <p:cNvGrpSpPr/>
-          <p:nvPr/>
-        </p:nvGrpSpPr>
-        <p:grpSpPr>
-          <a:xfrm>
-            <a:off x="376843" y="398808"/>
-            <a:ext cx="8558435" cy="4305518"/>
-            <a:chOff x="184406" y="1075083"/>
-            <a:chExt cx="9552484" cy="4266404"/>
-          </a:xfrm>
-        </p:grpSpPr>
-        <p:sp>
-          <p:nvSpPr>
-            <p:cNvPr id="3" name="Google Shape;1592;p34">
-              <a:extLst>
-                <a:ext uri="{FF2B5EF4-FFF2-40B4-BE49-F238E27FC236}">
-                  <a16:creationId xmlns:a16="http://schemas.microsoft.com/office/drawing/2014/main" id="{BAAED91C-ECF9-F575-4FC9-04E0F174B7F8}"/>
-                </a:ext>
-              </a:extLst>
-            </p:cNvPr>
-            <p:cNvSpPr/>
-            <p:nvPr/>
-          </p:nvSpPr>
-          <p:spPr>
-            <a:xfrm>
-              <a:off x="231229" y="2742834"/>
-              <a:ext cx="9360000" cy="8792"/>
-            </a:xfrm>
-            <a:custGeom>
-              <a:avLst/>
-              <a:gdLst/>
-              <a:ahLst/>
-              <a:cxnLst/>
-              <a:rect l="l" t="t" r="r" b="b"/>
-              <a:pathLst>
-                <a:path w="135881" h="184" extrusionOk="0">
-                  <a:moveTo>
-                    <a:pt x="60" y="0"/>
-                  </a:moveTo>
-                  <a:cubicBezTo>
-                    <a:pt x="0" y="0"/>
-                    <a:pt x="0" y="60"/>
-                    <a:pt x="0" y="124"/>
-                  </a:cubicBezTo>
-                  <a:cubicBezTo>
-                    <a:pt x="0" y="124"/>
-                    <a:pt x="0" y="184"/>
-                    <a:pt x="60" y="184"/>
-                  </a:cubicBezTo>
-                  <a:lnTo>
-                    <a:pt x="135757" y="184"/>
-                  </a:lnTo>
-                  <a:cubicBezTo>
-                    <a:pt x="135821" y="184"/>
-                    <a:pt x="135881" y="124"/>
-                    <a:pt x="135881" y="124"/>
-                  </a:cubicBezTo>
-                  <a:cubicBezTo>
-                    <a:pt x="135881" y="60"/>
-                    <a:pt x="135821" y="0"/>
-                    <a:pt x="135757" y="0"/>
-                  </a:cubicBezTo>
-                  <a:close/>
-                </a:path>
-              </a:pathLst>
-            </a:custGeom>
-            <a:solidFill>
-              <a:schemeClr val="dk2"/>
-            </a:solidFill>
-            <a:ln>
-              <a:noFill/>
-            </a:ln>
-          </p:spPr>
-          <p:txBody>
-            <a:bodyPr spcFirstLastPara="1" wrap="square" lIns="68569" tIns="68569" rIns="68569" bIns="68569" anchor="ctr" anchorCtr="0">
-              <a:noAutofit/>
-            </a:bodyPr>
-            <a:lstStyle/>
-            <a:p>
-              <a:pPr defTabSz="336947">
-                <a:defRPr/>
-              </a:pPr>
-              <a:endParaRPr sz="1350">
-                <a:latin typeface="Calibri"/>
-                <a:cs typeface="Calibri"/>
-              </a:endParaRPr>
-            </a:p>
-          </p:txBody>
-        </p:sp>
-        <p:grpSp>
-          <p:nvGrpSpPr>
-            <p:cNvPr id="4" name="Google Shape;1593;p34">
-              <a:extLst>
-                <a:ext uri="{FF2B5EF4-FFF2-40B4-BE49-F238E27FC236}">
-                  <a16:creationId xmlns:a16="http://schemas.microsoft.com/office/drawing/2014/main" id="{AAD74612-993B-8282-4AF2-5FB6BF2CA2DB}"/>
-                </a:ext>
-              </a:extLst>
-            </p:cNvPr>
-            <p:cNvGrpSpPr/>
-            <p:nvPr/>
-          </p:nvGrpSpPr>
-          <p:grpSpPr>
-            <a:xfrm>
-              <a:off x="268810" y="2200408"/>
-              <a:ext cx="1132952" cy="1345562"/>
-              <a:chOff x="832043" y="2042984"/>
-              <a:chExt cx="1754312" cy="2083528"/>
-            </a:xfrm>
-          </p:grpSpPr>
-          <p:sp>
-            <p:nvSpPr>
-              <p:cNvPr id="8" name="Google Shape;1594;p34">
-                <a:extLst>
-                  <a:ext uri="{FF2B5EF4-FFF2-40B4-BE49-F238E27FC236}">
-                    <a16:creationId xmlns:a16="http://schemas.microsoft.com/office/drawing/2014/main" id="{EA72D8E3-7BC0-A51A-35B9-9CD46BD51B42}"/>
-                  </a:ext>
-                </a:extLst>
-              </p:cNvPr>
-              <p:cNvSpPr txBox="1"/>
-              <p:nvPr/>
-            </p:nvSpPr>
-            <p:spPr>
-              <a:xfrm>
-                <a:off x="910376" y="3606012"/>
-                <a:ext cx="1635624" cy="520500"/>
-              </a:xfrm>
-              <a:prstGeom prst="rect">
-                <a:avLst/>
-              </a:prstGeom>
-              <a:noFill/>
-              <a:ln>
-                <a:noFill/>
-              </a:ln>
-            </p:spPr>
-            <p:txBody>
-              <a:bodyPr spcFirstLastPara="1" wrap="square" lIns="68569" tIns="68569" rIns="68569" bIns="68569" anchor="ctr" anchorCtr="0">
-                <a:noAutofit/>
-              </a:bodyPr>
-              <a:lstStyle/>
-              <a:p>
-                <a:pPr algn="ctr" defTabSz="336947">
-                  <a:defRPr/>
-                </a:pPr>
-                <a:r>
-                  <a:rPr lang="en" sz="600" dirty="0">
-                    <a:solidFill>
-                      <a:schemeClr val="tx1"/>
-                    </a:solidFill>
-                    <a:latin typeface="Roboto"/>
-                    <a:ea typeface="Roboto"/>
-                    <a:cs typeface="Roboto"/>
-                    <a:sym typeface="Roboto"/>
-                  </a:rPr>
-                  <a:t>Início do semestre letivo.</a:t>
-                </a:r>
-                <a:endParaRPr sz="600" dirty="0">
-                  <a:solidFill>
-                    <a:schemeClr val="tx1"/>
-                  </a:solidFill>
-                  <a:latin typeface="Roboto"/>
-                  <a:ea typeface="Roboto"/>
-                  <a:cs typeface="Roboto"/>
-                  <a:sym typeface="Roboto"/>
-                </a:endParaRPr>
-              </a:p>
-            </p:txBody>
-          </p:sp>
-          <p:grpSp>
-            <p:nvGrpSpPr>
-              <p:cNvPr id="156" name="Google Shape;1595;p34">
-                <a:extLst>
-                  <a:ext uri="{FF2B5EF4-FFF2-40B4-BE49-F238E27FC236}">
-                    <a16:creationId xmlns:a16="http://schemas.microsoft.com/office/drawing/2014/main" id="{F4A4D1E3-EA48-F4B4-C55B-A600A3A6969F}"/>
-                  </a:ext>
-                </a:extLst>
-              </p:cNvPr>
-              <p:cNvGrpSpPr/>
-              <p:nvPr/>
-            </p:nvGrpSpPr>
-            <p:grpSpPr>
-              <a:xfrm>
-                <a:off x="1306267" y="2586171"/>
-                <a:ext cx="681652" cy="969321"/>
-                <a:chOff x="2310388" y="2586171"/>
-                <a:chExt cx="681652" cy="969321"/>
-              </a:xfrm>
-            </p:grpSpPr>
-            <p:sp>
-              <p:nvSpPr>
-                <p:cNvPr id="158" name="Google Shape;1596;p34">
-                  <a:extLst>
-                    <a:ext uri="{FF2B5EF4-FFF2-40B4-BE49-F238E27FC236}">
-                      <a16:creationId xmlns:a16="http://schemas.microsoft.com/office/drawing/2014/main" id="{7689DD85-62C3-282A-C392-DC8A7A17B89F}"/>
-                    </a:ext>
-                  </a:extLst>
-                </p:cNvPr>
-                <p:cNvSpPr/>
-                <p:nvPr/>
-              </p:nvSpPr>
-              <p:spPr>
-                <a:xfrm>
-                  <a:off x="2399315" y="2586171"/>
-                  <a:ext cx="592725" cy="592773"/>
-                </a:xfrm>
-                <a:custGeom>
-                  <a:avLst/>
-                  <a:gdLst/>
-                  <a:ahLst/>
-                  <a:cxnLst/>
-                  <a:rect l="l" t="t" r="r" b="b"/>
-                  <a:pathLst>
-                    <a:path w="12404" h="12405" extrusionOk="0">
-                      <a:moveTo>
-                        <a:pt x="6202" y="124"/>
-                      </a:moveTo>
-                      <a:cubicBezTo>
-                        <a:pt x="9551" y="124"/>
-                        <a:pt x="12280" y="2853"/>
-                        <a:pt x="12280" y="6202"/>
-                      </a:cubicBezTo>
-                      <a:cubicBezTo>
-                        <a:pt x="12280" y="9487"/>
-                        <a:pt x="9551" y="12216"/>
-                        <a:pt x="6202" y="12216"/>
-                      </a:cubicBezTo>
-                      <a:cubicBezTo>
-                        <a:pt x="2913" y="12216"/>
-                        <a:pt x="184" y="9487"/>
-                        <a:pt x="184" y="6202"/>
-                      </a:cubicBezTo>
-                      <a:cubicBezTo>
-                        <a:pt x="184" y="2853"/>
-                        <a:pt x="2913" y="124"/>
-                        <a:pt x="6202" y="124"/>
-                      </a:cubicBezTo>
-                      <a:close/>
-                      <a:moveTo>
-                        <a:pt x="6202" y="0"/>
-                      </a:moveTo>
-                      <a:cubicBezTo>
-                        <a:pt x="2789" y="0"/>
-                        <a:pt x="0" y="2729"/>
-                        <a:pt x="0" y="6202"/>
-                      </a:cubicBezTo>
-                      <a:cubicBezTo>
-                        <a:pt x="0" y="9611"/>
-                        <a:pt x="2789" y="12404"/>
-                        <a:pt x="6202" y="12404"/>
-                      </a:cubicBezTo>
-                      <a:cubicBezTo>
-                        <a:pt x="9611" y="12404"/>
-                        <a:pt x="12404" y="9611"/>
-                        <a:pt x="12404" y="6202"/>
-                      </a:cubicBezTo>
-                      <a:cubicBezTo>
-                        <a:pt x="12404" y="2729"/>
-                        <a:pt x="9611" y="0"/>
-                        <a:pt x="6202" y="0"/>
-                      </a:cubicBezTo>
-                      <a:close/>
-                    </a:path>
-                  </a:pathLst>
-                </a:custGeom>
-                <a:solidFill>
-                  <a:schemeClr val="bg2">
-                    <a:lumMod val="40000"/>
-                    <a:lumOff val="60000"/>
-                  </a:schemeClr>
-                </a:solidFill>
-                <a:ln>
-                  <a:noFill/>
-                </a:ln>
-              </p:spPr>
-              <p:txBody>
-                <a:bodyPr spcFirstLastPara="1" wrap="square" lIns="68569" tIns="68569" rIns="68569" bIns="68569" anchor="ctr" anchorCtr="0">
-                  <a:noAutofit/>
-                </a:bodyPr>
-                <a:lstStyle/>
-                <a:p>
-                  <a:pPr defTabSz="336947">
-                    <a:defRPr/>
-                  </a:pPr>
-                  <a:endParaRPr sz="1350">
-                    <a:latin typeface="Calibri"/>
-                    <a:cs typeface="Calibri"/>
-                  </a:endParaRPr>
-                </a:p>
-              </p:txBody>
-            </p:sp>
-            <p:sp>
-              <p:nvSpPr>
-                <p:cNvPr id="159" name="Google Shape;1597;p34">
-                  <a:extLst>
-                    <a:ext uri="{FF2B5EF4-FFF2-40B4-BE49-F238E27FC236}">
-                      <a16:creationId xmlns:a16="http://schemas.microsoft.com/office/drawing/2014/main" id="{2D13BE9B-E808-D8D6-C4D7-BFF072FD2AAC}"/>
-                    </a:ext>
-                  </a:extLst>
-                </p:cNvPr>
-                <p:cNvSpPr/>
-                <p:nvPr/>
-              </p:nvSpPr>
-              <p:spPr>
-                <a:xfrm>
-                  <a:off x="2514764" y="2698799"/>
-                  <a:ext cx="361589" cy="364456"/>
-                </a:xfrm>
-                <a:custGeom>
-                  <a:avLst/>
-                  <a:gdLst/>
-                  <a:ahLst/>
-                  <a:cxnLst/>
-                  <a:rect l="l" t="t" r="r" b="b"/>
-                  <a:pathLst>
-                    <a:path w="7567" h="7627" extrusionOk="0">
-                      <a:moveTo>
-                        <a:pt x="3786" y="496"/>
-                      </a:moveTo>
-                      <a:cubicBezTo>
-                        <a:pt x="5647" y="496"/>
-                        <a:pt x="7135" y="1985"/>
-                        <a:pt x="7135" y="3845"/>
-                      </a:cubicBezTo>
-                      <a:cubicBezTo>
-                        <a:pt x="7135" y="5641"/>
-                        <a:pt x="5647" y="7130"/>
-                        <a:pt x="3786" y="7130"/>
-                      </a:cubicBezTo>
-                      <a:cubicBezTo>
-                        <a:pt x="1985" y="7130"/>
-                        <a:pt x="497" y="5641"/>
-                        <a:pt x="497" y="3845"/>
-                      </a:cubicBezTo>
-                      <a:cubicBezTo>
-                        <a:pt x="497" y="1985"/>
-                        <a:pt x="1985" y="496"/>
-                        <a:pt x="3786" y="496"/>
-                      </a:cubicBezTo>
-                      <a:close/>
-                      <a:moveTo>
-                        <a:pt x="3786" y="0"/>
-                      </a:moveTo>
-                      <a:cubicBezTo>
-                        <a:pt x="1677" y="0"/>
-                        <a:pt x="0" y="1737"/>
-                        <a:pt x="0" y="3845"/>
-                      </a:cubicBezTo>
-                      <a:cubicBezTo>
-                        <a:pt x="0" y="5889"/>
-                        <a:pt x="1677" y="7626"/>
-                        <a:pt x="3786" y="7626"/>
-                      </a:cubicBezTo>
-                      <a:cubicBezTo>
-                        <a:pt x="5895" y="7626"/>
-                        <a:pt x="7567" y="5889"/>
-                        <a:pt x="7567" y="3845"/>
-                      </a:cubicBezTo>
-                      <a:cubicBezTo>
-                        <a:pt x="7567" y="1737"/>
-                        <a:pt x="5895" y="0"/>
-                        <a:pt x="3786" y="0"/>
-                      </a:cubicBezTo>
-                      <a:close/>
-                    </a:path>
-                  </a:pathLst>
-                </a:custGeom>
-                <a:solidFill>
-                  <a:srgbClr val="16165D"/>
-                </a:solidFill>
-                <a:ln>
-                  <a:noFill/>
-                </a:ln>
-              </p:spPr>
-              <p:txBody>
-                <a:bodyPr spcFirstLastPara="1" wrap="square" lIns="68569" tIns="68569" rIns="68569" bIns="68569" anchor="ctr" anchorCtr="0">
-                  <a:noAutofit/>
-                </a:bodyPr>
-                <a:lstStyle/>
-                <a:p>
-                  <a:pPr defTabSz="336947">
-                    <a:defRPr/>
-                  </a:pPr>
-                  <a:endParaRPr sz="1350">
-                    <a:latin typeface="Calibri"/>
-                    <a:cs typeface="Calibri"/>
-                  </a:endParaRPr>
-                </a:p>
-              </p:txBody>
-            </p:sp>
-            <p:sp>
-              <p:nvSpPr>
-                <p:cNvPr id="160" name="Google Shape;1598;p34">
-                  <a:extLst>
-                    <a:ext uri="{FF2B5EF4-FFF2-40B4-BE49-F238E27FC236}">
-                      <a16:creationId xmlns:a16="http://schemas.microsoft.com/office/drawing/2014/main" id="{08911AF2-E450-506D-A625-257172896CF9}"/>
-                    </a:ext>
-                  </a:extLst>
-                </p:cNvPr>
-                <p:cNvSpPr/>
-                <p:nvPr/>
-              </p:nvSpPr>
-              <p:spPr>
-                <a:xfrm>
-                  <a:off x="2612674" y="2796473"/>
-                  <a:ext cx="168872" cy="169062"/>
-                </a:xfrm>
-                <a:custGeom>
-                  <a:avLst/>
-                  <a:gdLst/>
-                  <a:ahLst/>
-                  <a:cxnLst/>
-                  <a:rect l="l" t="t" r="r" b="b"/>
-                  <a:pathLst>
-                    <a:path w="3534" h="3538" extrusionOk="0">
-                      <a:moveTo>
-                        <a:pt x="1737" y="0"/>
-                      </a:moveTo>
-                      <a:cubicBezTo>
-                        <a:pt x="745" y="0"/>
-                        <a:pt x="1" y="809"/>
-                        <a:pt x="1" y="1801"/>
-                      </a:cubicBezTo>
-                      <a:cubicBezTo>
-                        <a:pt x="1" y="2729"/>
-                        <a:pt x="745" y="3538"/>
-                        <a:pt x="1737" y="3538"/>
-                      </a:cubicBezTo>
-                      <a:cubicBezTo>
-                        <a:pt x="2729" y="3538"/>
-                        <a:pt x="3533" y="2729"/>
-                        <a:pt x="3533" y="1801"/>
-                      </a:cubicBezTo>
-                      <a:cubicBezTo>
-                        <a:pt x="3533" y="809"/>
-                        <a:pt x="2729" y="0"/>
-                        <a:pt x="1737" y="0"/>
-                      </a:cubicBezTo>
-                      <a:close/>
-                    </a:path>
-                  </a:pathLst>
-                </a:custGeom>
-                <a:solidFill>
-                  <a:srgbClr val="16165D"/>
-                </a:solidFill>
-                <a:ln>
-                  <a:noFill/>
-                </a:ln>
-              </p:spPr>
-              <p:txBody>
-                <a:bodyPr spcFirstLastPara="1" wrap="square" lIns="68569" tIns="68569" rIns="68569" bIns="68569" anchor="ctr" anchorCtr="0">
-                  <a:noAutofit/>
-                </a:bodyPr>
-                <a:lstStyle/>
-                <a:p>
-                  <a:pPr defTabSz="336947">
-                    <a:defRPr/>
-                  </a:pPr>
-                  <a:endParaRPr sz="1350">
-                    <a:latin typeface="Calibri"/>
-                    <a:cs typeface="Calibri"/>
-                  </a:endParaRPr>
-                </a:p>
-              </p:txBody>
-            </p:sp>
-            <p:sp>
-              <p:nvSpPr>
-                <p:cNvPr id="161" name="Google Shape;1599;p34">
-                  <a:extLst>
-                    <a:ext uri="{FF2B5EF4-FFF2-40B4-BE49-F238E27FC236}">
-                      <a16:creationId xmlns:a16="http://schemas.microsoft.com/office/drawing/2014/main" id="{20C23632-604B-307A-C84A-6B2CB06096FA}"/>
-                    </a:ext>
-                  </a:extLst>
-                </p:cNvPr>
-                <p:cNvSpPr/>
-                <p:nvPr/>
-              </p:nvSpPr>
-              <p:spPr>
-                <a:xfrm>
-                  <a:off x="2692577" y="3172972"/>
-                  <a:ext cx="9079" cy="303448"/>
-                </a:xfrm>
-                <a:custGeom>
-                  <a:avLst/>
-                  <a:gdLst/>
-                  <a:ahLst/>
-                  <a:cxnLst/>
-                  <a:rect l="l" t="t" r="r" b="b"/>
-                  <a:pathLst>
-                    <a:path w="190" h="19658" extrusionOk="0">
-                      <a:moveTo>
-                        <a:pt x="1" y="0"/>
-                      </a:moveTo>
-                      <a:lnTo>
-                        <a:pt x="1" y="19658"/>
-                      </a:lnTo>
-                      <a:lnTo>
-                        <a:pt x="189" y="19658"/>
-                      </a:lnTo>
-                      <a:lnTo>
-                        <a:pt x="189" y="0"/>
-                      </a:lnTo>
-                      <a:close/>
-                    </a:path>
-                  </a:pathLst>
-                </a:custGeom>
-                <a:solidFill>
-                  <a:schemeClr val="bg2">
-                    <a:lumMod val="40000"/>
-                    <a:lumOff val="60000"/>
-                  </a:schemeClr>
-                </a:solidFill>
-                <a:ln>
-                  <a:noFill/>
-                </a:ln>
-              </p:spPr>
-              <p:txBody>
-                <a:bodyPr spcFirstLastPara="1" wrap="square" lIns="68569" tIns="68569" rIns="68569" bIns="68569" anchor="ctr" anchorCtr="0">
-                  <a:noAutofit/>
-                </a:bodyPr>
-                <a:lstStyle/>
-                <a:p>
-                  <a:pPr defTabSz="336947">
-                    <a:defRPr/>
-                  </a:pPr>
-                  <a:endParaRPr sz="1350">
-                    <a:latin typeface="Calibri"/>
-                    <a:cs typeface="Calibri"/>
-                  </a:endParaRPr>
-                </a:p>
-              </p:txBody>
-            </p:sp>
-            <p:sp>
-              <p:nvSpPr>
-                <p:cNvPr id="162" name="Google Shape;1600;p34">
-                  <a:extLst>
-                    <a:ext uri="{FF2B5EF4-FFF2-40B4-BE49-F238E27FC236}">
-                      <a16:creationId xmlns:a16="http://schemas.microsoft.com/office/drawing/2014/main" id="{F4834036-C628-AC01-3BDC-484E885E7760}"/>
-                    </a:ext>
-                  </a:extLst>
-                </p:cNvPr>
-                <p:cNvSpPr/>
-                <p:nvPr/>
-              </p:nvSpPr>
-              <p:spPr>
-                <a:xfrm>
-                  <a:off x="2310388" y="2885354"/>
-                  <a:ext cx="385338" cy="388396"/>
-                </a:xfrm>
-                <a:custGeom>
-                  <a:avLst/>
-                  <a:gdLst/>
-                  <a:ahLst/>
-                  <a:cxnLst/>
-                  <a:rect l="l" t="t" r="r" b="b"/>
-                  <a:pathLst>
-                    <a:path w="8064" h="8128" extrusionOk="0">
-                      <a:moveTo>
-                        <a:pt x="1" y="1"/>
-                      </a:moveTo>
-                      <a:cubicBezTo>
-                        <a:pt x="1" y="4466"/>
-                        <a:pt x="3598" y="8128"/>
-                        <a:pt x="8063" y="8128"/>
-                      </a:cubicBezTo>
-                      <a:lnTo>
-                        <a:pt x="8063" y="7939"/>
-                      </a:lnTo>
-                      <a:cubicBezTo>
-                        <a:pt x="3722" y="7939"/>
-                        <a:pt x="125" y="4407"/>
-                        <a:pt x="125" y="1"/>
-                      </a:cubicBezTo>
-                      <a:close/>
-                    </a:path>
-                  </a:pathLst>
-                </a:custGeom>
-                <a:solidFill>
-                  <a:schemeClr val="bg2">
-                    <a:lumMod val="40000"/>
-                    <a:lumOff val="60000"/>
-                  </a:schemeClr>
-                </a:solidFill>
-                <a:ln>
-                  <a:noFill/>
-                </a:ln>
-              </p:spPr>
-              <p:txBody>
-                <a:bodyPr spcFirstLastPara="1" wrap="square" lIns="68569" tIns="68569" rIns="68569" bIns="68569" anchor="ctr" anchorCtr="0">
-                  <a:noAutofit/>
-                </a:bodyPr>
-                <a:lstStyle/>
-                <a:p>
-                  <a:pPr defTabSz="336947">
-                    <a:defRPr/>
-                  </a:pPr>
-                  <a:endParaRPr sz="1350">
-                    <a:latin typeface="Calibri"/>
-                    <a:cs typeface="Calibri"/>
-                  </a:endParaRPr>
-                </a:p>
-              </p:txBody>
-            </p:sp>
-            <p:sp>
-              <p:nvSpPr>
-                <p:cNvPr id="163" name="Google Shape;1601;p34">
-                  <a:extLst>
-                    <a:ext uri="{FF2B5EF4-FFF2-40B4-BE49-F238E27FC236}">
-                      <a16:creationId xmlns:a16="http://schemas.microsoft.com/office/drawing/2014/main" id="{81B15A12-3DEC-7CF8-2670-286ED6C24A50}"/>
-                    </a:ext>
-                  </a:extLst>
-                </p:cNvPr>
-                <p:cNvSpPr/>
-                <p:nvPr/>
-              </p:nvSpPr>
-              <p:spPr>
-                <a:xfrm>
-                  <a:off x="2646714" y="3454692"/>
-                  <a:ext cx="100800" cy="100800"/>
-                </a:xfrm>
-                <a:prstGeom prst="ellipse">
-                  <a:avLst/>
-                </a:prstGeom>
-                <a:solidFill>
-                  <a:srgbClr val="16165D"/>
-                </a:solidFill>
-                <a:ln>
-                  <a:noFill/>
-                </a:ln>
-              </p:spPr>
-              <p:txBody>
-                <a:bodyPr spcFirstLastPara="1" wrap="square" lIns="68569" tIns="68569" rIns="68569" bIns="68569" anchor="ctr" anchorCtr="0">
-                  <a:noAutofit/>
-                </a:bodyPr>
-                <a:lstStyle/>
-                <a:p>
-                  <a:pPr defTabSz="336947">
-                    <a:defRPr/>
-                  </a:pPr>
-                  <a:endParaRPr sz="1350">
-                    <a:latin typeface="Calibri"/>
-                    <a:cs typeface="Calibri"/>
-                  </a:endParaRPr>
-                </a:p>
-              </p:txBody>
-            </p:sp>
-          </p:grpSp>
-          <p:sp>
-            <p:nvSpPr>
-              <p:cNvPr id="157" name="Google Shape;1602;p34">
-                <a:extLst>
-                  <a:ext uri="{FF2B5EF4-FFF2-40B4-BE49-F238E27FC236}">
-                    <a16:creationId xmlns:a16="http://schemas.microsoft.com/office/drawing/2014/main" id="{C02CE627-3F1D-0908-F81D-8419A0497846}"/>
-                  </a:ext>
-                </a:extLst>
-              </p:cNvPr>
-              <p:cNvSpPr txBox="1"/>
-              <p:nvPr/>
-            </p:nvSpPr>
-            <p:spPr>
-              <a:xfrm>
-                <a:off x="832043" y="2042984"/>
-                <a:ext cx="1754312" cy="627174"/>
-              </a:xfrm>
-              <a:prstGeom prst="rect">
-                <a:avLst/>
-              </a:prstGeom>
-              <a:noFill/>
-              <a:ln>
-                <a:noFill/>
-              </a:ln>
-            </p:spPr>
-            <p:txBody>
-              <a:bodyPr spcFirstLastPara="1" wrap="square" lIns="68569" tIns="68569" rIns="68569" bIns="68569" anchor="ctr" anchorCtr="0">
-                <a:noAutofit/>
-              </a:bodyPr>
-              <a:lstStyle/>
-              <a:p>
-                <a:pPr algn="ctr" defTabSz="336947">
-                  <a:lnSpc>
-                    <a:spcPct val="115000"/>
-                  </a:lnSpc>
-                  <a:buClr>
-                    <a:srgbClr val="A7A7A7"/>
-                  </a:buClr>
-                  <a:buSzPts val="1100"/>
-                  <a:defRPr/>
-                </a:pPr>
-                <a:r>
-                  <a:rPr lang="en" sz="825" b="1" dirty="0">
-                    <a:solidFill>
-                      <a:schemeClr val="tx1"/>
-                    </a:solidFill>
-                    <a:latin typeface="Fira Sans Extra Condensed"/>
-                    <a:ea typeface="Fira Sans Extra Condensed"/>
-                    <a:cs typeface="Fira Sans Extra Condensed"/>
-                    <a:sym typeface="Fira Sans Extra Condensed"/>
-                  </a:rPr>
-                  <a:t>23 de Fevereiro</a:t>
-                </a:r>
-                <a:endParaRPr sz="825" dirty="0">
-                  <a:solidFill>
-                    <a:schemeClr val="tx1"/>
-                  </a:solidFill>
-                  <a:latin typeface="Fira Sans Extra Condensed"/>
-                  <a:ea typeface="Fira Sans Extra Condensed"/>
-                  <a:cs typeface="Fira Sans Extra Condensed"/>
-                  <a:sym typeface="Fira Sans Extra Condensed"/>
-                </a:endParaRPr>
-              </a:p>
-            </p:txBody>
-          </p:sp>
-        </p:grpSp>
-        <p:grpSp>
-          <p:nvGrpSpPr>
-            <p:cNvPr id="164" name="Google Shape;1618;p34">
-              <a:extLst>
-                <a:ext uri="{FF2B5EF4-FFF2-40B4-BE49-F238E27FC236}">
-                  <a16:creationId xmlns:a16="http://schemas.microsoft.com/office/drawing/2014/main" id="{2EBDC0D3-1C2F-903C-DED4-69E26FED8C3F}"/>
-                </a:ext>
-              </a:extLst>
-            </p:cNvPr>
-            <p:cNvGrpSpPr/>
-            <p:nvPr/>
-          </p:nvGrpSpPr>
-          <p:grpSpPr>
-            <a:xfrm>
-              <a:off x="1259258" y="1883002"/>
-              <a:ext cx="1242220" cy="1406729"/>
-              <a:chOff x="2637158" y="1610045"/>
-              <a:chExt cx="1893287" cy="2065604"/>
-            </a:xfrm>
-          </p:grpSpPr>
-          <p:sp>
-            <p:nvSpPr>
-              <p:cNvPr id="165" name="Google Shape;1619;p34">
-                <a:extLst>
-                  <a:ext uri="{FF2B5EF4-FFF2-40B4-BE49-F238E27FC236}">
-                    <a16:creationId xmlns:a16="http://schemas.microsoft.com/office/drawing/2014/main" id="{A9B55508-A728-6D58-6C1E-5F528ACA52AB}"/>
-                  </a:ext>
-                </a:extLst>
-              </p:cNvPr>
-              <p:cNvSpPr txBox="1"/>
-              <p:nvPr/>
-            </p:nvSpPr>
-            <p:spPr>
-              <a:xfrm>
-                <a:off x="2712919" y="3356576"/>
-                <a:ext cx="1649647" cy="319073"/>
-              </a:xfrm>
-              <a:prstGeom prst="rect">
-                <a:avLst/>
-              </a:prstGeom>
-              <a:noFill/>
-              <a:ln>
-                <a:noFill/>
-              </a:ln>
-            </p:spPr>
-            <p:txBody>
-              <a:bodyPr spcFirstLastPara="1" wrap="square" lIns="68569" tIns="68569" rIns="68569" bIns="68569" anchor="ctr" anchorCtr="0">
-                <a:noAutofit/>
-              </a:bodyPr>
-              <a:lstStyle/>
-              <a:p>
-                <a:pPr algn="ctr" defTabSz="336947">
-                  <a:lnSpc>
-                    <a:spcPct val="115000"/>
-                  </a:lnSpc>
-                  <a:defRPr/>
-                </a:pPr>
-                <a:r>
-                  <a:rPr lang="pt-BR" sz="825" b="1" dirty="0">
-                    <a:solidFill>
-                      <a:schemeClr val="tx1"/>
-                    </a:solidFill>
-                    <a:latin typeface="Fira Sans Extra Condensed"/>
-                    <a:cs typeface="Calibri"/>
-                    <a:sym typeface="Fira Sans Extra Condensed"/>
-                  </a:rPr>
-                  <a:t>25 a 30 de Setembro</a:t>
-                </a:r>
-              </a:p>
-            </p:txBody>
-          </p:sp>
-          <p:grpSp>
-            <p:nvGrpSpPr>
-              <p:cNvPr id="166" name="Google Shape;1620;p34">
-                <a:extLst>
-                  <a:ext uri="{FF2B5EF4-FFF2-40B4-BE49-F238E27FC236}">
-                    <a16:creationId xmlns:a16="http://schemas.microsoft.com/office/drawing/2014/main" id="{E6B9EF17-0AE7-39E3-F039-2BEB56052378}"/>
-                  </a:ext>
-                </a:extLst>
-              </p:cNvPr>
-              <p:cNvGrpSpPr/>
-              <p:nvPr/>
-            </p:nvGrpSpPr>
-            <p:grpSpPr>
-              <a:xfrm>
-                <a:off x="3204006" y="2194620"/>
-                <a:ext cx="684519" cy="987143"/>
-                <a:chOff x="3545057" y="2194620"/>
-                <a:chExt cx="684519" cy="987143"/>
-              </a:xfrm>
-            </p:grpSpPr>
-            <p:sp>
-              <p:nvSpPr>
-                <p:cNvPr id="168" name="Google Shape;1621;p34">
-                  <a:extLst>
-                    <a:ext uri="{FF2B5EF4-FFF2-40B4-BE49-F238E27FC236}">
-                      <a16:creationId xmlns:a16="http://schemas.microsoft.com/office/drawing/2014/main" id="{02B27029-0C93-5A57-A9AC-45EE53875348}"/>
-                    </a:ext>
-                  </a:extLst>
-                </p:cNvPr>
-                <p:cNvSpPr/>
-                <p:nvPr/>
-              </p:nvSpPr>
-              <p:spPr>
-                <a:xfrm>
-                  <a:off x="3545057" y="2588990"/>
-                  <a:ext cx="592773" cy="592773"/>
-                </a:xfrm>
-                <a:custGeom>
-                  <a:avLst/>
-                  <a:gdLst/>
-                  <a:ahLst/>
-                  <a:cxnLst/>
-                  <a:rect l="l" t="t" r="r" b="b"/>
-                  <a:pathLst>
-                    <a:path w="12405" h="12405" extrusionOk="0">
-                      <a:moveTo>
-                        <a:pt x="6202" y="190"/>
-                      </a:moveTo>
-                      <a:cubicBezTo>
-                        <a:pt x="9551" y="190"/>
-                        <a:pt x="12280" y="2854"/>
-                        <a:pt x="12280" y="6203"/>
-                      </a:cubicBezTo>
-                      <a:cubicBezTo>
-                        <a:pt x="12280" y="9552"/>
-                        <a:pt x="9551" y="12281"/>
-                        <a:pt x="6202" y="12281"/>
-                      </a:cubicBezTo>
-                      <a:cubicBezTo>
-                        <a:pt x="2853" y="12281"/>
-                        <a:pt x="184" y="9552"/>
-                        <a:pt x="184" y="6203"/>
-                      </a:cubicBezTo>
-                      <a:cubicBezTo>
-                        <a:pt x="184" y="2854"/>
-                        <a:pt x="2853" y="190"/>
-                        <a:pt x="6202" y="190"/>
-                      </a:cubicBezTo>
-                      <a:close/>
-                      <a:moveTo>
-                        <a:pt x="6202" y="1"/>
-                      </a:moveTo>
-                      <a:cubicBezTo>
-                        <a:pt x="2789" y="1"/>
-                        <a:pt x="0" y="2794"/>
-                        <a:pt x="0" y="6203"/>
-                      </a:cubicBezTo>
-                      <a:cubicBezTo>
-                        <a:pt x="0" y="9616"/>
-                        <a:pt x="2789" y="12405"/>
-                        <a:pt x="6202" y="12405"/>
-                      </a:cubicBezTo>
-                      <a:cubicBezTo>
-                        <a:pt x="9611" y="12405"/>
-                        <a:pt x="12404" y="9616"/>
-                        <a:pt x="12404" y="6203"/>
-                      </a:cubicBezTo>
-                      <a:cubicBezTo>
-                        <a:pt x="12404" y="2794"/>
-                        <a:pt x="9611" y="1"/>
-                        <a:pt x="6202" y="1"/>
-                      </a:cubicBezTo>
-                      <a:close/>
-                    </a:path>
-                  </a:pathLst>
-                </a:custGeom>
-                <a:solidFill>
-                  <a:schemeClr val="bg2">
-                    <a:lumMod val="40000"/>
-                    <a:lumOff val="60000"/>
-                  </a:schemeClr>
-                </a:solidFill>
-                <a:ln>
-                  <a:noFill/>
-                </a:ln>
-              </p:spPr>
-              <p:txBody>
-                <a:bodyPr spcFirstLastPara="1" wrap="square" lIns="68569" tIns="68569" rIns="68569" bIns="68569" anchor="ctr" anchorCtr="0">
-                  <a:noAutofit/>
-                </a:bodyPr>
-                <a:lstStyle/>
-                <a:p>
-                  <a:pPr defTabSz="336947">
-                    <a:defRPr/>
-                  </a:pPr>
-                  <a:endParaRPr sz="1350">
-                    <a:latin typeface="Calibri"/>
-                    <a:cs typeface="Calibri"/>
-                  </a:endParaRPr>
-                </a:p>
-              </p:txBody>
-            </p:sp>
-            <p:sp>
-              <p:nvSpPr>
-                <p:cNvPr id="169" name="Google Shape;1622;p34">
-                  <a:extLst>
-                    <a:ext uri="{FF2B5EF4-FFF2-40B4-BE49-F238E27FC236}">
-                      <a16:creationId xmlns:a16="http://schemas.microsoft.com/office/drawing/2014/main" id="{D66898AC-8206-5651-0E24-707F6FBFEEFD}"/>
-                    </a:ext>
-                  </a:extLst>
-                </p:cNvPr>
-                <p:cNvSpPr/>
-                <p:nvPr/>
-              </p:nvSpPr>
-              <p:spPr>
-                <a:xfrm>
-                  <a:off x="3660505" y="2704725"/>
-                  <a:ext cx="361589" cy="361589"/>
-                </a:xfrm>
-                <a:custGeom>
-                  <a:avLst/>
-                  <a:gdLst/>
-                  <a:ahLst/>
-                  <a:cxnLst/>
-                  <a:rect l="l" t="t" r="r" b="b"/>
-                  <a:pathLst>
-                    <a:path w="7567" h="7567" extrusionOk="0">
-                      <a:moveTo>
-                        <a:pt x="3786" y="496"/>
-                      </a:moveTo>
-                      <a:cubicBezTo>
-                        <a:pt x="5647" y="496"/>
-                        <a:pt x="7135" y="1985"/>
-                        <a:pt x="7135" y="3781"/>
-                      </a:cubicBezTo>
-                      <a:cubicBezTo>
-                        <a:pt x="7135" y="5641"/>
-                        <a:pt x="5647" y="7130"/>
-                        <a:pt x="3786" y="7130"/>
-                      </a:cubicBezTo>
-                      <a:cubicBezTo>
-                        <a:pt x="1985" y="7130"/>
-                        <a:pt x="497" y="5641"/>
-                        <a:pt x="497" y="3781"/>
-                      </a:cubicBezTo>
-                      <a:cubicBezTo>
-                        <a:pt x="497" y="1985"/>
-                        <a:pt x="1985" y="496"/>
-                        <a:pt x="3786" y="496"/>
-                      </a:cubicBezTo>
-                      <a:close/>
-                      <a:moveTo>
-                        <a:pt x="3786" y="0"/>
-                      </a:moveTo>
-                      <a:cubicBezTo>
-                        <a:pt x="1678" y="0"/>
-                        <a:pt x="1" y="1672"/>
-                        <a:pt x="1" y="3781"/>
-                      </a:cubicBezTo>
-                      <a:cubicBezTo>
-                        <a:pt x="1" y="5890"/>
-                        <a:pt x="1678" y="7567"/>
-                        <a:pt x="3786" y="7567"/>
-                      </a:cubicBezTo>
-                      <a:cubicBezTo>
-                        <a:pt x="5895" y="7567"/>
-                        <a:pt x="7567" y="5890"/>
-                        <a:pt x="7567" y="3781"/>
-                      </a:cubicBezTo>
-                      <a:cubicBezTo>
-                        <a:pt x="7567" y="1672"/>
-                        <a:pt x="5895" y="0"/>
-                        <a:pt x="3786" y="0"/>
-                      </a:cubicBezTo>
-                      <a:close/>
-                    </a:path>
-                  </a:pathLst>
-                </a:custGeom>
-                <a:solidFill>
-                  <a:srgbClr val="A75EAB"/>
-                </a:solidFill>
-                <a:ln>
-                  <a:noFill/>
-                </a:ln>
-              </p:spPr>
-              <p:txBody>
-                <a:bodyPr spcFirstLastPara="1" wrap="square" lIns="68569" tIns="68569" rIns="68569" bIns="68569" anchor="ctr" anchorCtr="0">
-                  <a:noAutofit/>
-                </a:bodyPr>
-                <a:lstStyle/>
-                <a:p>
-                  <a:pPr defTabSz="336947">
-                    <a:defRPr/>
-                  </a:pPr>
-                  <a:endParaRPr sz="1350">
-                    <a:latin typeface="Calibri"/>
-                    <a:cs typeface="Calibri"/>
-                  </a:endParaRPr>
-                </a:p>
-              </p:txBody>
-            </p:sp>
-            <p:sp>
-              <p:nvSpPr>
-                <p:cNvPr id="170" name="Google Shape;1623;p34">
-                  <a:extLst>
-                    <a:ext uri="{FF2B5EF4-FFF2-40B4-BE49-F238E27FC236}">
-                      <a16:creationId xmlns:a16="http://schemas.microsoft.com/office/drawing/2014/main" id="{A51C43FC-FD81-F784-E419-C2BACAE797FD}"/>
-                    </a:ext>
-                  </a:extLst>
-                </p:cNvPr>
-                <p:cNvSpPr/>
-                <p:nvPr/>
-              </p:nvSpPr>
-              <p:spPr>
-                <a:xfrm>
-                  <a:off x="3755358" y="2799531"/>
-                  <a:ext cx="171930" cy="171930"/>
-                </a:xfrm>
-                <a:custGeom>
-                  <a:avLst/>
-                  <a:gdLst/>
-                  <a:ahLst/>
-                  <a:cxnLst/>
-                  <a:rect l="l" t="t" r="r" b="b"/>
-                  <a:pathLst>
-                    <a:path w="3598" h="3598" extrusionOk="0">
-                      <a:moveTo>
-                        <a:pt x="1801" y="1"/>
-                      </a:moveTo>
-                      <a:cubicBezTo>
-                        <a:pt x="809" y="1"/>
-                        <a:pt x="0" y="805"/>
-                        <a:pt x="0" y="1797"/>
-                      </a:cubicBezTo>
-                      <a:cubicBezTo>
-                        <a:pt x="0" y="2789"/>
-                        <a:pt x="809" y="3598"/>
-                        <a:pt x="1801" y="3598"/>
-                      </a:cubicBezTo>
-                      <a:cubicBezTo>
-                        <a:pt x="2794" y="3598"/>
-                        <a:pt x="3597" y="2789"/>
-                        <a:pt x="3597" y="1797"/>
-                      </a:cubicBezTo>
-                      <a:cubicBezTo>
-                        <a:pt x="3597" y="805"/>
-                        <a:pt x="2794" y="1"/>
-                        <a:pt x="1801" y="1"/>
-                      </a:cubicBezTo>
-                      <a:close/>
-                    </a:path>
-                  </a:pathLst>
-                </a:custGeom>
-                <a:solidFill>
-                  <a:srgbClr val="A75EAB"/>
-                </a:solidFill>
-                <a:ln>
-                  <a:noFill/>
-                </a:ln>
-              </p:spPr>
-              <p:txBody>
-                <a:bodyPr spcFirstLastPara="1" wrap="square" lIns="68569" tIns="68569" rIns="68569" bIns="68569" anchor="ctr" anchorCtr="0">
-                  <a:noAutofit/>
-                </a:bodyPr>
-                <a:lstStyle/>
-                <a:p>
-                  <a:pPr defTabSz="336947">
-                    <a:defRPr/>
-                  </a:pPr>
-                  <a:endParaRPr sz="1350">
-                    <a:latin typeface="Calibri"/>
-                    <a:cs typeface="Calibri"/>
-                  </a:endParaRPr>
-                </a:p>
-              </p:txBody>
-            </p:sp>
-            <p:sp>
-              <p:nvSpPr>
-                <p:cNvPr id="171" name="Google Shape;1624;p34">
-                  <a:extLst>
-                    <a:ext uri="{FF2B5EF4-FFF2-40B4-BE49-F238E27FC236}">
-                      <a16:creationId xmlns:a16="http://schemas.microsoft.com/office/drawing/2014/main" id="{81E5C0E8-0B94-E184-4A3B-41B25D1C59D3}"/>
-                    </a:ext>
-                  </a:extLst>
-                </p:cNvPr>
-                <p:cNvSpPr/>
-                <p:nvPr/>
-              </p:nvSpPr>
-              <p:spPr>
-                <a:xfrm>
-                  <a:off x="3834923" y="2295416"/>
-                  <a:ext cx="5973" cy="303446"/>
-                </a:xfrm>
-                <a:custGeom>
-                  <a:avLst/>
-                  <a:gdLst/>
-                  <a:ahLst/>
-                  <a:cxnLst/>
-                  <a:rect l="l" t="t" r="r" b="b"/>
-                  <a:pathLst>
-                    <a:path w="125" h="19664" extrusionOk="0">
-                      <a:moveTo>
-                        <a:pt x="1" y="1"/>
-                      </a:moveTo>
-                      <a:lnTo>
-                        <a:pt x="1" y="19663"/>
-                      </a:lnTo>
-                      <a:lnTo>
-                        <a:pt x="125" y="19663"/>
-                      </a:lnTo>
-                      <a:lnTo>
-                        <a:pt x="125" y="1"/>
-                      </a:lnTo>
-                      <a:close/>
-                    </a:path>
-                  </a:pathLst>
-                </a:custGeom>
-                <a:solidFill>
-                  <a:schemeClr val="bg2">
-                    <a:lumMod val="40000"/>
-                    <a:lumOff val="60000"/>
-                  </a:schemeClr>
-                </a:solidFill>
-                <a:ln>
-                  <a:noFill/>
-                </a:ln>
-              </p:spPr>
-              <p:txBody>
-                <a:bodyPr spcFirstLastPara="1" wrap="square" lIns="68569" tIns="68569" rIns="68569" bIns="68569" anchor="ctr" anchorCtr="0">
-                  <a:noAutofit/>
-                </a:bodyPr>
-                <a:lstStyle/>
-                <a:p>
-                  <a:pPr defTabSz="336947">
-                    <a:defRPr/>
-                  </a:pPr>
-                  <a:endParaRPr sz="1350">
-                    <a:latin typeface="Calibri"/>
-                    <a:cs typeface="Calibri"/>
-                  </a:endParaRPr>
-                </a:p>
-              </p:txBody>
-            </p:sp>
-            <p:sp>
-              <p:nvSpPr>
-                <p:cNvPr id="172" name="Google Shape;1625;p34">
-                  <a:extLst>
-                    <a:ext uri="{FF2B5EF4-FFF2-40B4-BE49-F238E27FC236}">
-                      <a16:creationId xmlns:a16="http://schemas.microsoft.com/office/drawing/2014/main" id="{8969984F-C82E-BA06-2DFE-41BF558E09B8}"/>
-                    </a:ext>
-                  </a:extLst>
-                </p:cNvPr>
-                <p:cNvSpPr/>
-                <p:nvPr/>
-              </p:nvSpPr>
-              <p:spPr>
-                <a:xfrm>
-                  <a:off x="3841418" y="2500110"/>
-                  <a:ext cx="388158" cy="385290"/>
-                </a:xfrm>
-                <a:custGeom>
-                  <a:avLst/>
-                  <a:gdLst/>
-                  <a:ahLst/>
-                  <a:cxnLst/>
-                  <a:rect l="l" t="t" r="r" b="b"/>
-                  <a:pathLst>
-                    <a:path w="8123" h="8063" extrusionOk="0">
-                      <a:moveTo>
-                        <a:pt x="0" y="0"/>
-                      </a:moveTo>
-                      <a:lnTo>
-                        <a:pt x="0" y="124"/>
-                      </a:lnTo>
-                      <a:cubicBezTo>
-                        <a:pt x="4401" y="124"/>
-                        <a:pt x="7939" y="3722"/>
-                        <a:pt x="7939" y="8063"/>
-                      </a:cubicBezTo>
-                      <a:lnTo>
-                        <a:pt x="8122" y="8063"/>
-                      </a:lnTo>
-                      <a:cubicBezTo>
-                        <a:pt x="8122" y="3598"/>
-                        <a:pt x="4466" y="0"/>
-                        <a:pt x="0" y="0"/>
-                      </a:cubicBezTo>
-                      <a:close/>
-                    </a:path>
-                  </a:pathLst>
-                </a:custGeom>
-                <a:solidFill>
-                  <a:schemeClr val="bg2">
-                    <a:lumMod val="40000"/>
-                    <a:lumOff val="60000"/>
-                  </a:schemeClr>
-                </a:solidFill>
-                <a:ln>
-                  <a:noFill/>
-                </a:ln>
-              </p:spPr>
-              <p:txBody>
-                <a:bodyPr spcFirstLastPara="1" wrap="square" lIns="68569" tIns="68569" rIns="68569" bIns="68569" anchor="ctr" anchorCtr="0">
-                  <a:noAutofit/>
-                </a:bodyPr>
-                <a:lstStyle/>
-                <a:p>
-                  <a:pPr defTabSz="336947">
-                    <a:defRPr/>
-                  </a:pPr>
-                  <a:endParaRPr sz="1350">
-                    <a:latin typeface="Calibri"/>
-                    <a:cs typeface="Calibri"/>
-                  </a:endParaRPr>
-                </a:p>
-              </p:txBody>
-            </p:sp>
-            <p:sp>
-              <p:nvSpPr>
-                <p:cNvPr id="173" name="Google Shape;1626;p34">
-                  <a:extLst>
-                    <a:ext uri="{FF2B5EF4-FFF2-40B4-BE49-F238E27FC236}">
-                      <a16:creationId xmlns:a16="http://schemas.microsoft.com/office/drawing/2014/main" id="{F3C28A0C-31E7-7BDB-0C70-58F393EC8D98}"/>
-                    </a:ext>
-                  </a:extLst>
-                </p:cNvPr>
-                <p:cNvSpPr/>
-                <p:nvPr/>
-              </p:nvSpPr>
-              <p:spPr>
-                <a:xfrm>
-                  <a:off x="3787649" y="2194620"/>
-                  <a:ext cx="100801" cy="100800"/>
-                </a:xfrm>
-                <a:prstGeom prst="ellipse">
-                  <a:avLst/>
-                </a:prstGeom>
-                <a:solidFill>
-                  <a:srgbClr val="A75EAB"/>
-                </a:solidFill>
-                <a:ln>
-                  <a:noFill/>
-                </a:ln>
-              </p:spPr>
-              <p:txBody>
-                <a:bodyPr spcFirstLastPara="1" wrap="square" lIns="68569" tIns="68569" rIns="68569" bIns="68569" anchor="ctr" anchorCtr="0">
-                  <a:noAutofit/>
-                </a:bodyPr>
-                <a:lstStyle/>
-                <a:p>
-                  <a:pPr defTabSz="336947">
-                    <a:defRPr/>
-                  </a:pPr>
-                  <a:endParaRPr sz="1350">
-                    <a:latin typeface="Calibri"/>
-                    <a:cs typeface="Calibri"/>
-                  </a:endParaRPr>
-                </a:p>
-              </p:txBody>
-            </p:sp>
-          </p:grpSp>
-          <p:sp>
-            <p:nvSpPr>
-              <p:cNvPr id="167" name="Google Shape;1627;p34">
-                <a:extLst>
-                  <a:ext uri="{FF2B5EF4-FFF2-40B4-BE49-F238E27FC236}">
-                    <a16:creationId xmlns:a16="http://schemas.microsoft.com/office/drawing/2014/main" id="{551B54B6-2132-8A13-E2C9-DB119086C46B}"/>
-                  </a:ext>
-                </a:extLst>
-              </p:cNvPr>
-              <p:cNvSpPr txBox="1"/>
-              <p:nvPr/>
-            </p:nvSpPr>
-            <p:spPr>
-              <a:xfrm>
-                <a:off x="2637158" y="1610045"/>
-                <a:ext cx="1893287" cy="520500"/>
-              </a:xfrm>
-              <a:prstGeom prst="rect">
-                <a:avLst/>
-              </a:prstGeom>
-              <a:noFill/>
-              <a:ln>
-                <a:noFill/>
-              </a:ln>
-            </p:spPr>
-            <p:txBody>
-              <a:bodyPr spcFirstLastPara="1" wrap="square" lIns="68569" tIns="68569" rIns="68569" bIns="68569" anchor="ctr" anchorCtr="0">
-                <a:noAutofit/>
-              </a:bodyPr>
-              <a:lstStyle/>
-              <a:p>
-                <a:pPr algn="ctr" defTabSz="336947">
-                  <a:defRPr/>
-                </a:pPr>
-                <a:r>
-                  <a:rPr lang="en" sz="600" dirty="0">
-                    <a:solidFill>
-                      <a:schemeClr val="tx1"/>
-                    </a:solidFill>
-                    <a:latin typeface="Roboto"/>
-                    <a:ea typeface="Roboto"/>
-                    <a:cs typeface="Roboto"/>
-                    <a:sym typeface="Roboto"/>
-                  </a:rPr>
-                  <a:t>Avaliando o Aprendizado - ciclo 1.</a:t>
-                </a:r>
-                <a:endParaRPr sz="600" dirty="0">
-                  <a:solidFill>
-                    <a:schemeClr val="tx1"/>
-                  </a:solidFill>
-                  <a:latin typeface="Roboto"/>
-                  <a:ea typeface="Roboto"/>
-                  <a:cs typeface="Roboto"/>
-                  <a:sym typeface="Roboto"/>
-                </a:endParaRPr>
-              </a:p>
-            </p:txBody>
-          </p:sp>
-        </p:grpSp>
-        <p:sp>
-          <p:nvSpPr>
-            <p:cNvPr id="174" name="Google Shape;1592;p34">
-              <a:extLst>
-                <a:ext uri="{FF2B5EF4-FFF2-40B4-BE49-F238E27FC236}">
-                  <a16:creationId xmlns:a16="http://schemas.microsoft.com/office/drawing/2014/main" id="{534C638D-5C3F-19A2-07D2-E10BC000E55B}"/>
-                </a:ext>
-              </a:extLst>
-            </p:cNvPr>
-            <p:cNvSpPr/>
-            <p:nvPr/>
-          </p:nvSpPr>
-          <p:spPr>
-            <a:xfrm rot="16200000">
-              <a:off x="8688689" y="3639984"/>
-              <a:ext cx="1800000" cy="8792"/>
-            </a:xfrm>
-            <a:custGeom>
-              <a:avLst/>
-              <a:gdLst/>
-              <a:ahLst/>
-              <a:cxnLst/>
-              <a:rect l="l" t="t" r="r" b="b"/>
-              <a:pathLst>
-                <a:path w="135881" h="184" extrusionOk="0">
-                  <a:moveTo>
-                    <a:pt x="60" y="0"/>
-                  </a:moveTo>
-                  <a:cubicBezTo>
-                    <a:pt x="0" y="0"/>
-                    <a:pt x="0" y="60"/>
-                    <a:pt x="0" y="124"/>
-                  </a:cubicBezTo>
-                  <a:cubicBezTo>
-                    <a:pt x="0" y="124"/>
-                    <a:pt x="0" y="184"/>
-                    <a:pt x="60" y="184"/>
-                  </a:cubicBezTo>
-                  <a:lnTo>
-                    <a:pt x="135757" y="184"/>
-                  </a:lnTo>
-                  <a:cubicBezTo>
-                    <a:pt x="135821" y="184"/>
-                    <a:pt x="135881" y="124"/>
-                    <a:pt x="135881" y="124"/>
-                  </a:cubicBezTo>
-                  <a:cubicBezTo>
-                    <a:pt x="135881" y="60"/>
-                    <a:pt x="135821" y="0"/>
-                    <a:pt x="135757" y="0"/>
-                  </a:cubicBezTo>
-                  <a:close/>
-                </a:path>
-              </a:pathLst>
-            </a:custGeom>
-            <a:solidFill>
-              <a:schemeClr val="dk2"/>
-            </a:solidFill>
-            <a:ln>
-              <a:noFill/>
-            </a:ln>
-          </p:spPr>
-          <p:txBody>
-            <a:bodyPr spcFirstLastPara="1" wrap="square" lIns="68569" tIns="68569" rIns="68569" bIns="68569" anchor="ctr" anchorCtr="0">
-              <a:noAutofit/>
-            </a:bodyPr>
-            <a:lstStyle/>
-            <a:p>
-              <a:pPr defTabSz="336947">
-                <a:defRPr/>
-              </a:pPr>
-              <a:endParaRPr sz="1350">
-                <a:latin typeface="Calibri"/>
-                <a:cs typeface="Calibri"/>
-              </a:endParaRPr>
-            </a:p>
-          </p:txBody>
-        </p:sp>
-        <p:sp>
-          <p:nvSpPr>
-            <p:cNvPr id="175" name="Google Shape;1592;p34">
-              <a:extLst>
-                <a:ext uri="{FF2B5EF4-FFF2-40B4-BE49-F238E27FC236}">
-                  <a16:creationId xmlns:a16="http://schemas.microsoft.com/office/drawing/2014/main" id="{CF0B3FF4-167D-622F-C058-AA3D17925FA0}"/>
-                </a:ext>
-              </a:extLst>
-            </p:cNvPr>
-            <p:cNvSpPr/>
-            <p:nvPr/>
-          </p:nvSpPr>
-          <p:spPr>
-            <a:xfrm>
-              <a:off x="8556606" y="4513197"/>
-              <a:ext cx="1036397" cy="33978"/>
-            </a:xfrm>
-            <a:custGeom>
-              <a:avLst/>
-              <a:gdLst/>
-              <a:ahLst/>
-              <a:cxnLst/>
-              <a:rect l="l" t="t" r="r" b="b"/>
-              <a:pathLst>
-                <a:path w="135881" h="184" extrusionOk="0">
-                  <a:moveTo>
-                    <a:pt x="60" y="0"/>
-                  </a:moveTo>
-                  <a:cubicBezTo>
-                    <a:pt x="0" y="0"/>
-                    <a:pt x="0" y="60"/>
-                    <a:pt x="0" y="124"/>
-                  </a:cubicBezTo>
-                  <a:cubicBezTo>
-                    <a:pt x="0" y="124"/>
-                    <a:pt x="0" y="184"/>
-                    <a:pt x="60" y="184"/>
-                  </a:cubicBezTo>
-                  <a:lnTo>
-                    <a:pt x="135757" y="184"/>
-                  </a:lnTo>
-                  <a:cubicBezTo>
-                    <a:pt x="135821" y="184"/>
-                    <a:pt x="135881" y="124"/>
-                    <a:pt x="135881" y="124"/>
-                  </a:cubicBezTo>
-                  <a:cubicBezTo>
-                    <a:pt x="135881" y="60"/>
-                    <a:pt x="135821" y="0"/>
-                    <a:pt x="135757" y="0"/>
-                  </a:cubicBezTo>
-                  <a:close/>
-                </a:path>
-              </a:pathLst>
-            </a:custGeom>
-            <a:solidFill>
-              <a:schemeClr val="dk2"/>
-            </a:solidFill>
-            <a:ln>
-              <a:noFill/>
-            </a:ln>
-          </p:spPr>
-          <p:txBody>
-            <a:bodyPr spcFirstLastPara="1" wrap="square" lIns="68569" tIns="68569" rIns="68569" bIns="68569" anchor="ctr" anchorCtr="0">
-              <a:noAutofit/>
-            </a:bodyPr>
-            <a:lstStyle/>
-            <a:p>
-              <a:pPr defTabSz="336947">
-                <a:defRPr/>
-              </a:pPr>
-              <a:endParaRPr sz="1350">
-                <a:latin typeface="Calibri"/>
-                <a:cs typeface="Calibri"/>
-              </a:endParaRPr>
-            </a:p>
-          </p:txBody>
-        </p:sp>
-        <p:grpSp>
-          <p:nvGrpSpPr>
-            <p:cNvPr id="176" name="Google Shape;1593;p34">
-              <a:extLst>
-                <a:ext uri="{FF2B5EF4-FFF2-40B4-BE49-F238E27FC236}">
-                  <a16:creationId xmlns:a16="http://schemas.microsoft.com/office/drawing/2014/main" id="{89D7E796-DBD1-225C-7808-F1888AB8285C}"/>
-                </a:ext>
-              </a:extLst>
-            </p:cNvPr>
-            <p:cNvGrpSpPr/>
-            <p:nvPr/>
-          </p:nvGrpSpPr>
-          <p:grpSpPr>
-            <a:xfrm>
-              <a:off x="2365268" y="2148382"/>
-              <a:ext cx="1229664" cy="1402539"/>
-              <a:chOff x="754370" y="1954758"/>
-              <a:chExt cx="1904065" cy="2171754"/>
-            </a:xfrm>
-          </p:grpSpPr>
-          <p:sp>
-            <p:nvSpPr>
-              <p:cNvPr id="177" name="Google Shape;1594;p34">
-                <a:extLst>
-                  <a:ext uri="{FF2B5EF4-FFF2-40B4-BE49-F238E27FC236}">
-                    <a16:creationId xmlns:a16="http://schemas.microsoft.com/office/drawing/2014/main" id="{10E9B257-5685-B800-034E-F94108279015}"/>
-                  </a:ext>
-                </a:extLst>
-              </p:cNvPr>
-              <p:cNvSpPr txBox="1"/>
-              <p:nvPr/>
-            </p:nvSpPr>
-            <p:spPr>
-              <a:xfrm>
-                <a:off x="754370" y="3606012"/>
-                <a:ext cx="1904065" cy="520500"/>
-              </a:xfrm>
-              <a:prstGeom prst="rect">
-                <a:avLst/>
-              </a:prstGeom>
-              <a:noFill/>
-              <a:ln>
-                <a:noFill/>
-              </a:ln>
-            </p:spPr>
-            <p:txBody>
-              <a:bodyPr spcFirstLastPara="1" wrap="square" lIns="68569" tIns="68569" rIns="68569" bIns="68569" anchor="ctr" anchorCtr="0">
-                <a:noAutofit/>
-              </a:bodyPr>
-              <a:lstStyle/>
-              <a:p>
-                <a:pPr algn="ctr" defTabSz="336947">
-                  <a:defRPr/>
-                </a:pPr>
-                <a:r>
-                  <a:rPr lang="pt-BR" sz="600" dirty="0">
-                    <a:solidFill>
-                      <a:schemeClr val="tx1"/>
-                    </a:solidFill>
-                    <a:latin typeface="Roboto"/>
-                    <a:ea typeface="Roboto"/>
-                    <a:cs typeface="Roboto"/>
-                    <a:sym typeface="Roboto"/>
-                  </a:rPr>
-                  <a:t>Avaliando o Aprendizado - ciclo 2</a:t>
-                </a:r>
-                <a:r>
-                  <a:rPr lang="pt-BR" sz="600" dirty="0">
-                    <a:solidFill>
-                      <a:srgbClr val="A7A7A7"/>
-                    </a:solidFill>
-                    <a:latin typeface="Roboto"/>
-                    <a:ea typeface="Roboto"/>
-                    <a:cs typeface="Roboto"/>
-                    <a:sym typeface="Roboto"/>
-                  </a:rPr>
-                  <a:t>.</a:t>
-                </a:r>
-              </a:p>
-            </p:txBody>
-          </p:sp>
-          <p:grpSp>
-            <p:nvGrpSpPr>
-              <p:cNvPr id="178" name="Google Shape;1595;p34">
-                <a:extLst>
-                  <a:ext uri="{FF2B5EF4-FFF2-40B4-BE49-F238E27FC236}">
-                    <a16:creationId xmlns:a16="http://schemas.microsoft.com/office/drawing/2014/main" id="{7FE6AABB-C19E-6E69-BD19-C19049298EE5}"/>
-                  </a:ext>
-                </a:extLst>
-              </p:cNvPr>
-              <p:cNvGrpSpPr/>
-              <p:nvPr/>
-            </p:nvGrpSpPr>
-            <p:grpSpPr>
-              <a:xfrm>
-                <a:off x="1306267" y="2586171"/>
-                <a:ext cx="681652" cy="969321"/>
-                <a:chOff x="2310388" y="2586171"/>
-                <a:chExt cx="681652" cy="969321"/>
-              </a:xfrm>
-            </p:grpSpPr>
-            <p:sp>
-              <p:nvSpPr>
-                <p:cNvPr id="180" name="Google Shape;1596;p34">
-                  <a:extLst>
-                    <a:ext uri="{FF2B5EF4-FFF2-40B4-BE49-F238E27FC236}">
-                      <a16:creationId xmlns:a16="http://schemas.microsoft.com/office/drawing/2014/main" id="{224C83A8-3D5D-6D7E-DDE9-8A6DA63215E3}"/>
-                    </a:ext>
-                  </a:extLst>
-                </p:cNvPr>
-                <p:cNvSpPr/>
-                <p:nvPr/>
-              </p:nvSpPr>
-              <p:spPr>
-                <a:xfrm>
-                  <a:off x="2399315" y="2586171"/>
-                  <a:ext cx="592725" cy="592773"/>
-                </a:xfrm>
-                <a:custGeom>
-                  <a:avLst/>
-                  <a:gdLst/>
-                  <a:ahLst/>
-                  <a:cxnLst/>
-                  <a:rect l="l" t="t" r="r" b="b"/>
-                  <a:pathLst>
-                    <a:path w="12404" h="12405" extrusionOk="0">
-                      <a:moveTo>
-                        <a:pt x="6202" y="124"/>
-                      </a:moveTo>
-                      <a:cubicBezTo>
-                        <a:pt x="9551" y="124"/>
-                        <a:pt x="12280" y="2853"/>
-                        <a:pt x="12280" y="6202"/>
-                      </a:cubicBezTo>
-                      <a:cubicBezTo>
-                        <a:pt x="12280" y="9487"/>
-                        <a:pt x="9551" y="12216"/>
-                        <a:pt x="6202" y="12216"/>
-                      </a:cubicBezTo>
-                      <a:cubicBezTo>
-                        <a:pt x="2913" y="12216"/>
-                        <a:pt x="184" y="9487"/>
-                        <a:pt x="184" y="6202"/>
-                      </a:cubicBezTo>
-                      <a:cubicBezTo>
-                        <a:pt x="184" y="2853"/>
-                        <a:pt x="2913" y="124"/>
-                        <a:pt x="6202" y="124"/>
-                      </a:cubicBezTo>
-                      <a:close/>
-                      <a:moveTo>
-                        <a:pt x="6202" y="0"/>
-                      </a:moveTo>
-                      <a:cubicBezTo>
-                        <a:pt x="2789" y="0"/>
-                        <a:pt x="0" y="2729"/>
-                        <a:pt x="0" y="6202"/>
-                      </a:cubicBezTo>
-                      <a:cubicBezTo>
-                        <a:pt x="0" y="9611"/>
-                        <a:pt x="2789" y="12404"/>
-                        <a:pt x="6202" y="12404"/>
-                      </a:cubicBezTo>
-                      <a:cubicBezTo>
-                        <a:pt x="9611" y="12404"/>
-                        <a:pt x="12404" y="9611"/>
-                        <a:pt x="12404" y="6202"/>
-                      </a:cubicBezTo>
-                      <a:cubicBezTo>
-                        <a:pt x="12404" y="2729"/>
-                        <a:pt x="9611" y="0"/>
-                        <a:pt x="6202" y="0"/>
-                      </a:cubicBezTo>
-                      <a:close/>
-                    </a:path>
-                  </a:pathLst>
-                </a:custGeom>
-                <a:solidFill>
-                  <a:schemeClr val="bg2">
-                    <a:lumMod val="40000"/>
-                    <a:lumOff val="60000"/>
-                  </a:schemeClr>
-                </a:solidFill>
-                <a:ln>
-                  <a:noFill/>
-                </a:ln>
-              </p:spPr>
-              <p:txBody>
-                <a:bodyPr spcFirstLastPara="1" wrap="square" lIns="68569" tIns="68569" rIns="68569" bIns="68569" anchor="ctr" anchorCtr="0">
-                  <a:noAutofit/>
-                </a:bodyPr>
-                <a:lstStyle/>
-                <a:p>
-                  <a:pPr defTabSz="336947">
-                    <a:defRPr/>
-                  </a:pPr>
-                  <a:endParaRPr sz="1350">
-                    <a:latin typeface="Calibri"/>
-                    <a:cs typeface="Calibri"/>
-                  </a:endParaRPr>
-                </a:p>
-              </p:txBody>
-            </p:sp>
-            <p:sp>
-              <p:nvSpPr>
-                <p:cNvPr id="181" name="Google Shape;1597;p34">
-                  <a:extLst>
-                    <a:ext uri="{FF2B5EF4-FFF2-40B4-BE49-F238E27FC236}">
-                      <a16:creationId xmlns:a16="http://schemas.microsoft.com/office/drawing/2014/main" id="{BA4DFBB1-494C-F88B-C5FB-B5CFA4ABCD96}"/>
-                    </a:ext>
-                  </a:extLst>
-                </p:cNvPr>
-                <p:cNvSpPr/>
-                <p:nvPr/>
-              </p:nvSpPr>
-              <p:spPr>
-                <a:xfrm>
-                  <a:off x="2514764" y="2698799"/>
-                  <a:ext cx="361589" cy="364456"/>
-                </a:xfrm>
-                <a:custGeom>
-                  <a:avLst/>
-                  <a:gdLst/>
-                  <a:ahLst/>
-                  <a:cxnLst/>
-                  <a:rect l="l" t="t" r="r" b="b"/>
-                  <a:pathLst>
-                    <a:path w="7567" h="7627" extrusionOk="0">
-                      <a:moveTo>
-                        <a:pt x="3786" y="496"/>
-                      </a:moveTo>
-                      <a:cubicBezTo>
-                        <a:pt x="5647" y="496"/>
-                        <a:pt x="7135" y="1985"/>
-                        <a:pt x="7135" y="3845"/>
-                      </a:cubicBezTo>
-                      <a:cubicBezTo>
-                        <a:pt x="7135" y="5641"/>
-                        <a:pt x="5647" y="7130"/>
-                        <a:pt x="3786" y="7130"/>
-                      </a:cubicBezTo>
-                      <a:cubicBezTo>
-                        <a:pt x="1985" y="7130"/>
-                        <a:pt x="497" y="5641"/>
-                        <a:pt x="497" y="3845"/>
-                      </a:cubicBezTo>
-                      <a:cubicBezTo>
-                        <a:pt x="497" y="1985"/>
-                        <a:pt x="1985" y="496"/>
-                        <a:pt x="3786" y="496"/>
-                      </a:cubicBezTo>
-                      <a:close/>
-                      <a:moveTo>
-                        <a:pt x="3786" y="0"/>
-                      </a:moveTo>
-                      <a:cubicBezTo>
-                        <a:pt x="1677" y="0"/>
-                        <a:pt x="0" y="1737"/>
-                        <a:pt x="0" y="3845"/>
-                      </a:cubicBezTo>
-                      <a:cubicBezTo>
-                        <a:pt x="0" y="5889"/>
-                        <a:pt x="1677" y="7626"/>
-                        <a:pt x="3786" y="7626"/>
-                      </a:cubicBezTo>
-                      <a:cubicBezTo>
-                        <a:pt x="5895" y="7626"/>
-                        <a:pt x="7567" y="5889"/>
-                        <a:pt x="7567" y="3845"/>
-                      </a:cubicBezTo>
-                      <a:cubicBezTo>
-                        <a:pt x="7567" y="1737"/>
-                        <a:pt x="5895" y="0"/>
-                        <a:pt x="3786" y="0"/>
-                      </a:cubicBezTo>
-                      <a:close/>
-                    </a:path>
-                  </a:pathLst>
-                </a:custGeom>
-                <a:solidFill>
-                  <a:srgbClr val="A75EAB"/>
-                </a:solidFill>
-                <a:ln>
-                  <a:noFill/>
-                </a:ln>
-              </p:spPr>
-              <p:txBody>
-                <a:bodyPr spcFirstLastPara="1" wrap="square" lIns="68569" tIns="68569" rIns="68569" bIns="68569" anchor="ctr" anchorCtr="0">
-                  <a:noAutofit/>
-                </a:bodyPr>
-                <a:lstStyle/>
-                <a:p>
-                  <a:pPr defTabSz="336947">
-                    <a:defRPr/>
-                  </a:pPr>
-                  <a:endParaRPr sz="1350">
-                    <a:latin typeface="Calibri"/>
-                    <a:cs typeface="Calibri"/>
-                  </a:endParaRPr>
-                </a:p>
-              </p:txBody>
-            </p:sp>
-            <p:sp>
-              <p:nvSpPr>
-                <p:cNvPr id="182" name="Google Shape;1598;p34">
-                  <a:extLst>
-                    <a:ext uri="{FF2B5EF4-FFF2-40B4-BE49-F238E27FC236}">
-                      <a16:creationId xmlns:a16="http://schemas.microsoft.com/office/drawing/2014/main" id="{F6769AB3-958F-F8DE-50DE-01FE287C6145}"/>
-                    </a:ext>
-                  </a:extLst>
-                </p:cNvPr>
-                <p:cNvSpPr/>
-                <p:nvPr/>
-              </p:nvSpPr>
-              <p:spPr>
-                <a:xfrm>
-                  <a:off x="2612674" y="2796473"/>
-                  <a:ext cx="168872" cy="169062"/>
-                </a:xfrm>
-                <a:custGeom>
-                  <a:avLst/>
-                  <a:gdLst/>
-                  <a:ahLst/>
-                  <a:cxnLst/>
-                  <a:rect l="l" t="t" r="r" b="b"/>
-                  <a:pathLst>
-                    <a:path w="3534" h="3538" extrusionOk="0">
-                      <a:moveTo>
-                        <a:pt x="1737" y="0"/>
-                      </a:moveTo>
-                      <a:cubicBezTo>
-                        <a:pt x="745" y="0"/>
-                        <a:pt x="1" y="809"/>
-                        <a:pt x="1" y="1801"/>
-                      </a:cubicBezTo>
-                      <a:cubicBezTo>
-                        <a:pt x="1" y="2729"/>
-                        <a:pt x="745" y="3538"/>
-                        <a:pt x="1737" y="3538"/>
-                      </a:cubicBezTo>
-                      <a:cubicBezTo>
-                        <a:pt x="2729" y="3538"/>
-                        <a:pt x="3533" y="2729"/>
-                        <a:pt x="3533" y="1801"/>
-                      </a:cubicBezTo>
-                      <a:cubicBezTo>
-                        <a:pt x="3533" y="809"/>
-                        <a:pt x="2729" y="0"/>
-                        <a:pt x="1737" y="0"/>
-                      </a:cubicBezTo>
-                      <a:close/>
-                    </a:path>
-                  </a:pathLst>
-                </a:custGeom>
-                <a:solidFill>
-                  <a:srgbClr val="A75EAB"/>
-                </a:solidFill>
-                <a:ln>
-                  <a:noFill/>
-                </a:ln>
-              </p:spPr>
-              <p:txBody>
-                <a:bodyPr spcFirstLastPara="1" wrap="square" lIns="68569" tIns="68569" rIns="68569" bIns="68569" anchor="ctr" anchorCtr="0">
-                  <a:noAutofit/>
-                </a:bodyPr>
-                <a:lstStyle/>
-                <a:p>
-                  <a:pPr defTabSz="336947">
-                    <a:defRPr/>
-                  </a:pPr>
-                  <a:endParaRPr sz="1350">
-                    <a:latin typeface="Calibri"/>
-                    <a:cs typeface="Calibri"/>
-                  </a:endParaRPr>
-                </a:p>
-              </p:txBody>
-            </p:sp>
-            <p:sp>
-              <p:nvSpPr>
-                <p:cNvPr id="183" name="Google Shape;1599;p34">
-                  <a:extLst>
-                    <a:ext uri="{FF2B5EF4-FFF2-40B4-BE49-F238E27FC236}">
-                      <a16:creationId xmlns:a16="http://schemas.microsoft.com/office/drawing/2014/main" id="{A8B22BCC-6E86-DF31-3D6F-9045F75A54DF}"/>
-                    </a:ext>
-                  </a:extLst>
-                </p:cNvPr>
-                <p:cNvSpPr/>
-                <p:nvPr/>
-              </p:nvSpPr>
-              <p:spPr>
-                <a:xfrm>
-                  <a:off x="2692577" y="3172972"/>
-                  <a:ext cx="9079" cy="303448"/>
-                </a:xfrm>
-                <a:custGeom>
-                  <a:avLst/>
-                  <a:gdLst/>
-                  <a:ahLst/>
-                  <a:cxnLst/>
-                  <a:rect l="l" t="t" r="r" b="b"/>
-                  <a:pathLst>
-                    <a:path w="190" h="19658" extrusionOk="0">
-                      <a:moveTo>
-                        <a:pt x="1" y="0"/>
-                      </a:moveTo>
-                      <a:lnTo>
-                        <a:pt x="1" y="19658"/>
-                      </a:lnTo>
-                      <a:lnTo>
-                        <a:pt x="189" y="19658"/>
-                      </a:lnTo>
-                      <a:lnTo>
-                        <a:pt x="189" y="0"/>
-                      </a:lnTo>
-                      <a:close/>
-                    </a:path>
-                  </a:pathLst>
-                </a:custGeom>
-                <a:solidFill>
-                  <a:schemeClr val="bg2">
-                    <a:lumMod val="40000"/>
-                    <a:lumOff val="60000"/>
-                  </a:schemeClr>
-                </a:solidFill>
-                <a:ln>
-                  <a:noFill/>
-                </a:ln>
-              </p:spPr>
-              <p:txBody>
-                <a:bodyPr spcFirstLastPara="1" wrap="square" lIns="68569" tIns="68569" rIns="68569" bIns="68569" anchor="ctr" anchorCtr="0">
-                  <a:noAutofit/>
-                </a:bodyPr>
-                <a:lstStyle/>
-                <a:p>
-                  <a:pPr defTabSz="336947">
-                    <a:defRPr/>
-                  </a:pPr>
-                  <a:endParaRPr sz="1350">
-                    <a:latin typeface="Calibri"/>
-                    <a:cs typeface="Calibri"/>
-                  </a:endParaRPr>
-                </a:p>
-              </p:txBody>
-            </p:sp>
-            <p:sp>
-              <p:nvSpPr>
-                <p:cNvPr id="184" name="Google Shape;1600;p34">
-                  <a:extLst>
-                    <a:ext uri="{FF2B5EF4-FFF2-40B4-BE49-F238E27FC236}">
-                      <a16:creationId xmlns:a16="http://schemas.microsoft.com/office/drawing/2014/main" id="{E4B6DD0D-68F7-DE6D-04DF-00574A7609F5}"/>
-                    </a:ext>
-                  </a:extLst>
-                </p:cNvPr>
-                <p:cNvSpPr/>
-                <p:nvPr/>
-              </p:nvSpPr>
-              <p:spPr>
-                <a:xfrm>
-                  <a:off x="2310388" y="2885354"/>
-                  <a:ext cx="385338" cy="388396"/>
-                </a:xfrm>
-                <a:custGeom>
-                  <a:avLst/>
-                  <a:gdLst/>
-                  <a:ahLst/>
-                  <a:cxnLst/>
-                  <a:rect l="l" t="t" r="r" b="b"/>
-                  <a:pathLst>
-                    <a:path w="8064" h="8128" extrusionOk="0">
-                      <a:moveTo>
-                        <a:pt x="1" y="1"/>
-                      </a:moveTo>
-                      <a:cubicBezTo>
-                        <a:pt x="1" y="4466"/>
-                        <a:pt x="3598" y="8128"/>
-                        <a:pt x="8063" y="8128"/>
-                      </a:cubicBezTo>
-                      <a:lnTo>
-                        <a:pt x="8063" y="7939"/>
-                      </a:lnTo>
-                      <a:cubicBezTo>
-                        <a:pt x="3722" y="7939"/>
-                        <a:pt x="125" y="4407"/>
-                        <a:pt x="125" y="1"/>
-                      </a:cubicBezTo>
-                      <a:close/>
-                    </a:path>
-                  </a:pathLst>
-                </a:custGeom>
-                <a:solidFill>
-                  <a:schemeClr val="bg2">
-                    <a:lumMod val="40000"/>
-                    <a:lumOff val="60000"/>
-                  </a:schemeClr>
-                </a:solidFill>
-                <a:ln>
-                  <a:noFill/>
-                </a:ln>
-              </p:spPr>
-              <p:txBody>
-                <a:bodyPr spcFirstLastPara="1" wrap="square" lIns="68569" tIns="68569" rIns="68569" bIns="68569" anchor="ctr" anchorCtr="0">
-                  <a:noAutofit/>
-                </a:bodyPr>
-                <a:lstStyle/>
-                <a:p>
-                  <a:pPr defTabSz="336947">
-                    <a:defRPr/>
-                  </a:pPr>
-                  <a:endParaRPr sz="1350">
-                    <a:latin typeface="Calibri"/>
-                    <a:cs typeface="Calibri"/>
-                  </a:endParaRPr>
-                </a:p>
-              </p:txBody>
-            </p:sp>
-            <p:sp>
-              <p:nvSpPr>
-                <p:cNvPr id="185" name="Google Shape;1601;p34">
-                  <a:extLst>
-                    <a:ext uri="{FF2B5EF4-FFF2-40B4-BE49-F238E27FC236}">
-                      <a16:creationId xmlns:a16="http://schemas.microsoft.com/office/drawing/2014/main" id="{E7F48131-9812-3B6A-176E-BECCE17B27F7}"/>
-                    </a:ext>
-                  </a:extLst>
-                </p:cNvPr>
-                <p:cNvSpPr/>
-                <p:nvPr/>
-              </p:nvSpPr>
-              <p:spPr>
-                <a:xfrm>
-                  <a:off x="2646714" y="3454692"/>
-                  <a:ext cx="100800" cy="100800"/>
-                </a:xfrm>
-                <a:prstGeom prst="ellipse">
-                  <a:avLst/>
-                </a:prstGeom>
-                <a:solidFill>
-                  <a:srgbClr val="A75EAB"/>
-                </a:solidFill>
-                <a:ln>
-                  <a:noFill/>
-                </a:ln>
-              </p:spPr>
-              <p:txBody>
-                <a:bodyPr spcFirstLastPara="1" wrap="square" lIns="68569" tIns="68569" rIns="68569" bIns="68569" anchor="ctr" anchorCtr="0">
-                  <a:noAutofit/>
-                </a:bodyPr>
-                <a:lstStyle/>
-                <a:p>
-                  <a:pPr defTabSz="336947">
-                    <a:defRPr/>
-                  </a:pPr>
-                  <a:endParaRPr sz="1350">
-                    <a:latin typeface="Calibri"/>
-                    <a:cs typeface="Calibri"/>
-                  </a:endParaRPr>
-                </a:p>
-              </p:txBody>
-            </p:sp>
-          </p:grpSp>
-          <p:sp>
-            <p:nvSpPr>
-              <p:cNvPr id="179" name="Google Shape;1602;p34">
-                <a:extLst>
-                  <a:ext uri="{FF2B5EF4-FFF2-40B4-BE49-F238E27FC236}">
-                    <a16:creationId xmlns:a16="http://schemas.microsoft.com/office/drawing/2014/main" id="{2EF0660A-992A-879C-091D-8FF1400EA5D6}"/>
-                  </a:ext>
-                </a:extLst>
-              </p:cNvPr>
-              <p:cNvSpPr txBox="1"/>
-              <p:nvPr/>
-            </p:nvSpPr>
-            <p:spPr>
-              <a:xfrm>
-                <a:off x="832179" y="1954758"/>
-                <a:ext cx="1754312" cy="627174"/>
-              </a:xfrm>
-              <a:prstGeom prst="rect">
-                <a:avLst/>
-              </a:prstGeom>
-              <a:noFill/>
-              <a:ln>
-                <a:noFill/>
-              </a:ln>
-            </p:spPr>
-            <p:txBody>
-              <a:bodyPr spcFirstLastPara="1" wrap="square" lIns="68569" tIns="68569" rIns="68569" bIns="68569" anchor="ctr" anchorCtr="0">
-                <a:noAutofit/>
-              </a:bodyPr>
-              <a:lstStyle/>
-              <a:p>
-                <a:pPr algn="ctr" defTabSz="336947">
-                  <a:lnSpc>
-                    <a:spcPct val="115000"/>
-                  </a:lnSpc>
-                  <a:buClr>
-                    <a:srgbClr val="A7A7A7"/>
-                  </a:buClr>
-                  <a:buSzPts val="1100"/>
-                  <a:defRPr/>
-                </a:pPr>
-                <a:r>
-                  <a:rPr lang="pt-BR" sz="825" b="1" dirty="0">
-                    <a:solidFill>
-                      <a:schemeClr val="tx1"/>
-                    </a:solidFill>
-                    <a:latin typeface="Fira Sans Extra Condensed"/>
-                    <a:ea typeface="Fira Sans Extra Condensed"/>
-                    <a:cs typeface="Fira Sans Extra Condensed"/>
-                    <a:sym typeface="Fira Sans Extra Condensed"/>
-                  </a:rPr>
-                  <a:t>02 de Outubro a</a:t>
-                </a:r>
-              </a:p>
-              <a:p>
-                <a:pPr algn="ctr" defTabSz="336947">
-                  <a:lnSpc>
-                    <a:spcPct val="115000"/>
-                  </a:lnSpc>
-                  <a:buClr>
-                    <a:srgbClr val="A7A7A7"/>
-                  </a:buClr>
-                  <a:buSzPts val="1100"/>
-                  <a:defRPr/>
-                </a:pPr>
-                <a:r>
-                  <a:rPr lang="pt-BR" sz="825" b="1" dirty="0">
-                    <a:solidFill>
-                      <a:schemeClr val="tx1"/>
-                    </a:solidFill>
-                    <a:latin typeface="Fira Sans Extra Condensed"/>
-                    <a:ea typeface="Fira Sans Extra Condensed"/>
-                    <a:cs typeface="Fira Sans Extra Condensed"/>
-                    <a:sym typeface="Fira Sans Extra Condensed"/>
-                  </a:rPr>
-                  <a:t>05 de Novembro</a:t>
-                </a:r>
-                <a:endParaRPr lang="pt-BR" sz="825" dirty="0">
-                  <a:solidFill>
-                    <a:schemeClr val="tx1"/>
-                  </a:solidFill>
-                  <a:latin typeface="Fira Sans Extra Condensed"/>
-                  <a:ea typeface="Fira Sans Extra Condensed"/>
-                  <a:cs typeface="Fira Sans Extra Condensed"/>
-                  <a:sym typeface="Fira Sans Extra Condensed"/>
-                </a:endParaRPr>
-              </a:p>
-            </p:txBody>
-          </p:sp>
-        </p:grpSp>
-        <p:grpSp>
-          <p:nvGrpSpPr>
-            <p:cNvPr id="186" name="Google Shape;1618;p34">
-              <a:extLst>
-                <a:ext uri="{FF2B5EF4-FFF2-40B4-BE49-F238E27FC236}">
-                  <a16:creationId xmlns:a16="http://schemas.microsoft.com/office/drawing/2014/main" id="{1FDA263B-CED6-AADB-BB1F-5B514F878DE7}"/>
-                </a:ext>
-              </a:extLst>
-            </p:cNvPr>
-            <p:cNvGrpSpPr/>
-            <p:nvPr/>
-          </p:nvGrpSpPr>
-          <p:grpSpPr>
-            <a:xfrm>
-              <a:off x="3545833" y="2032238"/>
-              <a:ext cx="1134000" cy="1207496"/>
-              <a:chOff x="2678024" y="1821547"/>
-              <a:chExt cx="1728346" cy="1773055"/>
-            </a:xfrm>
-          </p:grpSpPr>
-          <p:sp>
-            <p:nvSpPr>
-              <p:cNvPr id="187" name="Google Shape;1619;p34">
-                <a:extLst>
-                  <a:ext uri="{FF2B5EF4-FFF2-40B4-BE49-F238E27FC236}">
-                    <a16:creationId xmlns:a16="http://schemas.microsoft.com/office/drawing/2014/main" id="{CCEDD356-00EB-C61F-0F1A-1731CEB1A905}"/>
-                  </a:ext>
-                </a:extLst>
-              </p:cNvPr>
-              <p:cNvSpPr txBox="1"/>
-              <p:nvPr/>
-            </p:nvSpPr>
-            <p:spPr>
-              <a:xfrm>
-                <a:off x="2713316" y="3275529"/>
-                <a:ext cx="1649648" cy="319073"/>
-              </a:xfrm>
-              <a:prstGeom prst="rect">
-                <a:avLst/>
-              </a:prstGeom>
-              <a:noFill/>
-              <a:ln>
-                <a:noFill/>
-              </a:ln>
-            </p:spPr>
-            <p:txBody>
-              <a:bodyPr spcFirstLastPara="1" wrap="square" lIns="68569" tIns="68569" rIns="68569" bIns="68569" anchor="ctr" anchorCtr="0">
-                <a:noAutofit/>
-              </a:bodyPr>
-              <a:lstStyle/>
-              <a:p>
-                <a:pPr algn="ctr" defTabSz="336947">
-                  <a:lnSpc>
-                    <a:spcPct val="115000"/>
-                  </a:lnSpc>
-                  <a:defRPr/>
-                </a:pPr>
-                <a:r>
-                  <a:rPr lang="pt-BR" sz="825" b="1" dirty="0">
-                    <a:solidFill>
-                      <a:schemeClr val="tx1"/>
-                    </a:solidFill>
-                    <a:latin typeface="Fira Sans Extra Condensed"/>
-                    <a:cs typeface="Calibri"/>
-                    <a:sym typeface="Fira Sans Extra Condensed"/>
-                  </a:rPr>
-                  <a:t>16 a 20 de Outubro</a:t>
-                </a:r>
-              </a:p>
-            </p:txBody>
-          </p:sp>
-          <p:grpSp>
-            <p:nvGrpSpPr>
-              <p:cNvPr id="188" name="Google Shape;1620;p34">
-                <a:extLst>
-                  <a:ext uri="{FF2B5EF4-FFF2-40B4-BE49-F238E27FC236}">
-                    <a16:creationId xmlns:a16="http://schemas.microsoft.com/office/drawing/2014/main" id="{9970E003-EF34-A817-CE1A-0DBD63E2A1C2}"/>
-                  </a:ext>
-                </a:extLst>
-              </p:cNvPr>
-              <p:cNvGrpSpPr/>
-              <p:nvPr/>
-            </p:nvGrpSpPr>
-            <p:grpSpPr>
-              <a:xfrm>
-                <a:off x="3204006" y="2194620"/>
-                <a:ext cx="684519" cy="987143"/>
-                <a:chOff x="3545057" y="2194620"/>
-                <a:chExt cx="684519" cy="987143"/>
-              </a:xfrm>
-            </p:grpSpPr>
-            <p:sp>
-              <p:nvSpPr>
-                <p:cNvPr id="190" name="Google Shape;1621;p34">
-                  <a:extLst>
-                    <a:ext uri="{FF2B5EF4-FFF2-40B4-BE49-F238E27FC236}">
-                      <a16:creationId xmlns:a16="http://schemas.microsoft.com/office/drawing/2014/main" id="{8DFA8130-6C14-6D16-CBB6-63AAA124F7D3}"/>
-                    </a:ext>
-                  </a:extLst>
-                </p:cNvPr>
-                <p:cNvSpPr/>
-                <p:nvPr/>
-              </p:nvSpPr>
-              <p:spPr>
-                <a:xfrm>
-                  <a:off x="3545057" y="2588990"/>
-                  <a:ext cx="592773" cy="592773"/>
-                </a:xfrm>
-                <a:custGeom>
-                  <a:avLst/>
-                  <a:gdLst/>
-                  <a:ahLst/>
-                  <a:cxnLst/>
-                  <a:rect l="l" t="t" r="r" b="b"/>
-                  <a:pathLst>
-                    <a:path w="12405" h="12405" extrusionOk="0">
-                      <a:moveTo>
-                        <a:pt x="6202" y="190"/>
-                      </a:moveTo>
-                      <a:cubicBezTo>
-                        <a:pt x="9551" y="190"/>
-                        <a:pt x="12280" y="2854"/>
-                        <a:pt x="12280" y="6203"/>
-                      </a:cubicBezTo>
-                      <a:cubicBezTo>
-                        <a:pt x="12280" y="9552"/>
-                        <a:pt x="9551" y="12281"/>
-                        <a:pt x="6202" y="12281"/>
-                      </a:cubicBezTo>
-                      <a:cubicBezTo>
-                        <a:pt x="2853" y="12281"/>
-                        <a:pt x="184" y="9552"/>
-                        <a:pt x="184" y="6203"/>
-                      </a:cubicBezTo>
-                      <a:cubicBezTo>
-                        <a:pt x="184" y="2854"/>
-                        <a:pt x="2853" y="190"/>
-                        <a:pt x="6202" y="190"/>
-                      </a:cubicBezTo>
-                      <a:close/>
-                      <a:moveTo>
-                        <a:pt x="6202" y="1"/>
-                      </a:moveTo>
-                      <a:cubicBezTo>
-                        <a:pt x="2789" y="1"/>
-                        <a:pt x="0" y="2794"/>
-                        <a:pt x="0" y="6203"/>
-                      </a:cubicBezTo>
-                      <a:cubicBezTo>
-                        <a:pt x="0" y="9616"/>
-                        <a:pt x="2789" y="12405"/>
-                        <a:pt x="6202" y="12405"/>
-                      </a:cubicBezTo>
-                      <a:cubicBezTo>
-                        <a:pt x="9611" y="12405"/>
-                        <a:pt x="12404" y="9616"/>
-                        <a:pt x="12404" y="6203"/>
-                      </a:cubicBezTo>
-                      <a:cubicBezTo>
-                        <a:pt x="12404" y="2794"/>
-                        <a:pt x="9611" y="1"/>
-                        <a:pt x="6202" y="1"/>
-                      </a:cubicBezTo>
-                      <a:close/>
-                    </a:path>
-                  </a:pathLst>
-                </a:custGeom>
-                <a:solidFill>
-                  <a:schemeClr val="bg2">
-                    <a:lumMod val="40000"/>
-                    <a:lumOff val="60000"/>
-                  </a:schemeClr>
-                </a:solidFill>
-                <a:ln>
-                  <a:noFill/>
-                </a:ln>
-              </p:spPr>
-              <p:txBody>
-                <a:bodyPr spcFirstLastPara="1" wrap="square" lIns="68569" tIns="68569" rIns="68569" bIns="68569" anchor="ctr" anchorCtr="0">
-                  <a:noAutofit/>
-                </a:bodyPr>
-                <a:lstStyle/>
-                <a:p>
-                  <a:pPr defTabSz="336947">
-                    <a:defRPr/>
-                  </a:pPr>
-                  <a:endParaRPr sz="1350">
-                    <a:latin typeface="Calibri"/>
-                    <a:cs typeface="Calibri"/>
-                  </a:endParaRPr>
-                </a:p>
-              </p:txBody>
-            </p:sp>
-            <p:sp>
-              <p:nvSpPr>
-                <p:cNvPr id="191" name="Google Shape;1622;p34">
-                  <a:extLst>
-                    <a:ext uri="{FF2B5EF4-FFF2-40B4-BE49-F238E27FC236}">
-                      <a16:creationId xmlns:a16="http://schemas.microsoft.com/office/drawing/2014/main" id="{2EABB92F-8EBF-9E92-DA9D-28BDCACDE15C}"/>
-                    </a:ext>
-                  </a:extLst>
-                </p:cNvPr>
-                <p:cNvSpPr/>
-                <p:nvPr/>
-              </p:nvSpPr>
-              <p:spPr>
-                <a:xfrm>
-                  <a:off x="3660505" y="2704725"/>
-                  <a:ext cx="361589" cy="361589"/>
-                </a:xfrm>
-                <a:custGeom>
-                  <a:avLst/>
-                  <a:gdLst/>
-                  <a:ahLst/>
-                  <a:cxnLst/>
-                  <a:rect l="l" t="t" r="r" b="b"/>
-                  <a:pathLst>
-                    <a:path w="7567" h="7567" extrusionOk="0">
-                      <a:moveTo>
-                        <a:pt x="3786" y="496"/>
-                      </a:moveTo>
-                      <a:cubicBezTo>
-                        <a:pt x="5647" y="496"/>
-                        <a:pt x="7135" y="1985"/>
-                        <a:pt x="7135" y="3781"/>
-                      </a:cubicBezTo>
-                      <a:cubicBezTo>
-                        <a:pt x="7135" y="5641"/>
-                        <a:pt x="5647" y="7130"/>
-                        <a:pt x="3786" y="7130"/>
-                      </a:cubicBezTo>
-                      <a:cubicBezTo>
-                        <a:pt x="1985" y="7130"/>
-                        <a:pt x="497" y="5641"/>
-                        <a:pt x="497" y="3781"/>
-                      </a:cubicBezTo>
-                      <a:cubicBezTo>
-                        <a:pt x="497" y="1985"/>
-                        <a:pt x="1985" y="496"/>
-                        <a:pt x="3786" y="496"/>
-                      </a:cubicBezTo>
-                      <a:close/>
-                      <a:moveTo>
-                        <a:pt x="3786" y="0"/>
-                      </a:moveTo>
-                      <a:cubicBezTo>
-                        <a:pt x="1678" y="0"/>
-                        <a:pt x="1" y="1672"/>
-                        <a:pt x="1" y="3781"/>
-                      </a:cubicBezTo>
-                      <a:cubicBezTo>
-                        <a:pt x="1" y="5890"/>
-                        <a:pt x="1678" y="7567"/>
-                        <a:pt x="3786" y="7567"/>
-                      </a:cubicBezTo>
-                      <a:cubicBezTo>
-                        <a:pt x="5895" y="7567"/>
-                        <a:pt x="7567" y="5890"/>
-                        <a:pt x="7567" y="3781"/>
-                      </a:cubicBezTo>
-                      <a:cubicBezTo>
-                        <a:pt x="7567" y="1672"/>
-                        <a:pt x="5895" y="0"/>
-                        <a:pt x="3786" y="0"/>
-                      </a:cubicBezTo>
-                      <a:close/>
-                    </a:path>
-                  </a:pathLst>
-                </a:custGeom>
-                <a:solidFill>
-                  <a:srgbClr val="A75EAB"/>
-                </a:solidFill>
-                <a:ln>
-                  <a:noFill/>
-                </a:ln>
-              </p:spPr>
-              <p:txBody>
-                <a:bodyPr spcFirstLastPara="1" wrap="square" lIns="68569" tIns="68569" rIns="68569" bIns="68569" anchor="ctr" anchorCtr="0">
-                  <a:noAutofit/>
-                </a:bodyPr>
-                <a:lstStyle/>
-                <a:p>
-                  <a:pPr defTabSz="336947">
-                    <a:defRPr/>
-                  </a:pPr>
-                  <a:endParaRPr sz="1350">
-                    <a:latin typeface="Calibri"/>
-                    <a:cs typeface="Calibri"/>
-                  </a:endParaRPr>
-                </a:p>
-              </p:txBody>
-            </p:sp>
-            <p:sp>
-              <p:nvSpPr>
-                <p:cNvPr id="192" name="Google Shape;1623;p34">
-                  <a:extLst>
-                    <a:ext uri="{FF2B5EF4-FFF2-40B4-BE49-F238E27FC236}">
-                      <a16:creationId xmlns:a16="http://schemas.microsoft.com/office/drawing/2014/main" id="{BFC8A3BC-C5B9-9581-1137-90896EAB641D}"/>
-                    </a:ext>
-                  </a:extLst>
-                </p:cNvPr>
-                <p:cNvSpPr/>
-                <p:nvPr/>
-              </p:nvSpPr>
-              <p:spPr>
-                <a:xfrm>
-                  <a:off x="3755358" y="2799531"/>
-                  <a:ext cx="171930" cy="171930"/>
-                </a:xfrm>
-                <a:custGeom>
-                  <a:avLst/>
-                  <a:gdLst/>
-                  <a:ahLst/>
-                  <a:cxnLst/>
-                  <a:rect l="l" t="t" r="r" b="b"/>
-                  <a:pathLst>
-                    <a:path w="3598" h="3598" extrusionOk="0">
-                      <a:moveTo>
-                        <a:pt x="1801" y="1"/>
-                      </a:moveTo>
-                      <a:cubicBezTo>
-                        <a:pt x="809" y="1"/>
-                        <a:pt x="0" y="805"/>
-                        <a:pt x="0" y="1797"/>
-                      </a:cubicBezTo>
-                      <a:cubicBezTo>
-                        <a:pt x="0" y="2789"/>
-                        <a:pt x="809" y="3598"/>
-                        <a:pt x="1801" y="3598"/>
-                      </a:cubicBezTo>
-                      <a:cubicBezTo>
-                        <a:pt x="2794" y="3598"/>
-                        <a:pt x="3597" y="2789"/>
-                        <a:pt x="3597" y="1797"/>
-                      </a:cubicBezTo>
-                      <a:cubicBezTo>
-                        <a:pt x="3597" y="805"/>
-                        <a:pt x="2794" y="1"/>
-                        <a:pt x="1801" y="1"/>
-                      </a:cubicBezTo>
-                      <a:close/>
-                    </a:path>
-                  </a:pathLst>
-                </a:custGeom>
-                <a:solidFill>
-                  <a:srgbClr val="A75EAB"/>
-                </a:solidFill>
-                <a:ln>
-                  <a:noFill/>
-                </a:ln>
-              </p:spPr>
-              <p:txBody>
-                <a:bodyPr spcFirstLastPara="1" wrap="square" lIns="68569" tIns="68569" rIns="68569" bIns="68569" anchor="ctr" anchorCtr="0">
-                  <a:noAutofit/>
-                </a:bodyPr>
-                <a:lstStyle/>
-                <a:p>
-                  <a:pPr defTabSz="336947">
-                    <a:defRPr/>
-                  </a:pPr>
-                  <a:endParaRPr sz="1350">
-                    <a:latin typeface="Calibri"/>
-                    <a:cs typeface="Calibri"/>
-                  </a:endParaRPr>
-                </a:p>
-              </p:txBody>
-            </p:sp>
-            <p:sp>
-              <p:nvSpPr>
-                <p:cNvPr id="193" name="Google Shape;1624;p34">
-                  <a:extLst>
-                    <a:ext uri="{FF2B5EF4-FFF2-40B4-BE49-F238E27FC236}">
-                      <a16:creationId xmlns:a16="http://schemas.microsoft.com/office/drawing/2014/main" id="{EDEAD141-06C2-39D1-65AC-68FC4A5AB7E5}"/>
-                    </a:ext>
-                  </a:extLst>
-                </p:cNvPr>
-                <p:cNvSpPr/>
-                <p:nvPr/>
-              </p:nvSpPr>
-              <p:spPr>
-                <a:xfrm>
-                  <a:off x="3834923" y="2295416"/>
-                  <a:ext cx="5973" cy="303446"/>
-                </a:xfrm>
-                <a:custGeom>
-                  <a:avLst/>
-                  <a:gdLst/>
-                  <a:ahLst/>
-                  <a:cxnLst/>
-                  <a:rect l="l" t="t" r="r" b="b"/>
-                  <a:pathLst>
-                    <a:path w="125" h="19664" extrusionOk="0">
-                      <a:moveTo>
-                        <a:pt x="1" y="1"/>
-                      </a:moveTo>
-                      <a:lnTo>
-                        <a:pt x="1" y="19663"/>
-                      </a:lnTo>
-                      <a:lnTo>
-                        <a:pt x="125" y="19663"/>
-                      </a:lnTo>
-                      <a:lnTo>
-                        <a:pt x="125" y="1"/>
-                      </a:lnTo>
-                      <a:close/>
-                    </a:path>
-                  </a:pathLst>
-                </a:custGeom>
-                <a:solidFill>
-                  <a:schemeClr val="bg2">
-                    <a:lumMod val="40000"/>
-                    <a:lumOff val="60000"/>
-                  </a:schemeClr>
-                </a:solidFill>
-                <a:ln>
-                  <a:noFill/>
-                </a:ln>
-              </p:spPr>
-              <p:txBody>
-                <a:bodyPr spcFirstLastPara="1" wrap="square" lIns="68569" tIns="68569" rIns="68569" bIns="68569" anchor="ctr" anchorCtr="0">
-                  <a:noAutofit/>
-                </a:bodyPr>
-                <a:lstStyle/>
-                <a:p>
-                  <a:pPr defTabSz="336947">
-                    <a:defRPr/>
-                  </a:pPr>
-                  <a:endParaRPr sz="1350">
-                    <a:latin typeface="Calibri"/>
-                    <a:cs typeface="Calibri"/>
-                  </a:endParaRPr>
-                </a:p>
-              </p:txBody>
-            </p:sp>
-            <p:sp>
-              <p:nvSpPr>
-                <p:cNvPr id="194" name="Google Shape;1625;p34">
-                  <a:extLst>
-                    <a:ext uri="{FF2B5EF4-FFF2-40B4-BE49-F238E27FC236}">
-                      <a16:creationId xmlns:a16="http://schemas.microsoft.com/office/drawing/2014/main" id="{1D3B3964-DA56-E8B0-7C77-1D3834C7460D}"/>
-                    </a:ext>
-                  </a:extLst>
-                </p:cNvPr>
-                <p:cNvSpPr/>
-                <p:nvPr/>
-              </p:nvSpPr>
-              <p:spPr>
-                <a:xfrm>
-                  <a:off x="3841418" y="2500110"/>
-                  <a:ext cx="388158" cy="385290"/>
-                </a:xfrm>
-                <a:custGeom>
-                  <a:avLst/>
-                  <a:gdLst/>
-                  <a:ahLst/>
-                  <a:cxnLst/>
-                  <a:rect l="l" t="t" r="r" b="b"/>
-                  <a:pathLst>
-                    <a:path w="8123" h="8063" extrusionOk="0">
-                      <a:moveTo>
-                        <a:pt x="0" y="0"/>
-                      </a:moveTo>
-                      <a:lnTo>
-                        <a:pt x="0" y="124"/>
-                      </a:lnTo>
-                      <a:cubicBezTo>
-                        <a:pt x="4401" y="124"/>
-                        <a:pt x="7939" y="3722"/>
-                        <a:pt x="7939" y="8063"/>
-                      </a:cubicBezTo>
-                      <a:lnTo>
-                        <a:pt x="8122" y="8063"/>
-                      </a:lnTo>
-                      <a:cubicBezTo>
-                        <a:pt x="8122" y="3598"/>
-                        <a:pt x="4466" y="0"/>
-                        <a:pt x="0" y="0"/>
-                      </a:cubicBezTo>
-                      <a:close/>
-                    </a:path>
-                  </a:pathLst>
-                </a:custGeom>
-                <a:solidFill>
-                  <a:schemeClr val="bg2">
-                    <a:lumMod val="40000"/>
-                    <a:lumOff val="60000"/>
-                  </a:schemeClr>
-                </a:solidFill>
-                <a:ln>
-                  <a:noFill/>
-                </a:ln>
-              </p:spPr>
-              <p:txBody>
-                <a:bodyPr spcFirstLastPara="1" wrap="square" lIns="68569" tIns="68569" rIns="68569" bIns="68569" anchor="ctr" anchorCtr="0">
-                  <a:noAutofit/>
-                </a:bodyPr>
-                <a:lstStyle/>
-                <a:p>
-                  <a:pPr defTabSz="336947">
-                    <a:defRPr/>
-                  </a:pPr>
-                  <a:endParaRPr sz="1350">
-                    <a:latin typeface="Calibri"/>
-                    <a:cs typeface="Calibri"/>
-                  </a:endParaRPr>
-                </a:p>
-              </p:txBody>
-            </p:sp>
-            <p:sp>
-              <p:nvSpPr>
-                <p:cNvPr id="195" name="Google Shape;1626;p34">
-                  <a:extLst>
-                    <a:ext uri="{FF2B5EF4-FFF2-40B4-BE49-F238E27FC236}">
-                      <a16:creationId xmlns:a16="http://schemas.microsoft.com/office/drawing/2014/main" id="{7F1D9F81-8DBB-159B-E648-F0C11104F7C1}"/>
-                    </a:ext>
-                  </a:extLst>
-                </p:cNvPr>
-                <p:cNvSpPr/>
-                <p:nvPr/>
-              </p:nvSpPr>
-              <p:spPr>
-                <a:xfrm>
-                  <a:off x="3787649" y="2194620"/>
-                  <a:ext cx="100801" cy="100800"/>
-                </a:xfrm>
-                <a:prstGeom prst="ellipse">
-                  <a:avLst/>
-                </a:prstGeom>
-                <a:solidFill>
-                  <a:srgbClr val="A75EAB"/>
-                </a:solidFill>
-                <a:ln>
-                  <a:noFill/>
-                </a:ln>
-              </p:spPr>
-              <p:txBody>
-                <a:bodyPr spcFirstLastPara="1" wrap="square" lIns="68569" tIns="68569" rIns="68569" bIns="68569" anchor="ctr" anchorCtr="0">
-                  <a:noAutofit/>
-                </a:bodyPr>
-                <a:lstStyle/>
-                <a:p>
-                  <a:pPr defTabSz="336947">
-                    <a:defRPr/>
-                  </a:pPr>
-                  <a:endParaRPr sz="1350">
-                    <a:latin typeface="Calibri"/>
-                    <a:cs typeface="Calibri"/>
-                  </a:endParaRPr>
-                </a:p>
-              </p:txBody>
-            </p:sp>
-          </p:grpSp>
-          <p:sp>
-            <p:nvSpPr>
-              <p:cNvPr id="189" name="Google Shape;1627;p34">
-                <a:extLst>
-                  <a:ext uri="{FF2B5EF4-FFF2-40B4-BE49-F238E27FC236}">
-                    <a16:creationId xmlns:a16="http://schemas.microsoft.com/office/drawing/2014/main" id="{B7F6491B-9D99-D0F1-3C7F-14464DF55029}"/>
-                  </a:ext>
-                </a:extLst>
-              </p:cNvPr>
-              <p:cNvSpPr txBox="1"/>
-              <p:nvPr/>
-            </p:nvSpPr>
-            <p:spPr>
-              <a:xfrm>
-                <a:off x="2678024" y="1821547"/>
-                <a:ext cx="1728346" cy="308997"/>
-              </a:xfrm>
-              <a:prstGeom prst="rect">
-                <a:avLst/>
-              </a:prstGeom>
-              <a:noFill/>
-              <a:ln>
-                <a:noFill/>
-              </a:ln>
-            </p:spPr>
-            <p:txBody>
-              <a:bodyPr spcFirstLastPara="1" wrap="square" lIns="68569" tIns="68569" rIns="68569" bIns="68569" anchor="ctr" anchorCtr="0">
-                <a:noAutofit/>
-              </a:bodyPr>
-              <a:lstStyle/>
-              <a:p>
-                <a:pPr algn="ctr" defTabSz="336947">
-                  <a:defRPr/>
-                </a:pPr>
-                <a:r>
-                  <a:rPr lang="pt-BR" sz="600" dirty="0">
-                    <a:solidFill>
-                      <a:schemeClr val="tx1"/>
-                    </a:solidFill>
-                    <a:latin typeface="Roboto"/>
-                    <a:ea typeface="Roboto"/>
-                    <a:cs typeface="Roboto"/>
-                    <a:sym typeface="Roboto"/>
-                  </a:rPr>
-                  <a:t>Semana Nacional de Cursos</a:t>
-                </a:r>
-              </a:p>
-            </p:txBody>
-          </p:sp>
-        </p:grpSp>
-        <p:grpSp>
-          <p:nvGrpSpPr>
-            <p:cNvPr id="196" name="Google Shape;1593;p34">
-              <a:extLst>
-                <a:ext uri="{FF2B5EF4-FFF2-40B4-BE49-F238E27FC236}">
-                  <a16:creationId xmlns:a16="http://schemas.microsoft.com/office/drawing/2014/main" id="{0A10227A-63EB-E933-D0FF-62F98553A0B4}"/>
-                </a:ext>
-              </a:extLst>
-            </p:cNvPr>
-            <p:cNvGrpSpPr/>
-            <p:nvPr/>
-          </p:nvGrpSpPr>
-          <p:grpSpPr>
-            <a:xfrm>
-              <a:off x="4586102" y="2206265"/>
-              <a:ext cx="1362075" cy="1345561"/>
-              <a:chOff x="648102" y="2042986"/>
-              <a:chExt cx="2109096" cy="2083526"/>
-            </a:xfrm>
-          </p:grpSpPr>
-          <p:sp>
-            <p:nvSpPr>
-              <p:cNvPr id="197" name="Google Shape;1594;p34">
-                <a:extLst>
-                  <a:ext uri="{FF2B5EF4-FFF2-40B4-BE49-F238E27FC236}">
-                    <a16:creationId xmlns:a16="http://schemas.microsoft.com/office/drawing/2014/main" id="{5261B70B-F05B-CAEE-002F-DDAE576630B9}"/>
-                  </a:ext>
-                </a:extLst>
-              </p:cNvPr>
-              <p:cNvSpPr txBox="1"/>
-              <p:nvPr/>
-            </p:nvSpPr>
-            <p:spPr>
-              <a:xfrm>
-                <a:off x="648102" y="3606012"/>
-                <a:ext cx="2109096" cy="520500"/>
-              </a:xfrm>
-              <a:prstGeom prst="rect">
-                <a:avLst/>
-              </a:prstGeom>
-              <a:noFill/>
-              <a:ln>
-                <a:noFill/>
-              </a:ln>
-            </p:spPr>
-            <p:txBody>
-              <a:bodyPr spcFirstLastPara="1" wrap="square" lIns="68569" tIns="68569" rIns="68569" bIns="68569" anchor="ctr" anchorCtr="0">
-                <a:noAutofit/>
-              </a:bodyPr>
-              <a:lstStyle/>
-              <a:p>
-                <a:pPr algn="ctr" defTabSz="336947">
-                  <a:defRPr/>
-                </a:pPr>
-                <a:r>
-                  <a:rPr lang="pt-BR" sz="600" dirty="0">
-                    <a:solidFill>
-                      <a:schemeClr val="tx1"/>
-                    </a:solidFill>
-                    <a:latin typeface="Roboto"/>
-                    <a:ea typeface="Roboto"/>
-                    <a:cs typeface="Roboto"/>
-                    <a:sym typeface="Roboto"/>
-                  </a:rPr>
-                  <a:t>Prepara AV</a:t>
-                </a:r>
-              </a:p>
-            </p:txBody>
-          </p:sp>
-          <p:grpSp>
-            <p:nvGrpSpPr>
-              <p:cNvPr id="198" name="Google Shape;1595;p34">
-                <a:extLst>
-                  <a:ext uri="{FF2B5EF4-FFF2-40B4-BE49-F238E27FC236}">
-                    <a16:creationId xmlns:a16="http://schemas.microsoft.com/office/drawing/2014/main" id="{D0D6B291-2C56-83AF-9D20-B3AE4A48E130}"/>
-                  </a:ext>
-                </a:extLst>
-              </p:cNvPr>
-              <p:cNvGrpSpPr/>
-              <p:nvPr/>
-            </p:nvGrpSpPr>
-            <p:grpSpPr>
-              <a:xfrm>
-                <a:off x="1306267" y="2586171"/>
-                <a:ext cx="681652" cy="969321"/>
-                <a:chOff x="2310388" y="2586171"/>
-                <a:chExt cx="681652" cy="969321"/>
-              </a:xfrm>
-            </p:grpSpPr>
-            <p:sp>
-              <p:nvSpPr>
-                <p:cNvPr id="200" name="Google Shape;1596;p34">
-                  <a:extLst>
-                    <a:ext uri="{FF2B5EF4-FFF2-40B4-BE49-F238E27FC236}">
-                      <a16:creationId xmlns:a16="http://schemas.microsoft.com/office/drawing/2014/main" id="{40BA063C-4ED6-A8A7-3B8B-A61448D1D5A1}"/>
-                    </a:ext>
-                  </a:extLst>
-                </p:cNvPr>
-                <p:cNvSpPr/>
-                <p:nvPr/>
-              </p:nvSpPr>
-              <p:spPr>
-                <a:xfrm>
-                  <a:off x="2399315" y="2586171"/>
-                  <a:ext cx="592725" cy="592773"/>
-                </a:xfrm>
-                <a:custGeom>
-                  <a:avLst/>
-                  <a:gdLst/>
-                  <a:ahLst/>
-                  <a:cxnLst/>
-                  <a:rect l="l" t="t" r="r" b="b"/>
-                  <a:pathLst>
-                    <a:path w="12404" h="12405" extrusionOk="0">
-                      <a:moveTo>
-                        <a:pt x="6202" y="124"/>
-                      </a:moveTo>
-                      <a:cubicBezTo>
-                        <a:pt x="9551" y="124"/>
-                        <a:pt x="12280" y="2853"/>
-                        <a:pt x="12280" y="6202"/>
-                      </a:cubicBezTo>
-                      <a:cubicBezTo>
-                        <a:pt x="12280" y="9487"/>
-                        <a:pt x="9551" y="12216"/>
-                        <a:pt x="6202" y="12216"/>
-                      </a:cubicBezTo>
-                      <a:cubicBezTo>
-                        <a:pt x="2913" y="12216"/>
-                        <a:pt x="184" y="9487"/>
-                        <a:pt x="184" y="6202"/>
-                      </a:cubicBezTo>
-                      <a:cubicBezTo>
-                        <a:pt x="184" y="2853"/>
-                        <a:pt x="2913" y="124"/>
-                        <a:pt x="6202" y="124"/>
-                      </a:cubicBezTo>
-                      <a:close/>
-                      <a:moveTo>
-                        <a:pt x="6202" y="0"/>
-                      </a:moveTo>
-                      <a:cubicBezTo>
-                        <a:pt x="2789" y="0"/>
-                        <a:pt x="0" y="2729"/>
-                        <a:pt x="0" y="6202"/>
-                      </a:cubicBezTo>
-                      <a:cubicBezTo>
-                        <a:pt x="0" y="9611"/>
-                        <a:pt x="2789" y="12404"/>
-                        <a:pt x="6202" y="12404"/>
-                      </a:cubicBezTo>
-                      <a:cubicBezTo>
-                        <a:pt x="9611" y="12404"/>
-                        <a:pt x="12404" y="9611"/>
-                        <a:pt x="12404" y="6202"/>
-                      </a:cubicBezTo>
-                      <a:cubicBezTo>
-                        <a:pt x="12404" y="2729"/>
-                        <a:pt x="9611" y="0"/>
-                        <a:pt x="6202" y="0"/>
-                      </a:cubicBezTo>
-                      <a:close/>
-                    </a:path>
-                  </a:pathLst>
-                </a:custGeom>
-                <a:solidFill>
-                  <a:schemeClr val="bg2">
-                    <a:lumMod val="40000"/>
-                    <a:lumOff val="60000"/>
-                  </a:schemeClr>
-                </a:solidFill>
-                <a:ln>
-                  <a:noFill/>
-                </a:ln>
-              </p:spPr>
-              <p:txBody>
-                <a:bodyPr spcFirstLastPara="1" wrap="square" lIns="68569" tIns="68569" rIns="68569" bIns="68569" anchor="ctr" anchorCtr="0">
-                  <a:noAutofit/>
-                </a:bodyPr>
-                <a:lstStyle/>
-                <a:p>
-                  <a:pPr defTabSz="336947">
-                    <a:defRPr/>
-                  </a:pPr>
-                  <a:endParaRPr sz="1350">
-                    <a:latin typeface="Calibri"/>
-                    <a:cs typeface="Calibri"/>
-                  </a:endParaRPr>
-                </a:p>
-              </p:txBody>
-            </p:sp>
-            <p:sp>
-              <p:nvSpPr>
-                <p:cNvPr id="201" name="Google Shape;1597;p34">
-                  <a:extLst>
-                    <a:ext uri="{FF2B5EF4-FFF2-40B4-BE49-F238E27FC236}">
-                      <a16:creationId xmlns:a16="http://schemas.microsoft.com/office/drawing/2014/main" id="{A87F3101-834F-647F-3478-6D245B6270B0}"/>
-                    </a:ext>
-                  </a:extLst>
-                </p:cNvPr>
-                <p:cNvSpPr/>
-                <p:nvPr/>
-              </p:nvSpPr>
-              <p:spPr>
-                <a:xfrm>
-                  <a:off x="2514764" y="2698799"/>
-                  <a:ext cx="361589" cy="364456"/>
-                </a:xfrm>
-                <a:custGeom>
-                  <a:avLst/>
-                  <a:gdLst/>
-                  <a:ahLst/>
-                  <a:cxnLst/>
-                  <a:rect l="l" t="t" r="r" b="b"/>
-                  <a:pathLst>
-                    <a:path w="7567" h="7627" extrusionOk="0">
-                      <a:moveTo>
-                        <a:pt x="3786" y="496"/>
-                      </a:moveTo>
-                      <a:cubicBezTo>
-                        <a:pt x="5647" y="496"/>
-                        <a:pt x="7135" y="1985"/>
-                        <a:pt x="7135" y="3845"/>
-                      </a:cubicBezTo>
-                      <a:cubicBezTo>
-                        <a:pt x="7135" y="5641"/>
-                        <a:pt x="5647" y="7130"/>
-                        <a:pt x="3786" y="7130"/>
-                      </a:cubicBezTo>
-                      <a:cubicBezTo>
-                        <a:pt x="1985" y="7130"/>
-                        <a:pt x="497" y="5641"/>
-                        <a:pt x="497" y="3845"/>
-                      </a:cubicBezTo>
-                      <a:cubicBezTo>
-                        <a:pt x="497" y="1985"/>
-                        <a:pt x="1985" y="496"/>
-                        <a:pt x="3786" y="496"/>
-                      </a:cubicBezTo>
-                      <a:close/>
-                      <a:moveTo>
-                        <a:pt x="3786" y="0"/>
-                      </a:moveTo>
-                      <a:cubicBezTo>
-                        <a:pt x="1677" y="0"/>
-                        <a:pt x="0" y="1737"/>
-                        <a:pt x="0" y="3845"/>
-                      </a:cubicBezTo>
-                      <a:cubicBezTo>
-                        <a:pt x="0" y="5889"/>
-                        <a:pt x="1677" y="7626"/>
-                        <a:pt x="3786" y="7626"/>
-                      </a:cubicBezTo>
-                      <a:cubicBezTo>
-                        <a:pt x="5895" y="7626"/>
-                        <a:pt x="7567" y="5889"/>
-                        <a:pt x="7567" y="3845"/>
-                      </a:cubicBezTo>
-                      <a:cubicBezTo>
-                        <a:pt x="7567" y="1737"/>
-                        <a:pt x="5895" y="0"/>
-                        <a:pt x="3786" y="0"/>
-                      </a:cubicBezTo>
-                      <a:close/>
-                    </a:path>
-                  </a:pathLst>
-                </a:custGeom>
-                <a:solidFill>
-                  <a:srgbClr val="7CD6A5"/>
-                </a:solidFill>
-                <a:ln>
-                  <a:noFill/>
-                </a:ln>
-              </p:spPr>
-              <p:txBody>
-                <a:bodyPr spcFirstLastPara="1" wrap="square" lIns="68569" tIns="68569" rIns="68569" bIns="68569" anchor="ctr" anchorCtr="0">
-                  <a:noAutofit/>
-                </a:bodyPr>
-                <a:lstStyle/>
-                <a:p>
-                  <a:pPr defTabSz="336947">
-                    <a:defRPr/>
-                  </a:pPr>
-                  <a:endParaRPr sz="1350">
-                    <a:latin typeface="Calibri"/>
-                    <a:cs typeface="Calibri"/>
-                  </a:endParaRPr>
-                </a:p>
-              </p:txBody>
-            </p:sp>
-            <p:sp>
-              <p:nvSpPr>
-                <p:cNvPr id="202" name="Google Shape;1598;p34">
-                  <a:extLst>
-                    <a:ext uri="{FF2B5EF4-FFF2-40B4-BE49-F238E27FC236}">
-                      <a16:creationId xmlns:a16="http://schemas.microsoft.com/office/drawing/2014/main" id="{2BFF8432-B95F-90E5-771F-BA64F4F6E30A}"/>
-                    </a:ext>
-                  </a:extLst>
-                </p:cNvPr>
-                <p:cNvSpPr/>
-                <p:nvPr/>
-              </p:nvSpPr>
-              <p:spPr>
-                <a:xfrm>
-                  <a:off x="2612674" y="2796473"/>
-                  <a:ext cx="168872" cy="169062"/>
-                </a:xfrm>
-                <a:custGeom>
-                  <a:avLst/>
-                  <a:gdLst/>
-                  <a:ahLst/>
-                  <a:cxnLst/>
-                  <a:rect l="l" t="t" r="r" b="b"/>
-                  <a:pathLst>
-                    <a:path w="3534" h="3538" extrusionOk="0">
-                      <a:moveTo>
-                        <a:pt x="1737" y="0"/>
-                      </a:moveTo>
-                      <a:cubicBezTo>
-                        <a:pt x="745" y="0"/>
-                        <a:pt x="1" y="809"/>
-                        <a:pt x="1" y="1801"/>
-                      </a:cubicBezTo>
-                      <a:cubicBezTo>
-                        <a:pt x="1" y="2729"/>
-                        <a:pt x="745" y="3538"/>
-                        <a:pt x="1737" y="3538"/>
-                      </a:cubicBezTo>
-                      <a:cubicBezTo>
-                        <a:pt x="2729" y="3538"/>
-                        <a:pt x="3533" y="2729"/>
-                        <a:pt x="3533" y="1801"/>
-                      </a:cubicBezTo>
-                      <a:cubicBezTo>
-                        <a:pt x="3533" y="809"/>
-                        <a:pt x="2729" y="0"/>
-                        <a:pt x="1737" y="0"/>
-                      </a:cubicBezTo>
-                      <a:close/>
-                    </a:path>
-                  </a:pathLst>
-                </a:custGeom>
-                <a:solidFill>
-                  <a:srgbClr val="7CD6A5"/>
-                </a:solidFill>
-                <a:ln>
-                  <a:noFill/>
-                </a:ln>
-              </p:spPr>
-              <p:txBody>
-                <a:bodyPr spcFirstLastPara="1" wrap="square" lIns="68569" tIns="68569" rIns="68569" bIns="68569" anchor="ctr" anchorCtr="0">
-                  <a:noAutofit/>
-                </a:bodyPr>
-                <a:lstStyle/>
-                <a:p>
-                  <a:pPr defTabSz="336947">
-                    <a:defRPr/>
-                  </a:pPr>
-                  <a:endParaRPr sz="1350">
-                    <a:latin typeface="Calibri"/>
-                    <a:cs typeface="Calibri"/>
-                  </a:endParaRPr>
-                </a:p>
-              </p:txBody>
-            </p:sp>
-            <p:sp>
-              <p:nvSpPr>
-                <p:cNvPr id="203" name="Google Shape;1599;p34">
-                  <a:extLst>
-                    <a:ext uri="{FF2B5EF4-FFF2-40B4-BE49-F238E27FC236}">
-                      <a16:creationId xmlns:a16="http://schemas.microsoft.com/office/drawing/2014/main" id="{BAD7DFE0-B384-558B-5AD5-96C6AEE3D06E}"/>
-                    </a:ext>
-                  </a:extLst>
-                </p:cNvPr>
-                <p:cNvSpPr/>
-                <p:nvPr/>
-              </p:nvSpPr>
-              <p:spPr>
-                <a:xfrm>
-                  <a:off x="2692577" y="3172972"/>
-                  <a:ext cx="9079" cy="303448"/>
-                </a:xfrm>
-                <a:custGeom>
-                  <a:avLst/>
-                  <a:gdLst/>
-                  <a:ahLst/>
-                  <a:cxnLst/>
-                  <a:rect l="l" t="t" r="r" b="b"/>
-                  <a:pathLst>
-                    <a:path w="190" h="19658" extrusionOk="0">
-                      <a:moveTo>
-                        <a:pt x="1" y="0"/>
-                      </a:moveTo>
-                      <a:lnTo>
-                        <a:pt x="1" y="19658"/>
-                      </a:lnTo>
-                      <a:lnTo>
-                        <a:pt x="189" y="19658"/>
-                      </a:lnTo>
-                      <a:lnTo>
-                        <a:pt x="189" y="0"/>
-                      </a:lnTo>
-                      <a:close/>
-                    </a:path>
-                  </a:pathLst>
-                </a:custGeom>
-                <a:solidFill>
-                  <a:schemeClr val="bg2">
-                    <a:lumMod val="40000"/>
-                    <a:lumOff val="60000"/>
-                  </a:schemeClr>
-                </a:solidFill>
-                <a:ln>
-                  <a:noFill/>
-                </a:ln>
-              </p:spPr>
-              <p:txBody>
-                <a:bodyPr spcFirstLastPara="1" wrap="square" lIns="68569" tIns="68569" rIns="68569" bIns="68569" anchor="ctr" anchorCtr="0">
-                  <a:noAutofit/>
-                </a:bodyPr>
-                <a:lstStyle/>
-                <a:p>
-                  <a:pPr defTabSz="336947">
-                    <a:defRPr/>
-                  </a:pPr>
-                  <a:endParaRPr sz="1350">
-                    <a:latin typeface="Calibri"/>
-                    <a:cs typeface="Calibri"/>
-                  </a:endParaRPr>
-                </a:p>
-              </p:txBody>
-            </p:sp>
-            <p:sp>
-              <p:nvSpPr>
-                <p:cNvPr id="204" name="Google Shape;1600;p34">
-                  <a:extLst>
-                    <a:ext uri="{FF2B5EF4-FFF2-40B4-BE49-F238E27FC236}">
-                      <a16:creationId xmlns:a16="http://schemas.microsoft.com/office/drawing/2014/main" id="{3A1893C3-C4FE-8AA5-1847-5B07F5B141F6}"/>
-                    </a:ext>
-                  </a:extLst>
-                </p:cNvPr>
-                <p:cNvSpPr/>
-                <p:nvPr/>
-              </p:nvSpPr>
-              <p:spPr>
-                <a:xfrm>
-                  <a:off x="2310388" y="2885354"/>
-                  <a:ext cx="385338" cy="388396"/>
-                </a:xfrm>
-                <a:custGeom>
-                  <a:avLst/>
-                  <a:gdLst/>
-                  <a:ahLst/>
-                  <a:cxnLst/>
-                  <a:rect l="l" t="t" r="r" b="b"/>
-                  <a:pathLst>
-                    <a:path w="8064" h="8128" extrusionOk="0">
-                      <a:moveTo>
-                        <a:pt x="1" y="1"/>
-                      </a:moveTo>
-                      <a:cubicBezTo>
-                        <a:pt x="1" y="4466"/>
-                        <a:pt x="3598" y="8128"/>
-                        <a:pt x="8063" y="8128"/>
-                      </a:cubicBezTo>
-                      <a:lnTo>
-                        <a:pt x="8063" y="7939"/>
-                      </a:lnTo>
-                      <a:cubicBezTo>
-                        <a:pt x="3722" y="7939"/>
-                        <a:pt x="125" y="4407"/>
-                        <a:pt x="125" y="1"/>
-                      </a:cubicBezTo>
-                      <a:close/>
-                    </a:path>
-                  </a:pathLst>
-                </a:custGeom>
-                <a:solidFill>
-                  <a:schemeClr val="bg2">
-                    <a:lumMod val="40000"/>
-                    <a:lumOff val="60000"/>
-                  </a:schemeClr>
-                </a:solidFill>
-                <a:ln>
-                  <a:noFill/>
-                </a:ln>
-              </p:spPr>
-              <p:txBody>
-                <a:bodyPr spcFirstLastPara="1" wrap="square" lIns="68569" tIns="68569" rIns="68569" bIns="68569" anchor="ctr" anchorCtr="0">
-                  <a:noAutofit/>
-                </a:bodyPr>
-                <a:lstStyle/>
-                <a:p>
-                  <a:pPr defTabSz="336947">
-                    <a:defRPr/>
-                  </a:pPr>
-                  <a:endParaRPr sz="1350">
-                    <a:latin typeface="Calibri"/>
-                    <a:cs typeface="Calibri"/>
-                  </a:endParaRPr>
-                </a:p>
-              </p:txBody>
-            </p:sp>
-            <p:sp>
-              <p:nvSpPr>
-                <p:cNvPr id="205" name="Google Shape;1601;p34">
-                  <a:extLst>
-                    <a:ext uri="{FF2B5EF4-FFF2-40B4-BE49-F238E27FC236}">
-                      <a16:creationId xmlns:a16="http://schemas.microsoft.com/office/drawing/2014/main" id="{B207AD5B-291D-259B-ACAF-9EEF28E220EA}"/>
-                    </a:ext>
-                  </a:extLst>
-                </p:cNvPr>
-                <p:cNvSpPr/>
-                <p:nvPr/>
-              </p:nvSpPr>
-              <p:spPr>
-                <a:xfrm>
-                  <a:off x="2646714" y="3454692"/>
-                  <a:ext cx="100800" cy="100800"/>
-                </a:xfrm>
-                <a:prstGeom prst="ellipse">
-                  <a:avLst/>
-                </a:prstGeom>
-                <a:solidFill>
-                  <a:srgbClr val="7CD6A5"/>
-                </a:solidFill>
-                <a:ln>
-                  <a:noFill/>
-                </a:ln>
-              </p:spPr>
-              <p:txBody>
-                <a:bodyPr spcFirstLastPara="1" wrap="square" lIns="68569" tIns="68569" rIns="68569" bIns="68569" anchor="ctr" anchorCtr="0">
-                  <a:noAutofit/>
-                </a:bodyPr>
-                <a:lstStyle/>
-                <a:p>
-                  <a:pPr defTabSz="336947">
-                    <a:defRPr/>
-                  </a:pPr>
-                  <a:endParaRPr sz="1350">
-                    <a:latin typeface="Calibri"/>
-                    <a:cs typeface="Calibri"/>
-                  </a:endParaRPr>
-                </a:p>
-              </p:txBody>
-            </p:sp>
-          </p:grpSp>
-          <p:sp>
-            <p:nvSpPr>
-              <p:cNvPr id="199" name="Google Shape;1602;p34">
-                <a:extLst>
-                  <a:ext uri="{FF2B5EF4-FFF2-40B4-BE49-F238E27FC236}">
-                    <a16:creationId xmlns:a16="http://schemas.microsoft.com/office/drawing/2014/main" id="{A020EA78-83E4-697C-85B9-9E6F151ECFED}"/>
-                  </a:ext>
-                </a:extLst>
-              </p:cNvPr>
-              <p:cNvSpPr txBox="1"/>
-              <p:nvPr/>
-            </p:nvSpPr>
-            <p:spPr>
-              <a:xfrm>
-                <a:off x="648102" y="2042986"/>
-                <a:ext cx="2044944" cy="519971"/>
-              </a:xfrm>
-              <a:prstGeom prst="rect">
-                <a:avLst/>
-              </a:prstGeom>
-              <a:noFill/>
-              <a:ln>
-                <a:noFill/>
-              </a:ln>
-            </p:spPr>
-            <p:txBody>
-              <a:bodyPr spcFirstLastPara="1" wrap="square" lIns="68569" tIns="68569" rIns="68569" bIns="68569" anchor="ctr" anchorCtr="0">
-                <a:noAutofit/>
-              </a:bodyPr>
-              <a:lstStyle/>
-              <a:p>
-                <a:pPr algn="ctr" defTabSz="336947">
-                  <a:lnSpc>
-                    <a:spcPct val="115000"/>
-                  </a:lnSpc>
-                  <a:defRPr/>
-                </a:pPr>
-                <a:r>
-                  <a:rPr lang="pt-BR" sz="825" b="1" dirty="0">
-                    <a:solidFill>
-                      <a:schemeClr val="tx1"/>
-                    </a:solidFill>
-                    <a:latin typeface="Fira Sans Extra Condensed"/>
-                    <a:cs typeface="Calibri"/>
-                    <a:sym typeface="Fira Sans Extra Condensed"/>
-                  </a:rPr>
-                  <a:t>28 de Outubro</a:t>
-                </a:r>
-              </a:p>
-            </p:txBody>
-          </p:sp>
-        </p:grpSp>
-        <p:grpSp>
-          <p:nvGrpSpPr>
-            <p:cNvPr id="206" name="Google Shape;1618;p34">
-              <a:extLst>
-                <a:ext uri="{FF2B5EF4-FFF2-40B4-BE49-F238E27FC236}">
-                  <a16:creationId xmlns:a16="http://schemas.microsoft.com/office/drawing/2014/main" id="{E33D4F8C-BA99-22F7-ECB8-BC25F25B3787}"/>
-                </a:ext>
-              </a:extLst>
-            </p:cNvPr>
-            <p:cNvGrpSpPr/>
-            <p:nvPr/>
-          </p:nvGrpSpPr>
-          <p:grpSpPr>
-            <a:xfrm>
-              <a:off x="5825267" y="1929800"/>
-              <a:ext cx="1156260" cy="1448816"/>
-              <a:chOff x="2662741" y="1669803"/>
-              <a:chExt cx="1762274" cy="2127404"/>
-            </a:xfrm>
-          </p:grpSpPr>
-          <p:sp>
-            <p:nvSpPr>
-              <p:cNvPr id="207" name="Google Shape;1619;p34">
-                <a:extLst>
-                  <a:ext uri="{FF2B5EF4-FFF2-40B4-BE49-F238E27FC236}">
-                    <a16:creationId xmlns:a16="http://schemas.microsoft.com/office/drawing/2014/main" id="{111B75D7-BA27-F228-F7BB-BEC7035C5D39}"/>
-                  </a:ext>
-                </a:extLst>
-              </p:cNvPr>
-              <p:cNvSpPr txBox="1"/>
-              <p:nvPr/>
-            </p:nvSpPr>
-            <p:spPr>
-              <a:xfrm>
-                <a:off x="2715628" y="3443251"/>
-                <a:ext cx="1614538" cy="353956"/>
-              </a:xfrm>
-              <a:prstGeom prst="rect">
-                <a:avLst/>
-              </a:prstGeom>
-              <a:noFill/>
-              <a:ln>
-                <a:noFill/>
-              </a:ln>
-            </p:spPr>
-            <p:txBody>
-              <a:bodyPr spcFirstLastPara="1" wrap="square" lIns="68569" tIns="68569" rIns="68569" bIns="68569" anchor="ctr" anchorCtr="0">
-                <a:noAutofit/>
-              </a:bodyPr>
-              <a:lstStyle/>
-              <a:p>
-                <a:pPr algn="ctr" defTabSz="336947">
-                  <a:lnSpc>
-                    <a:spcPct val="115000"/>
-                  </a:lnSpc>
-                  <a:defRPr/>
-                </a:pPr>
-                <a:r>
-                  <a:rPr lang="pt-BR" sz="825" b="1" dirty="0">
-                    <a:solidFill>
-                      <a:schemeClr val="tx1"/>
-                    </a:solidFill>
-                    <a:latin typeface="Fira Sans Extra Condensed"/>
-                    <a:cs typeface="Calibri"/>
-                    <a:sym typeface="Fira Sans Extra Condensed"/>
-                  </a:rPr>
-                  <a:t>06 a 11  de Novembro</a:t>
-                </a:r>
-              </a:p>
-            </p:txBody>
-          </p:sp>
-          <p:grpSp>
-            <p:nvGrpSpPr>
-              <p:cNvPr id="208" name="Google Shape;1620;p34">
-                <a:extLst>
-                  <a:ext uri="{FF2B5EF4-FFF2-40B4-BE49-F238E27FC236}">
-                    <a16:creationId xmlns:a16="http://schemas.microsoft.com/office/drawing/2014/main" id="{41F79C64-9467-CD4E-E66E-0759E30ECCCB}"/>
-                  </a:ext>
-                </a:extLst>
-              </p:cNvPr>
-              <p:cNvGrpSpPr/>
-              <p:nvPr/>
-            </p:nvGrpSpPr>
-            <p:grpSpPr>
-              <a:xfrm>
-                <a:off x="3204006" y="2194620"/>
-                <a:ext cx="684519" cy="987143"/>
-                <a:chOff x="3545057" y="2194620"/>
-                <a:chExt cx="684519" cy="987143"/>
-              </a:xfrm>
-            </p:grpSpPr>
-            <p:sp>
-              <p:nvSpPr>
-                <p:cNvPr id="210" name="Google Shape;1621;p34">
-                  <a:extLst>
-                    <a:ext uri="{FF2B5EF4-FFF2-40B4-BE49-F238E27FC236}">
-                      <a16:creationId xmlns:a16="http://schemas.microsoft.com/office/drawing/2014/main" id="{A98EB3AE-E463-FB96-8DFC-42D887EE6A5B}"/>
-                    </a:ext>
-                  </a:extLst>
-                </p:cNvPr>
-                <p:cNvSpPr/>
-                <p:nvPr/>
-              </p:nvSpPr>
-              <p:spPr>
-                <a:xfrm>
-                  <a:off x="3545057" y="2588990"/>
-                  <a:ext cx="592773" cy="592773"/>
-                </a:xfrm>
-                <a:custGeom>
-                  <a:avLst/>
-                  <a:gdLst/>
-                  <a:ahLst/>
-                  <a:cxnLst/>
-                  <a:rect l="l" t="t" r="r" b="b"/>
-                  <a:pathLst>
-                    <a:path w="12405" h="12405" extrusionOk="0">
-                      <a:moveTo>
-                        <a:pt x="6202" y="190"/>
-                      </a:moveTo>
-                      <a:cubicBezTo>
-                        <a:pt x="9551" y="190"/>
-                        <a:pt x="12280" y="2854"/>
-                        <a:pt x="12280" y="6203"/>
-                      </a:cubicBezTo>
-                      <a:cubicBezTo>
-                        <a:pt x="12280" y="9552"/>
-                        <a:pt x="9551" y="12281"/>
-                        <a:pt x="6202" y="12281"/>
-                      </a:cubicBezTo>
-                      <a:cubicBezTo>
-                        <a:pt x="2853" y="12281"/>
-                        <a:pt x="184" y="9552"/>
-                        <a:pt x="184" y="6203"/>
-                      </a:cubicBezTo>
-                      <a:cubicBezTo>
-                        <a:pt x="184" y="2854"/>
-                        <a:pt x="2853" y="190"/>
-                        <a:pt x="6202" y="190"/>
-                      </a:cubicBezTo>
-                      <a:close/>
-                      <a:moveTo>
-                        <a:pt x="6202" y="1"/>
-                      </a:moveTo>
-                      <a:cubicBezTo>
-                        <a:pt x="2789" y="1"/>
-                        <a:pt x="0" y="2794"/>
-                        <a:pt x="0" y="6203"/>
-                      </a:cubicBezTo>
-                      <a:cubicBezTo>
-                        <a:pt x="0" y="9616"/>
-                        <a:pt x="2789" y="12405"/>
-                        <a:pt x="6202" y="12405"/>
-                      </a:cubicBezTo>
-                      <a:cubicBezTo>
-                        <a:pt x="9611" y="12405"/>
-                        <a:pt x="12404" y="9616"/>
-                        <a:pt x="12404" y="6203"/>
-                      </a:cubicBezTo>
-                      <a:cubicBezTo>
-                        <a:pt x="12404" y="2794"/>
-                        <a:pt x="9611" y="1"/>
-                        <a:pt x="6202" y="1"/>
-                      </a:cubicBezTo>
-                      <a:close/>
-                    </a:path>
-                  </a:pathLst>
-                </a:custGeom>
-                <a:solidFill>
-                  <a:schemeClr val="bg2">
-                    <a:lumMod val="40000"/>
-                    <a:lumOff val="60000"/>
-                  </a:schemeClr>
-                </a:solidFill>
-                <a:ln>
-                  <a:noFill/>
-                </a:ln>
-              </p:spPr>
-              <p:txBody>
-                <a:bodyPr spcFirstLastPara="1" wrap="square" lIns="68569" tIns="68569" rIns="68569" bIns="68569" anchor="ctr" anchorCtr="0">
-                  <a:noAutofit/>
-                </a:bodyPr>
-                <a:lstStyle/>
-                <a:p>
-                  <a:pPr defTabSz="336947">
-                    <a:defRPr/>
-                  </a:pPr>
-                  <a:endParaRPr sz="1350">
-                    <a:latin typeface="Calibri"/>
-                    <a:cs typeface="Calibri"/>
-                  </a:endParaRPr>
-                </a:p>
-              </p:txBody>
-            </p:sp>
-            <p:sp>
-              <p:nvSpPr>
-                <p:cNvPr id="211" name="Google Shape;1622;p34">
-                  <a:extLst>
-                    <a:ext uri="{FF2B5EF4-FFF2-40B4-BE49-F238E27FC236}">
-                      <a16:creationId xmlns:a16="http://schemas.microsoft.com/office/drawing/2014/main" id="{1E38AC0D-4624-9971-1987-0DCB2E266424}"/>
-                    </a:ext>
-                  </a:extLst>
-                </p:cNvPr>
-                <p:cNvSpPr/>
-                <p:nvPr/>
-              </p:nvSpPr>
-              <p:spPr>
-                <a:xfrm>
-                  <a:off x="3660505" y="2704725"/>
-                  <a:ext cx="361589" cy="361589"/>
-                </a:xfrm>
-                <a:custGeom>
-                  <a:avLst/>
-                  <a:gdLst/>
-                  <a:ahLst/>
-                  <a:cxnLst/>
-                  <a:rect l="l" t="t" r="r" b="b"/>
-                  <a:pathLst>
-                    <a:path w="7567" h="7567" extrusionOk="0">
-                      <a:moveTo>
-                        <a:pt x="3786" y="496"/>
-                      </a:moveTo>
-                      <a:cubicBezTo>
-                        <a:pt x="5647" y="496"/>
-                        <a:pt x="7135" y="1985"/>
-                        <a:pt x="7135" y="3781"/>
-                      </a:cubicBezTo>
-                      <a:cubicBezTo>
-                        <a:pt x="7135" y="5641"/>
-                        <a:pt x="5647" y="7130"/>
-                        <a:pt x="3786" y="7130"/>
-                      </a:cubicBezTo>
-                      <a:cubicBezTo>
-                        <a:pt x="1985" y="7130"/>
-                        <a:pt x="497" y="5641"/>
-                        <a:pt x="497" y="3781"/>
-                      </a:cubicBezTo>
-                      <a:cubicBezTo>
-                        <a:pt x="497" y="1985"/>
-                        <a:pt x="1985" y="496"/>
-                        <a:pt x="3786" y="496"/>
-                      </a:cubicBezTo>
-                      <a:close/>
-                      <a:moveTo>
-                        <a:pt x="3786" y="0"/>
-                      </a:moveTo>
-                      <a:cubicBezTo>
-                        <a:pt x="1678" y="0"/>
-                        <a:pt x="1" y="1672"/>
-                        <a:pt x="1" y="3781"/>
-                      </a:cubicBezTo>
-                      <a:cubicBezTo>
-                        <a:pt x="1" y="5890"/>
-                        <a:pt x="1678" y="7567"/>
-                        <a:pt x="3786" y="7567"/>
-                      </a:cubicBezTo>
-                      <a:cubicBezTo>
-                        <a:pt x="5895" y="7567"/>
-                        <a:pt x="7567" y="5890"/>
-                        <a:pt x="7567" y="3781"/>
-                      </a:cubicBezTo>
-                      <a:cubicBezTo>
-                        <a:pt x="7567" y="1672"/>
-                        <a:pt x="5895" y="0"/>
-                        <a:pt x="3786" y="0"/>
-                      </a:cubicBezTo>
-                      <a:close/>
-                    </a:path>
-                  </a:pathLst>
-                </a:custGeom>
-                <a:solidFill>
-                  <a:srgbClr val="A75EAB"/>
-                </a:solidFill>
-                <a:ln>
-                  <a:noFill/>
-                </a:ln>
-              </p:spPr>
-              <p:txBody>
-                <a:bodyPr spcFirstLastPara="1" wrap="square" lIns="68569" tIns="68569" rIns="68569" bIns="68569" anchor="ctr" anchorCtr="0">
-                  <a:noAutofit/>
-                </a:bodyPr>
-                <a:lstStyle/>
-                <a:p>
-                  <a:pPr defTabSz="336947">
-                    <a:defRPr/>
-                  </a:pPr>
-                  <a:endParaRPr sz="1350">
-                    <a:latin typeface="Calibri"/>
-                    <a:cs typeface="Calibri"/>
-                  </a:endParaRPr>
-                </a:p>
-              </p:txBody>
-            </p:sp>
-            <p:sp>
-              <p:nvSpPr>
-                <p:cNvPr id="212" name="Google Shape;1623;p34">
-                  <a:extLst>
-                    <a:ext uri="{FF2B5EF4-FFF2-40B4-BE49-F238E27FC236}">
-                      <a16:creationId xmlns:a16="http://schemas.microsoft.com/office/drawing/2014/main" id="{ED67FF75-EA4E-C393-D726-78E872838801}"/>
-                    </a:ext>
-                  </a:extLst>
-                </p:cNvPr>
-                <p:cNvSpPr/>
-                <p:nvPr/>
-              </p:nvSpPr>
-              <p:spPr>
-                <a:xfrm>
-                  <a:off x="3755358" y="2799531"/>
-                  <a:ext cx="171930" cy="171930"/>
-                </a:xfrm>
-                <a:custGeom>
-                  <a:avLst/>
-                  <a:gdLst/>
-                  <a:ahLst/>
-                  <a:cxnLst/>
-                  <a:rect l="l" t="t" r="r" b="b"/>
-                  <a:pathLst>
-                    <a:path w="3598" h="3598" extrusionOk="0">
-                      <a:moveTo>
-                        <a:pt x="1801" y="1"/>
-                      </a:moveTo>
-                      <a:cubicBezTo>
-                        <a:pt x="809" y="1"/>
-                        <a:pt x="0" y="805"/>
-                        <a:pt x="0" y="1797"/>
-                      </a:cubicBezTo>
-                      <a:cubicBezTo>
-                        <a:pt x="0" y="2789"/>
-                        <a:pt x="809" y="3598"/>
-                        <a:pt x="1801" y="3598"/>
-                      </a:cubicBezTo>
-                      <a:cubicBezTo>
-                        <a:pt x="2794" y="3598"/>
-                        <a:pt x="3597" y="2789"/>
-                        <a:pt x="3597" y="1797"/>
-                      </a:cubicBezTo>
-                      <a:cubicBezTo>
-                        <a:pt x="3597" y="805"/>
-                        <a:pt x="2794" y="1"/>
-                        <a:pt x="1801" y="1"/>
-                      </a:cubicBezTo>
-                      <a:close/>
-                    </a:path>
-                  </a:pathLst>
-                </a:custGeom>
-                <a:solidFill>
-                  <a:srgbClr val="A75EAB"/>
-                </a:solidFill>
-                <a:ln>
-                  <a:noFill/>
-                </a:ln>
-              </p:spPr>
-              <p:txBody>
-                <a:bodyPr spcFirstLastPara="1" wrap="square" lIns="68569" tIns="68569" rIns="68569" bIns="68569" anchor="ctr" anchorCtr="0">
-                  <a:noAutofit/>
-                </a:bodyPr>
-                <a:lstStyle/>
-                <a:p>
-                  <a:pPr defTabSz="336947">
-                    <a:defRPr/>
-                  </a:pPr>
-                  <a:endParaRPr sz="1350">
-                    <a:latin typeface="Calibri"/>
-                    <a:cs typeface="Calibri"/>
-                  </a:endParaRPr>
-                </a:p>
-              </p:txBody>
-            </p:sp>
-            <p:sp>
-              <p:nvSpPr>
-                <p:cNvPr id="213" name="Google Shape;1624;p34">
-                  <a:extLst>
-                    <a:ext uri="{FF2B5EF4-FFF2-40B4-BE49-F238E27FC236}">
-                      <a16:creationId xmlns:a16="http://schemas.microsoft.com/office/drawing/2014/main" id="{904FF812-635C-02AA-7F1D-962165A5B268}"/>
-                    </a:ext>
-                  </a:extLst>
-                </p:cNvPr>
-                <p:cNvSpPr/>
-                <p:nvPr/>
-              </p:nvSpPr>
-              <p:spPr>
-                <a:xfrm>
-                  <a:off x="3834923" y="2295416"/>
-                  <a:ext cx="5973" cy="303446"/>
-                </a:xfrm>
-                <a:custGeom>
-                  <a:avLst/>
-                  <a:gdLst/>
-                  <a:ahLst/>
-                  <a:cxnLst/>
-                  <a:rect l="l" t="t" r="r" b="b"/>
-                  <a:pathLst>
-                    <a:path w="125" h="19664" extrusionOk="0">
-                      <a:moveTo>
-                        <a:pt x="1" y="1"/>
-                      </a:moveTo>
-                      <a:lnTo>
-                        <a:pt x="1" y="19663"/>
-                      </a:lnTo>
-                      <a:lnTo>
-                        <a:pt x="125" y="19663"/>
-                      </a:lnTo>
-                      <a:lnTo>
-                        <a:pt x="125" y="1"/>
-                      </a:lnTo>
-                      <a:close/>
-                    </a:path>
-                  </a:pathLst>
-                </a:custGeom>
-                <a:solidFill>
-                  <a:schemeClr val="bg2">
-                    <a:lumMod val="40000"/>
-                    <a:lumOff val="60000"/>
-                  </a:schemeClr>
-                </a:solidFill>
-                <a:ln>
-                  <a:noFill/>
-                </a:ln>
-              </p:spPr>
-              <p:txBody>
-                <a:bodyPr spcFirstLastPara="1" wrap="square" lIns="68569" tIns="68569" rIns="68569" bIns="68569" anchor="ctr" anchorCtr="0">
-                  <a:noAutofit/>
-                </a:bodyPr>
-                <a:lstStyle/>
-                <a:p>
-                  <a:pPr defTabSz="336947">
-                    <a:defRPr/>
-                  </a:pPr>
-                  <a:endParaRPr sz="1350">
-                    <a:latin typeface="Calibri"/>
-                    <a:cs typeface="Calibri"/>
-                  </a:endParaRPr>
-                </a:p>
-              </p:txBody>
-            </p:sp>
-            <p:sp>
-              <p:nvSpPr>
-                <p:cNvPr id="214" name="Google Shape;1625;p34">
-                  <a:extLst>
-                    <a:ext uri="{FF2B5EF4-FFF2-40B4-BE49-F238E27FC236}">
-                      <a16:creationId xmlns:a16="http://schemas.microsoft.com/office/drawing/2014/main" id="{B972EC5A-42D2-A753-B1B0-482A54FED2B6}"/>
-                    </a:ext>
-                  </a:extLst>
-                </p:cNvPr>
-                <p:cNvSpPr/>
-                <p:nvPr/>
-              </p:nvSpPr>
-              <p:spPr>
-                <a:xfrm>
-                  <a:off x="3841418" y="2500110"/>
-                  <a:ext cx="388158" cy="385290"/>
-                </a:xfrm>
-                <a:custGeom>
-                  <a:avLst/>
-                  <a:gdLst/>
-                  <a:ahLst/>
-                  <a:cxnLst/>
-                  <a:rect l="l" t="t" r="r" b="b"/>
-                  <a:pathLst>
-                    <a:path w="8123" h="8063" extrusionOk="0">
-                      <a:moveTo>
-                        <a:pt x="0" y="0"/>
-                      </a:moveTo>
-                      <a:lnTo>
-                        <a:pt x="0" y="124"/>
-                      </a:lnTo>
-                      <a:cubicBezTo>
-                        <a:pt x="4401" y="124"/>
-                        <a:pt x="7939" y="3722"/>
-                        <a:pt x="7939" y="8063"/>
-                      </a:cubicBezTo>
-                      <a:lnTo>
-                        <a:pt x="8122" y="8063"/>
-                      </a:lnTo>
-                      <a:cubicBezTo>
-                        <a:pt x="8122" y="3598"/>
-                        <a:pt x="4466" y="0"/>
-                        <a:pt x="0" y="0"/>
-                      </a:cubicBezTo>
-                      <a:close/>
-                    </a:path>
-                  </a:pathLst>
-                </a:custGeom>
-                <a:solidFill>
-                  <a:schemeClr val="bg2">
-                    <a:lumMod val="40000"/>
-                    <a:lumOff val="60000"/>
-                  </a:schemeClr>
-                </a:solidFill>
-                <a:ln>
-                  <a:noFill/>
-                </a:ln>
-              </p:spPr>
-              <p:txBody>
-                <a:bodyPr spcFirstLastPara="1" wrap="square" lIns="68569" tIns="68569" rIns="68569" bIns="68569" anchor="ctr" anchorCtr="0">
-                  <a:noAutofit/>
-                </a:bodyPr>
-                <a:lstStyle/>
-                <a:p>
-                  <a:pPr defTabSz="336947">
-                    <a:defRPr/>
-                  </a:pPr>
-                  <a:endParaRPr sz="1350">
-                    <a:latin typeface="Calibri"/>
-                    <a:cs typeface="Calibri"/>
-                  </a:endParaRPr>
-                </a:p>
-              </p:txBody>
-            </p:sp>
-            <p:sp>
-              <p:nvSpPr>
-                <p:cNvPr id="215" name="Google Shape;1626;p34">
-                  <a:extLst>
-                    <a:ext uri="{FF2B5EF4-FFF2-40B4-BE49-F238E27FC236}">
-                      <a16:creationId xmlns:a16="http://schemas.microsoft.com/office/drawing/2014/main" id="{43B0D2C6-9A76-F6C9-0A48-4E33B5313DEF}"/>
-                    </a:ext>
-                  </a:extLst>
-                </p:cNvPr>
-                <p:cNvSpPr/>
-                <p:nvPr/>
-              </p:nvSpPr>
-              <p:spPr>
-                <a:xfrm>
-                  <a:off x="3787649" y="2194620"/>
-                  <a:ext cx="100801" cy="100800"/>
-                </a:xfrm>
-                <a:prstGeom prst="ellipse">
-                  <a:avLst/>
-                </a:prstGeom>
-                <a:solidFill>
-                  <a:srgbClr val="A75EAB"/>
-                </a:solidFill>
-                <a:ln>
-                  <a:noFill/>
-                </a:ln>
-              </p:spPr>
-              <p:txBody>
-                <a:bodyPr spcFirstLastPara="1" wrap="square" lIns="68569" tIns="68569" rIns="68569" bIns="68569" anchor="ctr" anchorCtr="0">
-                  <a:noAutofit/>
-                </a:bodyPr>
-                <a:lstStyle/>
-                <a:p>
-                  <a:pPr defTabSz="336947">
-                    <a:defRPr/>
-                  </a:pPr>
-                  <a:endParaRPr sz="1350">
-                    <a:latin typeface="Calibri"/>
-                    <a:cs typeface="Calibri"/>
-                  </a:endParaRPr>
-                </a:p>
-              </p:txBody>
-            </p:sp>
-          </p:grpSp>
-          <p:sp>
-            <p:nvSpPr>
-              <p:cNvPr id="209" name="Google Shape;1627;p34">
-                <a:extLst>
-                  <a:ext uri="{FF2B5EF4-FFF2-40B4-BE49-F238E27FC236}">
-                    <a16:creationId xmlns:a16="http://schemas.microsoft.com/office/drawing/2014/main" id="{4AB9D251-F4C6-3DDA-C3EF-397548F665BC}"/>
-                  </a:ext>
-                </a:extLst>
-              </p:cNvPr>
-              <p:cNvSpPr txBox="1"/>
-              <p:nvPr/>
-            </p:nvSpPr>
-            <p:spPr>
-              <a:xfrm>
-                <a:off x="2662741" y="1669803"/>
-                <a:ext cx="1762274" cy="423541"/>
-              </a:xfrm>
-              <a:prstGeom prst="rect">
-                <a:avLst/>
-              </a:prstGeom>
-              <a:noFill/>
-              <a:ln>
-                <a:noFill/>
-              </a:ln>
-            </p:spPr>
-            <p:txBody>
-              <a:bodyPr spcFirstLastPara="1" wrap="square" lIns="68569" tIns="68569" rIns="68569" bIns="68569" anchor="ctr" anchorCtr="0">
-                <a:noAutofit/>
-              </a:bodyPr>
-              <a:lstStyle/>
-              <a:p>
-                <a:pPr algn="ctr" defTabSz="336947">
-                  <a:defRPr/>
-                </a:pPr>
-                <a:r>
-                  <a:rPr lang="pt-BR" sz="600" dirty="0">
-                    <a:solidFill>
-                      <a:schemeClr val="tx1"/>
-                    </a:solidFill>
-                    <a:latin typeface="Roboto"/>
-                    <a:ea typeface="Roboto"/>
-                    <a:cs typeface="Roboto"/>
-                    <a:sym typeface="Roboto"/>
-                  </a:rPr>
-                  <a:t>AV</a:t>
-                </a:r>
-              </a:p>
-            </p:txBody>
-          </p:sp>
-        </p:grpSp>
-        <p:grpSp>
-          <p:nvGrpSpPr>
-            <p:cNvPr id="216" name="Google Shape;1593;p34">
-              <a:extLst>
-                <a:ext uri="{FF2B5EF4-FFF2-40B4-BE49-F238E27FC236}">
-                  <a16:creationId xmlns:a16="http://schemas.microsoft.com/office/drawing/2014/main" id="{46BCA767-04A5-9671-BD62-54880B3B971A}"/>
-                </a:ext>
-              </a:extLst>
-            </p:cNvPr>
-            <p:cNvGrpSpPr/>
-            <p:nvPr/>
-          </p:nvGrpSpPr>
-          <p:grpSpPr>
-            <a:xfrm>
-              <a:off x="6875668" y="2136061"/>
-              <a:ext cx="1362075" cy="1409005"/>
-              <a:chOff x="648102" y="1944746"/>
-              <a:chExt cx="2109096" cy="2181766"/>
-            </a:xfrm>
-          </p:grpSpPr>
-          <p:sp>
-            <p:nvSpPr>
-              <p:cNvPr id="217" name="Google Shape;1594;p34">
-                <a:extLst>
-                  <a:ext uri="{FF2B5EF4-FFF2-40B4-BE49-F238E27FC236}">
-                    <a16:creationId xmlns:a16="http://schemas.microsoft.com/office/drawing/2014/main" id="{20C89C0A-39F3-FCF6-BDDD-7CB2C1746494}"/>
-                  </a:ext>
-                </a:extLst>
-              </p:cNvPr>
-              <p:cNvSpPr txBox="1"/>
-              <p:nvPr/>
-            </p:nvSpPr>
-            <p:spPr>
-              <a:xfrm>
-                <a:off x="648102" y="3606012"/>
-                <a:ext cx="2109096" cy="520500"/>
-              </a:xfrm>
-              <a:prstGeom prst="rect">
-                <a:avLst/>
-              </a:prstGeom>
-              <a:noFill/>
-              <a:ln>
-                <a:noFill/>
-              </a:ln>
-            </p:spPr>
-            <p:txBody>
-              <a:bodyPr spcFirstLastPara="1" wrap="square" lIns="68569" tIns="68569" rIns="68569" bIns="68569" anchor="ctr" anchorCtr="0">
-                <a:noAutofit/>
-              </a:bodyPr>
-              <a:lstStyle/>
-              <a:p>
-                <a:pPr algn="ctr" defTabSz="336947">
-                  <a:defRPr/>
-                </a:pPr>
-                <a:r>
-                  <a:rPr lang="pt-BR" sz="600" dirty="0">
-                    <a:solidFill>
-                      <a:schemeClr val="tx1"/>
-                    </a:solidFill>
-                    <a:latin typeface="Roboto"/>
-                    <a:ea typeface="Roboto"/>
-                    <a:cs typeface="Roboto"/>
-                    <a:sym typeface="Roboto"/>
-                  </a:rPr>
-                  <a:t>Nova Chance</a:t>
-                </a:r>
-              </a:p>
-            </p:txBody>
-          </p:sp>
-          <p:grpSp>
-            <p:nvGrpSpPr>
-              <p:cNvPr id="218" name="Google Shape;1595;p34">
-                <a:extLst>
-                  <a:ext uri="{FF2B5EF4-FFF2-40B4-BE49-F238E27FC236}">
-                    <a16:creationId xmlns:a16="http://schemas.microsoft.com/office/drawing/2014/main" id="{C070614A-50C1-36FC-271E-D72E51B2FFC7}"/>
-                  </a:ext>
-                </a:extLst>
-              </p:cNvPr>
-              <p:cNvGrpSpPr/>
-              <p:nvPr/>
-            </p:nvGrpSpPr>
-            <p:grpSpPr>
-              <a:xfrm>
-                <a:off x="1306267" y="2586171"/>
-                <a:ext cx="681652" cy="969321"/>
-                <a:chOff x="2310388" y="2586171"/>
-                <a:chExt cx="681652" cy="969321"/>
-              </a:xfrm>
-            </p:grpSpPr>
-            <p:sp>
-              <p:nvSpPr>
-                <p:cNvPr id="220" name="Google Shape;1596;p34">
-                  <a:extLst>
-                    <a:ext uri="{FF2B5EF4-FFF2-40B4-BE49-F238E27FC236}">
-                      <a16:creationId xmlns:a16="http://schemas.microsoft.com/office/drawing/2014/main" id="{07407F53-A199-B3E0-089B-720760F069DB}"/>
-                    </a:ext>
-                  </a:extLst>
-                </p:cNvPr>
-                <p:cNvSpPr/>
-                <p:nvPr/>
-              </p:nvSpPr>
-              <p:spPr>
-                <a:xfrm>
-                  <a:off x="2399315" y="2586171"/>
-                  <a:ext cx="592725" cy="592773"/>
-                </a:xfrm>
-                <a:custGeom>
-                  <a:avLst/>
-                  <a:gdLst/>
-                  <a:ahLst/>
-                  <a:cxnLst/>
-                  <a:rect l="l" t="t" r="r" b="b"/>
-                  <a:pathLst>
-                    <a:path w="12404" h="12405" extrusionOk="0">
-                      <a:moveTo>
-                        <a:pt x="6202" y="124"/>
-                      </a:moveTo>
-                      <a:cubicBezTo>
-                        <a:pt x="9551" y="124"/>
-                        <a:pt x="12280" y="2853"/>
-                        <a:pt x="12280" y="6202"/>
-                      </a:cubicBezTo>
-                      <a:cubicBezTo>
-                        <a:pt x="12280" y="9487"/>
-                        <a:pt x="9551" y="12216"/>
-                        <a:pt x="6202" y="12216"/>
-                      </a:cubicBezTo>
-                      <a:cubicBezTo>
-                        <a:pt x="2913" y="12216"/>
-                        <a:pt x="184" y="9487"/>
-                        <a:pt x="184" y="6202"/>
-                      </a:cubicBezTo>
-                      <a:cubicBezTo>
-                        <a:pt x="184" y="2853"/>
-                        <a:pt x="2913" y="124"/>
-                        <a:pt x="6202" y="124"/>
-                      </a:cubicBezTo>
-                      <a:close/>
-                      <a:moveTo>
-                        <a:pt x="6202" y="0"/>
-                      </a:moveTo>
-                      <a:cubicBezTo>
-                        <a:pt x="2789" y="0"/>
-                        <a:pt x="0" y="2729"/>
-                        <a:pt x="0" y="6202"/>
-                      </a:cubicBezTo>
-                      <a:cubicBezTo>
-                        <a:pt x="0" y="9611"/>
-                        <a:pt x="2789" y="12404"/>
-                        <a:pt x="6202" y="12404"/>
-                      </a:cubicBezTo>
-                      <a:cubicBezTo>
-                        <a:pt x="9611" y="12404"/>
-                        <a:pt x="12404" y="9611"/>
-                        <a:pt x="12404" y="6202"/>
-                      </a:cubicBezTo>
-                      <a:cubicBezTo>
-                        <a:pt x="12404" y="2729"/>
-                        <a:pt x="9611" y="0"/>
-                        <a:pt x="6202" y="0"/>
-                      </a:cubicBezTo>
-                      <a:close/>
-                    </a:path>
-                  </a:pathLst>
-                </a:custGeom>
-                <a:solidFill>
-                  <a:schemeClr val="bg2">
-                    <a:lumMod val="40000"/>
-                    <a:lumOff val="60000"/>
-                  </a:schemeClr>
-                </a:solidFill>
-                <a:ln>
-                  <a:noFill/>
-                </a:ln>
-              </p:spPr>
-              <p:txBody>
-                <a:bodyPr spcFirstLastPara="1" wrap="square" lIns="68569" tIns="68569" rIns="68569" bIns="68569" anchor="ctr" anchorCtr="0">
-                  <a:noAutofit/>
-                </a:bodyPr>
-                <a:lstStyle/>
-                <a:p>
-                  <a:pPr defTabSz="336947">
-                    <a:defRPr/>
-                  </a:pPr>
-                  <a:endParaRPr sz="1350">
-                    <a:latin typeface="Calibri"/>
-                    <a:cs typeface="Calibri"/>
-                  </a:endParaRPr>
-                </a:p>
-              </p:txBody>
-            </p:sp>
-            <p:sp>
-              <p:nvSpPr>
-                <p:cNvPr id="221" name="Google Shape;1597;p34">
-                  <a:extLst>
-                    <a:ext uri="{FF2B5EF4-FFF2-40B4-BE49-F238E27FC236}">
-                      <a16:creationId xmlns:a16="http://schemas.microsoft.com/office/drawing/2014/main" id="{680C2369-AC7E-C4D3-B53F-5E14540910B5}"/>
-                    </a:ext>
-                  </a:extLst>
-                </p:cNvPr>
-                <p:cNvSpPr/>
-                <p:nvPr/>
-              </p:nvSpPr>
-              <p:spPr>
-                <a:xfrm>
-                  <a:off x="2514764" y="2698799"/>
-                  <a:ext cx="361589" cy="364456"/>
-                </a:xfrm>
-                <a:custGeom>
-                  <a:avLst/>
-                  <a:gdLst/>
-                  <a:ahLst/>
-                  <a:cxnLst/>
-                  <a:rect l="l" t="t" r="r" b="b"/>
-                  <a:pathLst>
-                    <a:path w="7567" h="7627" extrusionOk="0">
-                      <a:moveTo>
-                        <a:pt x="3786" y="496"/>
-                      </a:moveTo>
-                      <a:cubicBezTo>
-                        <a:pt x="5647" y="496"/>
-                        <a:pt x="7135" y="1985"/>
-                        <a:pt x="7135" y="3845"/>
-                      </a:cubicBezTo>
-                      <a:cubicBezTo>
-                        <a:pt x="7135" y="5641"/>
-                        <a:pt x="5647" y="7130"/>
-                        <a:pt x="3786" y="7130"/>
-                      </a:cubicBezTo>
-                      <a:cubicBezTo>
-                        <a:pt x="1985" y="7130"/>
-                        <a:pt x="497" y="5641"/>
-                        <a:pt x="497" y="3845"/>
-                      </a:cubicBezTo>
-                      <a:cubicBezTo>
-                        <a:pt x="497" y="1985"/>
-                        <a:pt x="1985" y="496"/>
-                        <a:pt x="3786" y="496"/>
-                      </a:cubicBezTo>
-                      <a:close/>
-                      <a:moveTo>
-                        <a:pt x="3786" y="0"/>
-                      </a:moveTo>
-                      <a:cubicBezTo>
-                        <a:pt x="1677" y="0"/>
-                        <a:pt x="0" y="1737"/>
-                        <a:pt x="0" y="3845"/>
-                      </a:cubicBezTo>
-                      <a:cubicBezTo>
-                        <a:pt x="0" y="5889"/>
-                        <a:pt x="1677" y="7626"/>
-                        <a:pt x="3786" y="7626"/>
-                      </a:cubicBezTo>
-                      <a:cubicBezTo>
-                        <a:pt x="5895" y="7626"/>
-                        <a:pt x="7567" y="5889"/>
-                        <a:pt x="7567" y="3845"/>
-                      </a:cubicBezTo>
-                      <a:cubicBezTo>
-                        <a:pt x="7567" y="1737"/>
-                        <a:pt x="5895" y="0"/>
-                        <a:pt x="3786" y="0"/>
-                      </a:cubicBezTo>
-                      <a:close/>
-                    </a:path>
-                  </a:pathLst>
-                </a:custGeom>
-                <a:solidFill>
-                  <a:srgbClr val="A75EAB"/>
-                </a:solidFill>
-                <a:ln>
-                  <a:noFill/>
-                </a:ln>
-              </p:spPr>
-              <p:txBody>
-                <a:bodyPr spcFirstLastPara="1" wrap="square" lIns="68569" tIns="68569" rIns="68569" bIns="68569" anchor="ctr" anchorCtr="0">
-                  <a:noAutofit/>
-                </a:bodyPr>
-                <a:lstStyle/>
-                <a:p>
-                  <a:pPr defTabSz="336947">
-                    <a:defRPr/>
-                  </a:pPr>
-                  <a:endParaRPr sz="1350">
-                    <a:latin typeface="Calibri"/>
-                    <a:cs typeface="Calibri"/>
-                  </a:endParaRPr>
-                </a:p>
-              </p:txBody>
-            </p:sp>
-            <p:sp>
-              <p:nvSpPr>
-                <p:cNvPr id="222" name="Google Shape;1598;p34">
-                  <a:extLst>
-                    <a:ext uri="{FF2B5EF4-FFF2-40B4-BE49-F238E27FC236}">
-                      <a16:creationId xmlns:a16="http://schemas.microsoft.com/office/drawing/2014/main" id="{9B1F6AF1-066C-10D7-BC81-EA3B6F62E17F}"/>
-                    </a:ext>
-                  </a:extLst>
-                </p:cNvPr>
-                <p:cNvSpPr/>
-                <p:nvPr/>
-              </p:nvSpPr>
-              <p:spPr>
-                <a:xfrm>
-                  <a:off x="2612674" y="2796473"/>
-                  <a:ext cx="168872" cy="169062"/>
-                </a:xfrm>
-                <a:custGeom>
-                  <a:avLst/>
-                  <a:gdLst/>
-                  <a:ahLst/>
-                  <a:cxnLst/>
-                  <a:rect l="l" t="t" r="r" b="b"/>
-                  <a:pathLst>
-                    <a:path w="3534" h="3538" extrusionOk="0">
-                      <a:moveTo>
-                        <a:pt x="1737" y="0"/>
-                      </a:moveTo>
-                      <a:cubicBezTo>
-                        <a:pt x="745" y="0"/>
-                        <a:pt x="1" y="809"/>
-                        <a:pt x="1" y="1801"/>
-                      </a:cubicBezTo>
-                      <a:cubicBezTo>
-                        <a:pt x="1" y="2729"/>
-                        <a:pt x="745" y="3538"/>
-                        <a:pt x="1737" y="3538"/>
-                      </a:cubicBezTo>
-                      <a:cubicBezTo>
-                        <a:pt x="2729" y="3538"/>
-                        <a:pt x="3533" y="2729"/>
-                        <a:pt x="3533" y="1801"/>
-                      </a:cubicBezTo>
-                      <a:cubicBezTo>
-                        <a:pt x="3533" y="809"/>
-                        <a:pt x="2729" y="0"/>
-                        <a:pt x="1737" y="0"/>
-                      </a:cubicBezTo>
-                      <a:close/>
-                    </a:path>
-                  </a:pathLst>
-                </a:custGeom>
-                <a:solidFill>
-                  <a:srgbClr val="A75EAB"/>
-                </a:solidFill>
-                <a:ln>
-                  <a:noFill/>
-                </a:ln>
-              </p:spPr>
-              <p:txBody>
-                <a:bodyPr spcFirstLastPara="1" wrap="square" lIns="68569" tIns="68569" rIns="68569" bIns="68569" anchor="ctr" anchorCtr="0">
-                  <a:noAutofit/>
-                </a:bodyPr>
-                <a:lstStyle/>
-                <a:p>
-                  <a:pPr defTabSz="336947">
-                    <a:defRPr/>
-                  </a:pPr>
-                  <a:endParaRPr sz="1350">
-                    <a:latin typeface="Calibri"/>
-                    <a:cs typeface="Calibri"/>
-                  </a:endParaRPr>
-                </a:p>
-              </p:txBody>
-            </p:sp>
-            <p:sp>
-              <p:nvSpPr>
-                <p:cNvPr id="223" name="Google Shape;1599;p34">
-                  <a:extLst>
-                    <a:ext uri="{FF2B5EF4-FFF2-40B4-BE49-F238E27FC236}">
-                      <a16:creationId xmlns:a16="http://schemas.microsoft.com/office/drawing/2014/main" id="{FCA09BC7-6CC1-429C-C268-6EBA2E68876E}"/>
-                    </a:ext>
-                  </a:extLst>
-                </p:cNvPr>
-                <p:cNvSpPr/>
-                <p:nvPr/>
-              </p:nvSpPr>
-              <p:spPr>
-                <a:xfrm>
-                  <a:off x="2692577" y="3172972"/>
-                  <a:ext cx="9079" cy="303448"/>
-                </a:xfrm>
-                <a:custGeom>
-                  <a:avLst/>
-                  <a:gdLst/>
-                  <a:ahLst/>
-                  <a:cxnLst/>
-                  <a:rect l="l" t="t" r="r" b="b"/>
-                  <a:pathLst>
-                    <a:path w="190" h="19658" extrusionOk="0">
-                      <a:moveTo>
-                        <a:pt x="1" y="0"/>
-                      </a:moveTo>
-                      <a:lnTo>
-                        <a:pt x="1" y="19658"/>
-                      </a:lnTo>
-                      <a:lnTo>
-                        <a:pt x="189" y="19658"/>
-                      </a:lnTo>
-                      <a:lnTo>
-                        <a:pt x="189" y="0"/>
-                      </a:lnTo>
-                      <a:close/>
-                    </a:path>
-                  </a:pathLst>
-                </a:custGeom>
-                <a:solidFill>
-                  <a:schemeClr val="bg2">
-                    <a:lumMod val="40000"/>
-                    <a:lumOff val="60000"/>
-                  </a:schemeClr>
-                </a:solidFill>
-                <a:ln>
-                  <a:noFill/>
-                </a:ln>
-              </p:spPr>
-              <p:txBody>
-                <a:bodyPr spcFirstLastPara="1" wrap="square" lIns="68569" tIns="68569" rIns="68569" bIns="68569" anchor="ctr" anchorCtr="0">
-                  <a:noAutofit/>
-                </a:bodyPr>
-                <a:lstStyle/>
-                <a:p>
-                  <a:pPr defTabSz="336947">
-                    <a:defRPr/>
-                  </a:pPr>
-                  <a:endParaRPr sz="1350">
-                    <a:latin typeface="Calibri"/>
-                    <a:cs typeface="Calibri"/>
-                  </a:endParaRPr>
-                </a:p>
-              </p:txBody>
-            </p:sp>
-            <p:sp>
-              <p:nvSpPr>
-                <p:cNvPr id="224" name="Google Shape;1600;p34">
-                  <a:extLst>
-                    <a:ext uri="{FF2B5EF4-FFF2-40B4-BE49-F238E27FC236}">
-                      <a16:creationId xmlns:a16="http://schemas.microsoft.com/office/drawing/2014/main" id="{A3B65129-4866-F333-F79D-E05CA8AB8F99}"/>
-                    </a:ext>
-                  </a:extLst>
-                </p:cNvPr>
-                <p:cNvSpPr/>
-                <p:nvPr/>
-              </p:nvSpPr>
-              <p:spPr>
-                <a:xfrm>
-                  <a:off x="2310388" y="2885354"/>
-                  <a:ext cx="385338" cy="388396"/>
-                </a:xfrm>
-                <a:custGeom>
-                  <a:avLst/>
-                  <a:gdLst/>
-                  <a:ahLst/>
-                  <a:cxnLst/>
-                  <a:rect l="l" t="t" r="r" b="b"/>
-                  <a:pathLst>
-                    <a:path w="8064" h="8128" extrusionOk="0">
-                      <a:moveTo>
-                        <a:pt x="1" y="1"/>
-                      </a:moveTo>
-                      <a:cubicBezTo>
-                        <a:pt x="1" y="4466"/>
-                        <a:pt x="3598" y="8128"/>
-                        <a:pt x="8063" y="8128"/>
-                      </a:cubicBezTo>
-                      <a:lnTo>
-                        <a:pt x="8063" y="7939"/>
-                      </a:lnTo>
-                      <a:cubicBezTo>
-                        <a:pt x="3722" y="7939"/>
-                        <a:pt x="125" y="4407"/>
-                        <a:pt x="125" y="1"/>
-                      </a:cubicBezTo>
-                      <a:close/>
-                    </a:path>
-                  </a:pathLst>
-                </a:custGeom>
-                <a:solidFill>
-                  <a:schemeClr val="bg2">
-                    <a:lumMod val="40000"/>
-                    <a:lumOff val="60000"/>
-                  </a:schemeClr>
-                </a:solidFill>
-                <a:ln>
-                  <a:noFill/>
-                </a:ln>
-              </p:spPr>
-              <p:txBody>
-                <a:bodyPr spcFirstLastPara="1" wrap="square" lIns="68569" tIns="68569" rIns="68569" bIns="68569" anchor="ctr" anchorCtr="0">
-                  <a:noAutofit/>
-                </a:bodyPr>
-                <a:lstStyle/>
-                <a:p>
-                  <a:pPr defTabSz="336947">
-                    <a:defRPr/>
-                  </a:pPr>
-                  <a:endParaRPr sz="1350">
-                    <a:latin typeface="Calibri"/>
-                    <a:cs typeface="Calibri"/>
-                  </a:endParaRPr>
-                </a:p>
-              </p:txBody>
-            </p:sp>
-            <p:sp>
-              <p:nvSpPr>
-                <p:cNvPr id="225" name="Google Shape;1601;p34">
-                  <a:extLst>
-                    <a:ext uri="{FF2B5EF4-FFF2-40B4-BE49-F238E27FC236}">
-                      <a16:creationId xmlns:a16="http://schemas.microsoft.com/office/drawing/2014/main" id="{FBED2513-F3DC-A49A-A1E6-53753EADB497}"/>
-                    </a:ext>
-                  </a:extLst>
-                </p:cNvPr>
-                <p:cNvSpPr/>
-                <p:nvPr/>
-              </p:nvSpPr>
-              <p:spPr>
-                <a:xfrm>
-                  <a:off x="2646714" y="3454692"/>
-                  <a:ext cx="100800" cy="100800"/>
-                </a:xfrm>
-                <a:prstGeom prst="ellipse">
-                  <a:avLst/>
-                </a:prstGeom>
-                <a:solidFill>
-                  <a:srgbClr val="A75EAB"/>
-                </a:solidFill>
-                <a:ln>
-                  <a:noFill/>
-                </a:ln>
-              </p:spPr>
-              <p:txBody>
-                <a:bodyPr spcFirstLastPara="1" wrap="square" lIns="68569" tIns="68569" rIns="68569" bIns="68569" anchor="ctr" anchorCtr="0">
-                  <a:noAutofit/>
-                </a:bodyPr>
-                <a:lstStyle/>
-                <a:p>
-                  <a:pPr defTabSz="336947">
-                    <a:defRPr/>
-                  </a:pPr>
-                  <a:endParaRPr sz="1350">
-                    <a:latin typeface="Calibri"/>
-                    <a:cs typeface="Calibri"/>
-                  </a:endParaRPr>
-                </a:p>
-              </p:txBody>
-            </p:sp>
-          </p:grpSp>
-          <p:sp>
-            <p:nvSpPr>
-              <p:cNvPr id="219" name="Google Shape;1602;p34">
-                <a:extLst>
-                  <a:ext uri="{FF2B5EF4-FFF2-40B4-BE49-F238E27FC236}">
-                    <a16:creationId xmlns:a16="http://schemas.microsoft.com/office/drawing/2014/main" id="{E4947598-7065-CA64-194E-16973C4E7AD2}"/>
-                  </a:ext>
-                </a:extLst>
-              </p:cNvPr>
-              <p:cNvSpPr txBox="1"/>
-              <p:nvPr/>
-            </p:nvSpPr>
-            <p:spPr>
-              <a:xfrm>
-                <a:off x="730419" y="1944746"/>
-                <a:ext cx="1944461" cy="627174"/>
-              </a:xfrm>
-              <a:prstGeom prst="rect">
-                <a:avLst/>
-              </a:prstGeom>
-              <a:noFill/>
-              <a:ln>
-                <a:noFill/>
-              </a:ln>
-            </p:spPr>
-            <p:txBody>
-              <a:bodyPr spcFirstLastPara="1" wrap="square" lIns="68569" tIns="68569" rIns="68569" bIns="68569" anchor="ctr" anchorCtr="0">
-                <a:noAutofit/>
-              </a:bodyPr>
-              <a:lstStyle/>
-              <a:p>
-                <a:pPr algn="ctr" defTabSz="336947">
-                  <a:lnSpc>
-                    <a:spcPct val="115000"/>
-                  </a:lnSpc>
-                  <a:defRPr/>
-                </a:pPr>
-                <a:r>
-                  <a:rPr lang="pt-BR" sz="825" b="1" dirty="0">
-                    <a:solidFill>
-                      <a:schemeClr val="tx1"/>
-                    </a:solidFill>
-                    <a:latin typeface="Fira Sans Extra Condensed"/>
-                    <a:cs typeface="Calibri"/>
-                    <a:sym typeface="Fira Sans Extra Condensed"/>
-                  </a:rPr>
-                  <a:t>16 a 22 de Novembro</a:t>
-                </a:r>
-              </a:p>
-            </p:txBody>
-          </p:sp>
-        </p:grpSp>
-        <p:grpSp>
-          <p:nvGrpSpPr>
-            <p:cNvPr id="226" name="Google Shape;1618;p34">
-              <a:extLst>
-                <a:ext uri="{FF2B5EF4-FFF2-40B4-BE49-F238E27FC236}">
-                  <a16:creationId xmlns:a16="http://schemas.microsoft.com/office/drawing/2014/main" id="{3FD8AB80-070B-2861-70D7-196B23795C31}"/>
-                </a:ext>
-              </a:extLst>
-            </p:cNvPr>
-            <p:cNvGrpSpPr/>
-            <p:nvPr/>
-          </p:nvGrpSpPr>
-          <p:grpSpPr>
-            <a:xfrm>
-              <a:off x="8100638" y="1929801"/>
-              <a:ext cx="1255752" cy="1498480"/>
-              <a:chOff x="2637906" y="1652912"/>
-              <a:chExt cx="1913912" cy="2200329"/>
-            </a:xfrm>
-          </p:grpSpPr>
-          <p:sp>
-            <p:nvSpPr>
-              <p:cNvPr id="227" name="Google Shape;1619;p34">
-                <a:extLst>
-                  <a:ext uri="{FF2B5EF4-FFF2-40B4-BE49-F238E27FC236}">
-                    <a16:creationId xmlns:a16="http://schemas.microsoft.com/office/drawing/2014/main" id="{EF5AE499-40B7-474B-3FD7-6743F968BF70}"/>
-                  </a:ext>
-                </a:extLst>
-              </p:cNvPr>
-              <p:cNvSpPr txBox="1"/>
-              <p:nvPr/>
-            </p:nvSpPr>
-            <p:spPr>
-              <a:xfrm>
-                <a:off x="2677945" y="3336021"/>
-                <a:ext cx="1715902" cy="517220"/>
-              </a:xfrm>
-              <a:prstGeom prst="rect">
-                <a:avLst/>
-              </a:prstGeom>
-              <a:noFill/>
-              <a:ln>
-                <a:noFill/>
-              </a:ln>
-            </p:spPr>
-            <p:txBody>
-              <a:bodyPr spcFirstLastPara="1" wrap="square" lIns="68569" tIns="68569" rIns="68569" bIns="68569" anchor="ctr" anchorCtr="0">
-                <a:noAutofit/>
-              </a:bodyPr>
-              <a:lstStyle/>
-              <a:p>
-                <a:pPr algn="ctr" defTabSz="336947">
-                  <a:lnSpc>
-                    <a:spcPct val="115000"/>
-                  </a:lnSpc>
-                  <a:buClr>
-                    <a:srgbClr val="A7A7A7"/>
-                  </a:buClr>
-                  <a:buSzPts val="1100"/>
-                  <a:defRPr/>
-                </a:pPr>
-                <a:r>
-                  <a:rPr lang="pt-BR" sz="825" b="1" dirty="0">
-                    <a:solidFill>
-                      <a:schemeClr val="tx1"/>
-                    </a:solidFill>
-                    <a:latin typeface="Fira Sans Extra Condensed"/>
-                    <a:ea typeface="Fira Sans Extra Condensed"/>
-                    <a:cs typeface="Fira Sans Extra Condensed"/>
-                    <a:sym typeface="Fira Sans Extra Condensed"/>
-                  </a:rPr>
-                  <a:t>27 de Novembro a</a:t>
-                </a:r>
-              </a:p>
-              <a:p>
-                <a:pPr algn="ctr" defTabSz="336947">
-                  <a:lnSpc>
-                    <a:spcPct val="115000"/>
-                  </a:lnSpc>
-                  <a:buClr>
-                    <a:srgbClr val="A7A7A7"/>
-                  </a:buClr>
-                  <a:buSzPts val="1100"/>
-                  <a:defRPr/>
-                </a:pPr>
-                <a:r>
-                  <a:rPr lang="pt-BR" sz="825" b="1" dirty="0">
-                    <a:solidFill>
-                      <a:schemeClr val="tx1"/>
-                    </a:solidFill>
-                    <a:latin typeface="Fira Sans Extra Condensed"/>
-                    <a:ea typeface="Fira Sans Extra Condensed"/>
-                    <a:cs typeface="Fira Sans Extra Condensed"/>
-                    <a:sym typeface="Fira Sans Extra Condensed"/>
-                  </a:rPr>
-                  <a:t>02 de Dezembro</a:t>
-                </a:r>
-                <a:endParaRPr lang="pt-BR" sz="825" dirty="0">
-                  <a:solidFill>
-                    <a:schemeClr val="tx1"/>
-                  </a:solidFill>
-                  <a:latin typeface="Fira Sans Extra Condensed"/>
-                  <a:ea typeface="Fira Sans Extra Condensed"/>
-                  <a:cs typeface="Fira Sans Extra Condensed"/>
-                  <a:sym typeface="Fira Sans Extra Condensed"/>
-                </a:endParaRPr>
-              </a:p>
-            </p:txBody>
-          </p:sp>
-          <p:grpSp>
-            <p:nvGrpSpPr>
-              <p:cNvPr id="228" name="Google Shape;1620;p34">
-                <a:extLst>
-                  <a:ext uri="{FF2B5EF4-FFF2-40B4-BE49-F238E27FC236}">
-                    <a16:creationId xmlns:a16="http://schemas.microsoft.com/office/drawing/2014/main" id="{469AB21D-37F3-EFCF-5F99-8A717E8DAD1E}"/>
-                  </a:ext>
-                </a:extLst>
-              </p:cNvPr>
-              <p:cNvGrpSpPr/>
-              <p:nvPr/>
-            </p:nvGrpSpPr>
-            <p:grpSpPr>
-              <a:xfrm>
-                <a:off x="3204006" y="2194620"/>
-                <a:ext cx="684519" cy="987143"/>
-                <a:chOff x="3545057" y="2194620"/>
-                <a:chExt cx="684519" cy="987143"/>
-              </a:xfrm>
-            </p:grpSpPr>
-            <p:sp>
-              <p:nvSpPr>
-                <p:cNvPr id="230" name="Google Shape;1621;p34">
-                  <a:extLst>
-                    <a:ext uri="{FF2B5EF4-FFF2-40B4-BE49-F238E27FC236}">
-                      <a16:creationId xmlns:a16="http://schemas.microsoft.com/office/drawing/2014/main" id="{8E546ABD-DC35-7BC6-7278-E56D21C8B518}"/>
-                    </a:ext>
-                  </a:extLst>
-                </p:cNvPr>
-                <p:cNvSpPr/>
-                <p:nvPr/>
-              </p:nvSpPr>
-              <p:spPr>
-                <a:xfrm>
-                  <a:off x="3545057" y="2588990"/>
-                  <a:ext cx="592773" cy="592773"/>
-                </a:xfrm>
-                <a:custGeom>
-                  <a:avLst/>
-                  <a:gdLst/>
-                  <a:ahLst/>
-                  <a:cxnLst/>
-                  <a:rect l="l" t="t" r="r" b="b"/>
-                  <a:pathLst>
-                    <a:path w="12405" h="12405" extrusionOk="0">
-                      <a:moveTo>
-                        <a:pt x="6202" y="190"/>
-                      </a:moveTo>
-                      <a:cubicBezTo>
-                        <a:pt x="9551" y="190"/>
-                        <a:pt x="12280" y="2854"/>
-                        <a:pt x="12280" y="6203"/>
-                      </a:cubicBezTo>
-                      <a:cubicBezTo>
-                        <a:pt x="12280" y="9552"/>
-                        <a:pt x="9551" y="12281"/>
-                        <a:pt x="6202" y="12281"/>
-                      </a:cubicBezTo>
-                      <a:cubicBezTo>
-                        <a:pt x="2853" y="12281"/>
-                        <a:pt x="184" y="9552"/>
-                        <a:pt x="184" y="6203"/>
-                      </a:cubicBezTo>
-                      <a:cubicBezTo>
-                        <a:pt x="184" y="2854"/>
-                        <a:pt x="2853" y="190"/>
-                        <a:pt x="6202" y="190"/>
-                      </a:cubicBezTo>
-                      <a:close/>
-                      <a:moveTo>
-                        <a:pt x="6202" y="1"/>
-                      </a:moveTo>
-                      <a:cubicBezTo>
-                        <a:pt x="2789" y="1"/>
-                        <a:pt x="0" y="2794"/>
-                        <a:pt x="0" y="6203"/>
-                      </a:cubicBezTo>
-                      <a:cubicBezTo>
-                        <a:pt x="0" y="9616"/>
-                        <a:pt x="2789" y="12405"/>
-                        <a:pt x="6202" y="12405"/>
-                      </a:cubicBezTo>
-                      <a:cubicBezTo>
-                        <a:pt x="9611" y="12405"/>
-                        <a:pt x="12404" y="9616"/>
-                        <a:pt x="12404" y="6203"/>
-                      </a:cubicBezTo>
-                      <a:cubicBezTo>
-                        <a:pt x="12404" y="2794"/>
-                        <a:pt x="9611" y="1"/>
-                        <a:pt x="6202" y="1"/>
-                      </a:cubicBezTo>
-                      <a:close/>
-                    </a:path>
-                  </a:pathLst>
-                </a:custGeom>
-                <a:solidFill>
-                  <a:schemeClr val="bg2">
-                    <a:lumMod val="40000"/>
-                    <a:lumOff val="60000"/>
-                  </a:schemeClr>
-                </a:solidFill>
-                <a:ln>
-                  <a:noFill/>
-                </a:ln>
-              </p:spPr>
-              <p:txBody>
-                <a:bodyPr spcFirstLastPara="1" wrap="square" lIns="68569" tIns="68569" rIns="68569" bIns="68569" anchor="ctr" anchorCtr="0">
-                  <a:noAutofit/>
-                </a:bodyPr>
-                <a:lstStyle/>
-                <a:p>
-                  <a:pPr defTabSz="336947">
-                    <a:defRPr/>
-                  </a:pPr>
-                  <a:endParaRPr sz="1350">
-                    <a:latin typeface="Calibri"/>
-                    <a:cs typeface="Calibri"/>
-                  </a:endParaRPr>
-                </a:p>
-              </p:txBody>
-            </p:sp>
-            <p:sp>
-              <p:nvSpPr>
-                <p:cNvPr id="231" name="Google Shape;1622;p34">
-                  <a:extLst>
-                    <a:ext uri="{FF2B5EF4-FFF2-40B4-BE49-F238E27FC236}">
-                      <a16:creationId xmlns:a16="http://schemas.microsoft.com/office/drawing/2014/main" id="{E69BB3B0-730E-C229-4BC0-90D639A8A70E}"/>
-                    </a:ext>
-                  </a:extLst>
-                </p:cNvPr>
-                <p:cNvSpPr/>
-                <p:nvPr/>
-              </p:nvSpPr>
-              <p:spPr>
-                <a:xfrm>
-                  <a:off x="3660505" y="2704725"/>
-                  <a:ext cx="361589" cy="361589"/>
-                </a:xfrm>
-                <a:custGeom>
-                  <a:avLst/>
-                  <a:gdLst/>
-                  <a:ahLst/>
-                  <a:cxnLst/>
-                  <a:rect l="l" t="t" r="r" b="b"/>
-                  <a:pathLst>
-                    <a:path w="7567" h="7567" extrusionOk="0">
-                      <a:moveTo>
-                        <a:pt x="3786" y="496"/>
-                      </a:moveTo>
-                      <a:cubicBezTo>
-                        <a:pt x="5647" y="496"/>
-                        <a:pt x="7135" y="1985"/>
-                        <a:pt x="7135" y="3781"/>
-                      </a:cubicBezTo>
-                      <a:cubicBezTo>
-                        <a:pt x="7135" y="5641"/>
-                        <a:pt x="5647" y="7130"/>
-                        <a:pt x="3786" y="7130"/>
-                      </a:cubicBezTo>
-                      <a:cubicBezTo>
-                        <a:pt x="1985" y="7130"/>
-                        <a:pt x="497" y="5641"/>
-                        <a:pt x="497" y="3781"/>
-                      </a:cubicBezTo>
-                      <a:cubicBezTo>
-                        <a:pt x="497" y="1985"/>
-                        <a:pt x="1985" y="496"/>
-                        <a:pt x="3786" y="496"/>
-                      </a:cubicBezTo>
-                      <a:close/>
-                      <a:moveTo>
-                        <a:pt x="3786" y="0"/>
-                      </a:moveTo>
-                      <a:cubicBezTo>
-                        <a:pt x="1678" y="0"/>
-                        <a:pt x="1" y="1672"/>
-                        <a:pt x="1" y="3781"/>
-                      </a:cubicBezTo>
-                      <a:cubicBezTo>
-                        <a:pt x="1" y="5890"/>
-                        <a:pt x="1678" y="7567"/>
-                        <a:pt x="3786" y="7567"/>
-                      </a:cubicBezTo>
-                      <a:cubicBezTo>
-                        <a:pt x="5895" y="7567"/>
-                        <a:pt x="7567" y="5890"/>
-                        <a:pt x="7567" y="3781"/>
-                      </a:cubicBezTo>
-                      <a:cubicBezTo>
-                        <a:pt x="7567" y="1672"/>
-                        <a:pt x="5895" y="0"/>
-                        <a:pt x="3786" y="0"/>
-                      </a:cubicBezTo>
-                      <a:close/>
-                    </a:path>
-                  </a:pathLst>
-                </a:custGeom>
-                <a:solidFill>
-                  <a:srgbClr val="A75EAB"/>
-                </a:solidFill>
-                <a:ln>
-                  <a:noFill/>
-                </a:ln>
-              </p:spPr>
-              <p:txBody>
-                <a:bodyPr spcFirstLastPara="1" wrap="square" lIns="68569" tIns="68569" rIns="68569" bIns="68569" anchor="ctr" anchorCtr="0">
-                  <a:noAutofit/>
-                </a:bodyPr>
-                <a:lstStyle/>
-                <a:p>
-                  <a:pPr defTabSz="336947">
-                    <a:defRPr/>
-                  </a:pPr>
-                  <a:endParaRPr sz="1350">
-                    <a:latin typeface="Calibri"/>
-                    <a:cs typeface="Calibri"/>
-                  </a:endParaRPr>
-                </a:p>
-              </p:txBody>
-            </p:sp>
-            <p:sp>
-              <p:nvSpPr>
-                <p:cNvPr id="232" name="Google Shape;1623;p34">
-                  <a:extLst>
-                    <a:ext uri="{FF2B5EF4-FFF2-40B4-BE49-F238E27FC236}">
-                      <a16:creationId xmlns:a16="http://schemas.microsoft.com/office/drawing/2014/main" id="{0999DAB4-D3C5-D5E7-B8A2-C11C3001F615}"/>
-                    </a:ext>
-                  </a:extLst>
-                </p:cNvPr>
-                <p:cNvSpPr/>
-                <p:nvPr/>
-              </p:nvSpPr>
-              <p:spPr>
-                <a:xfrm>
-                  <a:off x="3755358" y="2799531"/>
-                  <a:ext cx="171930" cy="171930"/>
-                </a:xfrm>
-                <a:custGeom>
-                  <a:avLst/>
-                  <a:gdLst/>
-                  <a:ahLst/>
-                  <a:cxnLst/>
-                  <a:rect l="l" t="t" r="r" b="b"/>
-                  <a:pathLst>
-                    <a:path w="3598" h="3598" extrusionOk="0">
-                      <a:moveTo>
-                        <a:pt x="1801" y="1"/>
-                      </a:moveTo>
-                      <a:cubicBezTo>
-                        <a:pt x="809" y="1"/>
-                        <a:pt x="0" y="805"/>
-                        <a:pt x="0" y="1797"/>
-                      </a:cubicBezTo>
-                      <a:cubicBezTo>
-                        <a:pt x="0" y="2789"/>
-                        <a:pt x="809" y="3598"/>
-                        <a:pt x="1801" y="3598"/>
-                      </a:cubicBezTo>
-                      <a:cubicBezTo>
-                        <a:pt x="2794" y="3598"/>
-                        <a:pt x="3597" y="2789"/>
-                        <a:pt x="3597" y="1797"/>
-                      </a:cubicBezTo>
-                      <a:cubicBezTo>
-                        <a:pt x="3597" y="805"/>
-                        <a:pt x="2794" y="1"/>
-                        <a:pt x="1801" y="1"/>
-                      </a:cubicBezTo>
-                      <a:close/>
-                    </a:path>
-                  </a:pathLst>
-                </a:custGeom>
-                <a:solidFill>
-                  <a:srgbClr val="A75EAB"/>
-                </a:solidFill>
-                <a:ln>
-                  <a:noFill/>
-                </a:ln>
-              </p:spPr>
-              <p:txBody>
-                <a:bodyPr spcFirstLastPara="1" wrap="square" lIns="68569" tIns="68569" rIns="68569" bIns="68569" anchor="ctr" anchorCtr="0">
-                  <a:noAutofit/>
-                </a:bodyPr>
-                <a:lstStyle/>
-                <a:p>
-                  <a:pPr defTabSz="336947">
-                    <a:defRPr/>
-                  </a:pPr>
-                  <a:endParaRPr sz="1350">
-                    <a:latin typeface="Calibri"/>
-                    <a:cs typeface="Calibri"/>
-                  </a:endParaRPr>
-                </a:p>
-              </p:txBody>
-            </p:sp>
-            <p:sp>
-              <p:nvSpPr>
-                <p:cNvPr id="233" name="Google Shape;1624;p34">
-                  <a:extLst>
-                    <a:ext uri="{FF2B5EF4-FFF2-40B4-BE49-F238E27FC236}">
-                      <a16:creationId xmlns:a16="http://schemas.microsoft.com/office/drawing/2014/main" id="{E9A5A851-8442-7266-B0B6-FE7058D2B4E4}"/>
-                    </a:ext>
-                  </a:extLst>
-                </p:cNvPr>
-                <p:cNvSpPr/>
-                <p:nvPr/>
-              </p:nvSpPr>
-              <p:spPr>
-                <a:xfrm>
-                  <a:off x="3834923" y="2295416"/>
-                  <a:ext cx="5973" cy="303446"/>
-                </a:xfrm>
-                <a:custGeom>
-                  <a:avLst/>
-                  <a:gdLst/>
-                  <a:ahLst/>
-                  <a:cxnLst/>
-                  <a:rect l="l" t="t" r="r" b="b"/>
-                  <a:pathLst>
-                    <a:path w="125" h="19664" extrusionOk="0">
-                      <a:moveTo>
-                        <a:pt x="1" y="1"/>
-                      </a:moveTo>
-                      <a:lnTo>
-                        <a:pt x="1" y="19663"/>
-                      </a:lnTo>
-                      <a:lnTo>
-                        <a:pt x="125" y="19663"/>
-                      </a:lnTo>
-                      <a:lnTo>
-                        <a:pt x="125" y="1"/>
-                      </a:lnTo>
-                      <a:close/>
-                    </a:path>
-                  </a:pathLst>
-                </a:custGeom>
-                <a:solidFill>
-                  <a:schemeClr val="bg2">
-                    <a:lumMod val="40000"/>
-                    <a:lumOff val="60000"/>
-                  </a:schemeClr>
-                </a:solidFill>
-                <a:ln>
-                  <a:noFill/>
-                </a:ln>
-              </p:spPr>
-              <p:txBody>
-                <a:bodyPr spcFirstLastPara="1" wrap="square" lIns="68569" tIns="68569" rIns="68569" bIns="68569" anchor="ctr" anchorCtr="0">
-                  <a:noAutofit/>
-                </a:bodyPr>
-                <a:lstStyle/>
-                <a:p>
-                  <a:pPr defTabSz="336947">
-                    <a:defRPr/>
-                  </a:pPr>
-                  <a:endParaRPr sz="1350">
-                    <a:latin typeface="Calibri"/>
-                    <a:cs typeface="Calibri"/>
-                  </a:endParaRPr>
-                </a:p>
-              </p:txBody>
-            </p:sp>
-            <p:sp>
-              <p:nvSpPr>
-                <p:cNvPr id="234" name="Google Shape;1625;p34">
-                  <a:extLst>
-                    <a:ext uri="{FF2B5EF4-FFF2-40B4-BE49-F238E27FC236}">
-                      <a16:creationId xmlns:a16="http://schemas.microsoft.com/office/drawing/2014/main" id="{4317C1FB-E8D4-8296-4771-465F43EC84FD}"/>
-                    </a:ext>
-                  </a:extLst>
-                </p:cNvPr>
-                <p:cNvSpPr/>
-                <p:nvPr/>
-              </p:nvSpPr>
-              <p:spPr>
-                <a:xfrm>
-                  <a:off x="3841418" y="2500110"/>
-                  <a:ext cx="388158" cy="385290"/>
-                </a:xfrm>
-                <a:custGeom>
-                  <a:avLst/>
-                  <a:gdLst/>
-                  <a:ahLst/>
-                  <a:cxnLst/>
-                  <a:rect l="l" t="t" r="r" b="b"/>
-                  <a:pathLst>
-                    <a:path w="8123" h="8063" extrusionOk="0">
-                      <a:moveTo>
-                        <a:pt x="0" y="0"/>
-                      </a:moveTo>
-                      <a:lnTo>
-                        <a:pt x="0" y="124"/>
-                      </a:lnTo>
-                      <a:cubicBezTo>
-                        <a:pt x="4401" y="124"/>
-                        <a:pt x="7939" y="3722"/>
-                        <a:pt x="7939" y="8063"/>
-                      </a:cubicBezTo>
-                      <a:lnTo>
-                        <a:pt x="8122" y="8063"/>
-                      </a:lnTo>
-                      <a:cubicBezTo>
-                        <a:pt x="8122" y="3598"/>
-                        <a:pt x="4466" y="0"/>
-                        <a:pt x="0" y="0"/>
-                      </a:cubicBezTo>
-                      <a:close/>
-                    </a:path>
-                  </a:pathLst>
-                </a:custGeom>
-                <a:solidFill>
-                  <a:schemeClr val="bg2">
-                    <a:lumMod val="40000"/>
-                    <a:lumOff val="60000"/>
-                  </a:schemeClr>
-                </a:solidFill>
-                <a:ln>
-                  <a:noFill/>
-                </a:ln>
-              </p:spPr>
-              <p:txBody>
-                <a:bodyPr spcFirstLastPara="1" wrap="square" lIns="68569" tIns="68569" rIns="68569" bIns="68569" anchor="ctr" anchorCtr="0">
-                  <a:noAutofit/>
-                </a:bodyPr>
-                <a:lstStyle/>
-                <a:p>
-                  <a:pPr defTabSz="336947">
-                    <a:defRPr/>
-                  </a:pPr>
-                  <a:endParaRPr sz="1350">
-                    <a:latin typeface="Calibri"/>
-                    <a:cs typeface="Calibri"/>
-                  </a:endParaRPr>
-                </a:p>
-              </p:txBody>
-            </p:sp>
-            <p:sp>
-              <p:nvSpPr>
-                <p:cNvPr id="235" name="Google Shape;1626;p34">
-                  <a:extLst>
-                    <a:ext uri="{FF2B5EF4-FFF2-40B4-BE49-F238E27FC236}">
-                      <a16:creationId xmlns:a16="http://schemas.microsoft.com/office/drawing/2014/main" id="{B8EC8A15-A832-BAC4-5105-D8B177527816}"/>
-                    </a:ext>
-                  </a:extLst>
-                </p:cNvPr>
-                <p:cNvSpPr/>
-                <p:nvPr/>
-              </p:nvSpPr>
-              <p:spPr>
-                <a:xfrm>
-                  <a:off x="3787649" y="2194620"/>
-                  <a:ext cx="100801" cy="100800"/>
-                </a:xfrm>
-                <a:prstGeom prst="ellipse">
-                  <a:avLst/>
-                </a:prstGeom>
-                <a:solidFill>
-                  <a:srgbClr val="A75EAB"/>
-                </a:solidFill>
-                <a:ln>
-                  <a:noFill/>
-                </a:ln>
-              </p:spPr>
-              <p:txBody>
-                <a:bodyPr spcFirstLastPara="1" wrap="square" lIns="68569" tIns="68569" rIns="68569" bIns="68569" anchor="ctr" anchorCtr="0">
-                  <a:noAutofit/>
-                </a:bodyPr>
-                <a:lstStyle/>
-                <a:p>
-                  <a:pPr defTabSz="336947">
-                    <a:defRPr/>
-                  </a:pPr>
-                  <a:endParaRPr sz="1350">
-                    <a:latin typeface="Calibri"/>
-                    <a:cs typeface="Calibri"/>
-                  </a:endParaRPr>
-                </a:p>
-              </p:txBody>
-            </p:sp>
-          </p:grpSp>
-          <p:sp>
-            <p:nvSpPr>
-              <p:cNvPr id="229" name="Google Shape;1627;p34">
-                <a:extLst>
-                  <a:ext uri="{FF2B5EF4-FFF2-40B4-BE49-F238E27FC236}">
-                    <a16:creationId xmlns:a16="http://schemas.microsoft.com/office/drawing/2014/main" id="{9F412B3D-55AF-DA5D-50CE-050DCF80A1B8}"/>
-                  </a:ext>
-                </a:extLst>
-              </p:cNvPr>
-              <p:cNvSpPr txBox="1"/>
-              <p:nvPr/>
-            </p:nvSpPr>
-            <p:spPr>
-              <a:xfrm>
-                <a:off x="2637906" y="1652912"/>
-                <a:ext cx="1913912" cy="493801"/>
-              </a:xfrm>
-              <a:prstGeom prst="rect">
-                <a:avLst/>
-              </a:prstGeom>
-              <a:noFill/>
-              <a:ln>
-                <a:noFill/>
-              </a:ln>
-            </p:spPr>
-            <p:txBody>
-              <a:bodyPr spcFirstLastPara="1" wrap="square" lIns="68569" tIns="68569" rIns="68569" bIns="68569" anchor="ctr" anchorCtr="0">
-                <a:noAutofit/>
-              </a:bodyPr>
-              <a:lstStyle/>
-              <a:p>
-                <a:pPr algn="ctr" defTabSz="336947">
-                  <a:defRPr/>
-                </a:pPr>
-                <a:r>
-                  <a:rPr lang="pt-BR" sz="600" dirty="0">
-                    <a:solidFill>
-                      <a:schemeClr val="tx1"/>
-                    </a:solidFill>
-                    <a:latin typeface="Roboto"/>
-                    <a:ea typeface="Roboto"/>
-                    <a:cs typeface="Roboto"/>
-                    <a:sym typeface="Roboto"/>
-                  </a:rPr>
-                  <a:t>AVS e NF</a:t>
-                </a:r>
-              </a:p>
-            </p:txBody>
-          </p:sp>
-        </p:grpSp>
-        <p:grpSp>
-          <p:nvGrpSpPr>
-            <p:cNvPr id="238" name="Google Shape;1620;p34">
-              <a:extLst>
-                <a:ext uri="{FF2B5EF4-FFF2-40B4-BE49-F238E27FC236}">
-                  <a16:creationId xmlns:a16="http://schemas.microsoft.com/office/drawing/2014/main" id="{892BBB9A-4A65-C357-DE79-F74EAF49D466}"/>
-                </a:ext>
-              </a:extLst>
-            </p:cNvPr>
-            <p:cNvGrpSpPr/>
-            <p:nvPr/>
-          </p:nvGrpSpPr>
-          <p:grpSpPr>
-            <a:xfrm>
-              <a:off x="3139205" y="4146176"/>
-              <a:ext cx="458654" cy="603624"/>
-              <a:chOff x="3545057" y="2295416"/>
-              <a:chExt cx="684519" cy="886347"/>
-            </a:xfrm>
-          </p:grpSpPr>
-          <p:sp>
-            <p:nvSpPr>
-              <p:cNvPr id="240" name="Google Shape;1621;p34">
-                <a:extLst>
-                  <a:ext uri="{FF2B5EF4-FFF2-40B4-BE49-F238E27FC236}">
-                    <a16:creationId xmlns:a16="http://schemas.microsoft.com/office/drawing/2014/main" id="{D0E712F2-6935-6A06-EB9B-553D7EF41084}"/>
-                  </a:ext>
-                </a:extLst>
-              </p:cNvPr>
-              <p:cNvSpPr/>
-              <p:nvPr/>
-            </p:nvSpPr>
-            <p:spPr>
-              <a:xfrm>
-                <a:off x="3545057" y="2588990"/>
-                <a:ext cx="592773" cy="592773"/>
-              </a:xfrm>
-              <a:custGeom>
-                <a:avLst/>
-                <a:gdLst/>
-                <a:ahLst/>
-                <a:cxnLst/>
-                <a:rect l="l" t="t" r="r" b="b"/>
-                <a:pathLst>
-                  <a:path w="12405" h="12405" extrusionOk="0">
-                    <a:moveTo>
-                      <a:pt x="6202" y="190"/>
-                    </a:moveTo>
-                    <a:cubicBezTo>
-                      <a:pt x="9551" y="190"/>
-                      <a:pt x="12280" y="2854"/>
-                      <a:pt x="12280" y="6203"/>
-                    </a:cubicBezTo>
-                    <a:cubicBezTo>
-                      <a:pt x="12280" y="9552"/>
-                      <a:pt x="9551" y="12281"/>
-                      <a:pt x="6202" y="12281"/>
-                    </a:cubicBezTo>
-                    <a:cubicBezTo>
-                      <a:pt x="2853" y="12281"/>
-                      <a:pt x="184" y="9552"/>
-                      <a:pt x="184" y="6203"/>
-                    </a:cubicBezTo>
-                    <a:cubicBezTo>
-                      <a:pt x="184" y="2854"/>
-                      <a:pt x="2853" y="190"/>
-                      <a:pt x="6202" y="190"/>
-                    </a:cubicBezTo>
-                    <a:close/>
-                    <a:moveTo>
-                      <a:pt x="6202" y="1"/>
-                    </a:moveTo>
-                    <a:cubicBezTo>
-                      <a:pt x="2789" y="1"/>
-                      <a:pt x="0" y="2794"/>
-                      <a:pt x="0" y="6203"/>
-                    </a:cubicBezTo>
-                    <a:cubicBezTo>
-                      <a:pt x="0" y="9616"/>
-                      <a:pt x="2789" y="12405"/>
-                      <a:pt x="6202" y="12405"/>
-                    </a:cubicBezTo>
-                    <a:cubicBezTo>
-                      <a:pt x="9611" y="12405"/>
-                      <a:pt x="12404" y="9616"/>
-                      <a:pt x="12404" y="6203"/>
-                    </a:cubicBezTo>
-                    <a:cubicBezTo>
-                      <a:pt x="12404" y="2794"/>
-                      <a:pt x="9611" y="1"/>
-                      <a:pt x="6202" y="1"/>
-                    </a:cubicBezTo>
-                    <a:close/>
-                  </a:path>
-                </a:pathLst>
-              </a:custGeom>
-              <a:solidFill>
-                <a:schemeClr val="bg2">
-                  <a:lumMod val="40000"/>
-                  <a:lumOff val="60000"/>
-                </a:schemeClr>
-              </a:solidFill>
-              <a:ln>
-                <a:noFill/>
-              </a:ln>
-            </p:spPr>
-            <p:txBody>
-              <a:bodyPr spcFirstLastPara="1" wrap="square" lIns="68569" tIns="68569" rIns="68569" bIns="68569" anchor="ctr" anchorCtr="0">
-                <a:noAutofit/>
-              </a:bodyPr>
-              <a:lstStyle/>
-              <a:p>
-                <a:pPr defTabSz="336947">
-                  <a:defRPr/>
-                </a:pPr>
-                <a:endParaRPr sz="1350">
-                  <a:latin typeface="Calibri"/>
-                  <a:cs typeface="Calibri"/>
-                </a:endParaRPr>
-              </a:p>
-            </p:txBody>
-          </p:sp>
-          <p:sp>
-            <p:nvSpPr>
-              <p:cNvPr id="243" name="Google Shape;1624;p34">
-                <a:extLst>
-                  <a:ext uri="{FF2B5EF4-FFF2-40B4-BE49-F238E27FC236}">
-                    <a16:creationId xmlns:a16="http://schemas.microsoft.com/office/drawing/2014/main" id="{852CF630-009C-CC98-EDA7-BCE24E6CBD63}"/>
-                  </a:ext>
-                </a:extLst>
-              </p:cNvPr>
-              <p:cNvSpPr/>
-              <p:nvPr/>
-            </p:nvSpPr>
-            <p:spPr>
-              <a:xfrm>
-                <a:off x="3834923" y="2295416"/>
-                <a:ext cx="5973" cy="303446"/>
-              </a:xfrm>
-              <a:custGeom>
-                <a:avLst/>
-                <a:gdLst/>
-                <a:ahLst/>
-                <a:cxnLst/>
-                <a:rect l="l" t="t" r="r" b="b"/>
-                <a:pathLst>
-                  <a:path w="125" h="19664" extrusionOk="0">
-                    <a:moveTo>
-                      <a:pt x="1" y="1"/>
-                    </a:moveTo>
-                    <a:lnTo>
-                      <a:pt x="1" y="19663"/>
-                    </a:lnTo>
-                    <a:lnTo>
-                      <a:pt x="125" y="19663"/>
-                    </a:lnTo>
-                    <a:lnTo>
-                      <a:pt x="125" y="1"/>
-                    </a:lnTo>
-                    <a:close/>
-                  </a:path>
-                </a:pathLst>
-              </a:custGeom>
-              <a:solidFill>
-                <a:schemeClr val="bg2">
-                  <a:lumMod val="40000"/>
-                  <a:lumOff val="60000"/>
-                </a:schemeClr>
-              </a:solidFill>
-              <a:ln>
-                <a:noFill/>
-              </a:ln>
-            </p:spPr>
-            <p:txBody>
-              <a:bodyPr spcFirstLastPara="1" wrap="square" lIns="68569" tIns="68569" rIns="68569" bIns="68569" anchor="ctr" anchorCtr="0">
-                <a:noAutofit/>
-              </a:bodyPr>
-              <a:lstStyle/>
-              <a:p>
-                <a:pPr defTabSz="336947">
-                  <a:defRPr/>
-                </a:pPr>
-                <a:endParaRPr sz="1350">
-                  <a:latin typeface="Calibri"/>
-                  <a:cs typeface="Calibri"/>
-                </a:endParaRPr>
-              </a:p>
-            </p:txBody>
-          </p:sp>
-          <p:sp>
-            <p:nvSpPr>
-              <p:cNvPr id="244" name="Google Shape;1625;p34">
-                <a:extLst>
-                  <a:ext uri="{FF2B5EF4-FFF2-40B4-BE49-F238E27FC236}">
-                    <a16:creationId xmlns:a16="http://schemas.microsoft.com/office/drawing/2014/main" id="{0BDDC60A-D0FB-4DAD-13C4-AD30F0DD1F7B}"/>
-                  </a:ext>
-                </a:extLst>
-              </p:cNvPr>
-              <p:cNvSpPr/>
-              <p:nvPr/>
-            </p:nvSpPr>
-            <p:spPr>
-              <a:xfrm>
-                <a:off x="3841418" y="2500110"/>
-                <a:ext cx="388158" cy="385290"/>
-              </a:xfrm>
-              <a:custGeom>
-                <a:avLst/>
-                <a:gdLst/>
-                <a:ahLst/>
-                <a:cxnLst/>
-                <a:rect l="l" t="t" r="r" b="b"/>
-                <a:pathLst>
-                  <a:path w="8123" h="8063" extrusionOk="0">
-                    <a:moveTo>
-                      <a:pt x="0" y="0"/>
-                    </a:moveTo>
-                    <a:lnTo>
-                      <a:pt x="0" y="124"/>
-                    </a:lnTo>
-                    <a:cubicBezTo>
-                      <a:pt x="4401" y="124"/>
-                      <a:pt x="7939" y="3722"/>
-                      <a:pt x="7939" y="8063"/>
-                    </a:cubicBezTo>
-                    <a:lnTo>
-                      <a:pt x="8122" y="8063"/>
-                    </a:lnTo>
-                    <a:cubicBezTo>
-                      <a:pt x="8122" y="3598"/>
-                      <a:pt x="4466" y="0"/>
-                      <a:pt x="0" y="0"/>
-                    </a:cubicBezTo>
-                    <a:close/>
-                  </a:path>
-                </a:pathLst>
-              </a:custGeom>
-              <a:solidFill>
-                <a:schemeClr val="bg2">
-                  <a:lumMod val="40000"/>
-                  <a:lumOff val="60000"/>
-                </a:schemeClr>
-              </a:solidFill>
-              <a:ln>
-                <a:noFill/>
-              </a:ln>
-            </p:spPr>
-            <p:txBody>
-              <a:bodyPr spcFirstLastPara="1" wrap="square" lIns="68569" tIns="68569" rIns="68569" bIns="68569" anchor="ctr" anchorCtr="0">
-                <a:noAutofit/>
-              </a:bodyPr>
-              <a:lstStyle/>
-              <a:p>
-                <a:pPr defTabSz="336947">
-                  <a:defRPr/>
-                </a:pPr>
-                <a:endParaRPr sz="1350">
-                  <a:latin typeface="Calibri"/>
-                  <a:cs typeface="Calibri"/>
-                </a:endParaRPr>
-              </a:p>
-            </p:txBody>
-          </p:sp>
-        </p:grpSp>
-        <p:grpSp>
-          <p:nvGrpSpPr>
-            <p:cNvPr id="248" name="Google Shape;1595;p34">
-              <a:extLst>
-                <a:ext uri="{FF2B5EF4-FFF2-40B4-BE49-F238E27FC236}">
-                  <a16:creationId xmlns:a16="http://schemas.microsoft.com/office/drawing/2014/main" id="{3EB34B7B-CA14-7B65-645A-353863C46DC8}"/>
-                </a:ext>
-              </a:extLst>
-            </p:cNvPr>
-            <p:cNvGrpSpPr/>
-            <p:nvPr/>
-          </p:nvGrpSpPr>
-          <p:grpSpPr>
-            <a:xfrm>
-              <a:off x="4220835" y="4352576"/>
-              <a:ext cx="440218" cy="574931"/>
-              <a:chOff x="2310388" y="2586171"/>
-              <a:chExt cx="681652" cy="890249"/>
-            </a:xfrm>
-          </p:grpSpPr>
-          <p:sp>
-            <p:nvSpPr>
-              <p:cNvPr id="250" name="Google Shape;1596;p34">
-                <a:extLst>
-                  <a:ext uri="{FF2B5EF4-FFF2-40B4-BE49-F238E27FC236}">
-                    <a16:creationId xmlns:a16="http://schemas.microsoft.com/office/drawing/2014/main" id="{DFE175E0-2560-ED17-1EFA-6940A54466FE}"/>
-                  </a:ext>
-                </a:extLst>
-              </p:cNvPr>
-              <p:cNvSpPr/>
-              <p:nvPr/>
-            </p:nvSpPr>
-            <p:spPr>
-              <a:xfrm>
-                <a:off x="2399315" y="2586171"/>
-                <a:ext cx="592725" cy="592773"/>
-              </a:xfrm>
-              <a:custGeom>
-                <a:avLst/>
-                <a:gdLst/>
-                <a:ahLst/>
-                <a:cxnLst/>
-                <a:rect l="l" t="t" r="r" b="b"/>
-                <a:pathLst>
-                  <a:path w="12404" h="12405" extrusionOk="0">
-                    <a:moveTo>
-                      <a:pt x="6202" y="124"/>
-                    </a:moveTo>
-                    <a:cubicBezTo>
-                      <a:pt x="9551" y="124"/>
-                      <a:pt x="12280" y="2853"/>
-                      <a:pt x="12280" y="6202"/>
-                    </a:cubicBezTo>
-                    <a:cubicBezTo>
-                      <a:pt x="12280" y="9487"/>
-                      <a:pt x="9551" y="12216"/>
-                      <a:pt x="6202" y="12216"/>
-                    </a:cubicBezTo>
-                    <a:cubicBezTo>
-                      <a:pt x="2913" y="12216"/>
-                      <a:pt x="184" y="9487"/>
-                      <a:pt x="184" y="6202"/>
-                    </a:cubicBezTo>
-                    <a:cubicBezTo>
-                      <a:pt x="184" y="2853"/>
-                      <a:pt x="2913" y="124"/>
-                      <a:pt x="6202" y="124"/>
-                    </a:cubicBezTo>
-                    <a:close/>
-                    <a:moveTo>
-                      <a:pt x="6202" y="0"/>
-                    </a:moveTo>
-                    <a:cubicBezTo>
-                      <a:pt x="2789" y="0"/>
-                      <a:pt x="0" y="2729"/>
-                      <a:pt x="0" y="6202"/>
-                    </a:cubicBezTo>
-                    <a:cubicBezTo>
-                      <a:pt x="0" y="9611"/>
-                      <a:pt x="2789" y="12404"/>
-                      <a:pt x="6202" y="12404"/>
-                    </a:cubicBezTo>
-                    <a:cubicBezTo>
-                      <a:pt x="9611" y="12404"/>
-                      <a:pt x="12404" y="9611"/>
-                      <a:pt x="12404" y="6202"/>
-                    </a:cubicBezTo>
-                    <a:cubicBezTo>
-                      <a:pt x="12404" y="2729"/>
-                      <a:pt x="9611" y="0"/>
-                      <a:pt x="6202" y="0"/>
-                    </a:cubicBezTo>
-                    <a:close/>
-                  </a:path>
-                </a:pathLst>
-              </a:custGeom>
-              <a:solidFill>
-                <a:schemeClr val="bg2">
-                  <a:lumMod val="40000"/>
-                  <a:lumOff val="60000"/>
-                </a:schemeClr>
-              </a:solidFill>
-              <a:ln>
-                <a:noFill/>
-              </a:ln>
-            </p:spPr>
-            <p:txBody>
-              <a:bodyPr spcFirstLastPara="1" wrap="square" lIns="68569" tIns="68569" rIns="68569" bIns="68569" anchor="ctr" anchorCtr="0">
-                <a:noAutofit/>
-              </a:bodyPr>
-              <a:lstStyle/>
-              <a:p>
-                <a:pPr defTabSz="336947">
-                  <a:defRPr/>
-                </a:pPr>
-                <a:endParaRPr sz="1350">
-                  <a:latin typeface="Calibri"/>
-                  <a:cs typeface="Calibri"/>
-                </a:endParaRPr>
-              </a:p>
-            </p:txBody>
-          </p:sp>
-          <p:sp>
-            <p:nvSpPr>
-              <p:cNvPr id="253" name="Google Shape;1599;p34">
-                <a:extLst>
-                  <a:ext uri="{FF2B5EF4-FFF2-40B4-BE49-F238E27FC236}">
-                    <a16:creationId xmlns:a16="http://schemas.microsoft.com/office/drawing/2014/main" id="{7039F914-AE3C-63A2-84C9-728EBC4B4206}"/>
-                  </a:ext>
-                </a:extLst>
-              </p:cNvPr>
-              <p:cNvSpPr/>
-              <p:nvPr/>
-            </p:nvSpPr>
-            <p:spPr>
-              <a:xfrm>
-                <a:off x="2692577" y="3172972"/>
-                <a:ext cx="9079" cy="303448"/>
-              </a:xfrm>
-              <a:custGeom>
-                <a:avLst/>
-                <a:gdLst/>
-                <a:ahLst/>
-                <a:cxnLst/>
-                <a:rect l="l" t="t" r="r" b="b"/>
-                <a:pathLst>
-                  <a:path w="190" h="19658" extrusionOk="0">
-                    <a:moveTo>
-                      <a:pt x="1" y="0"/>
-                    </a:moveTo>
-                    <a:lnTo>
-                      <a:pt x="1" y="19658"/>
-                    </a:lnTo>
-                    <a:lnTo>
-                      <a:pt x="189" y="19658"/>
-                    </a:lnTo>
-                    <a:lnTo>
-                      <a:pt x="189" y="0"/>
-                    </a:lnTo>
-                    <a:close/>
-                  </a:path>
-                </a:pathLst>
-              </a:custGeom>
-              <a:solidFill>
-                <a:schemeClr val="bg2">
-                  <a:lumMod val="40000"/>
-                  <a:lumOff val="60000"/>
-                </a:schemeClr>
-              </a:solidFill>
-              <a:ln>
-                <a:noFill/>
-              </a:ln>
-            </p:spPr>
-            <p:txBody>
-              <a:bodyPr spcFirstLastPara="1" wrap="square" lIns="68569" tIns="68569" rIns="68569" bIns="68569" anchor="ctr" anchorCtr="0">
-                <a:noAutofit/>
-              </a:bodyPr>
-              <a:lstStyle/>
-              <a:p>
-                <a:pPr defTabSz="336947">
-                  <a:defRPr/>
-                </a:pPr>
-                <a:endParaRPr sz="1350">
-                  <a:latin typeface="Calibri"/>
-                  <a:cs typeface="Calibri"/>
-                </a:endParaRPr>
-              </a:p>
-            </p:txBody>
-          </p:sp>
-          <p:sp>
-            <p:nvSpPr>
-              <p:cNvPr id="254" name="Google Shape;1600;p34">
-                <a:extLst>
-                  <a:ext uri="{FF2B5EF4-FFF2-40B4-BE49-F238E27FC236}">
-                    <a16:creationId xmlns:a16="http://schemas.microsoft.com/office/drawing/2014/main" id="{2E29A0FA-2A8F-AD30-913E-A54CA1BEA260}"/>
-                  </a:ext>
-                </a:extLst>
-              </p:cNvPr>
-              <p:cNvSpPr/>
-              <p:nvPr/>
-            </p:nvSpPr>
-            <p:spPr>
-              <a:xfrm>
-                <a:off x="2310388" y="2885354"/>
-                <a:ext cx="385338" cy="388396"/>
-              </a:xfrm>
-              <a:custGeom>
-                <a:avLst/>
-                <a:gdLst/>
-                <a:ahLst/>
-                <a:cxnLst/>
-                <a:rect l="l" t="t" r="r" b="b"/>
-                <a:pathLst>
-                  <a:path w="8064" h="8128" extrusionOk="0">
-                    <a:moveTo>
-                      <a:pt x="1" y="1"/>
-                    </a:moveTo>
-                    <a:cubicBezTo>
-                      <a:pt x="1" y="4466"/>
-                      <a:pt x="3598" y="8128"/>
-                      <a:pt x="8063" y="8128"/>
-                    </a:cubicBezTo>
-                    <a:lnTo>
-                      <a:pt x="8063" y="7939"/>
-                    </a:lnTo>
-                    <a:cubicBezTo>
-                      <a:pt x="3722" y="7939"/>
-                      <a:pt x="125" y="4407"/>
-                      <a:pt x="125" y="1"/>
-                    </a:cubicBezTo>
-                    <a:close/>
-                  </a:path>
-                </a:pathLst>
-              </a:custGeom>
-              <a:solidFill>
-                <a:schemeClr val="bg2">
-                  <a:lumMod val="40000"/>
-                  <a:lumOff val="60000"/>
-                </a:schemeClr>
-              </a:solidFill>
-              <a:ln>
-                <a:noFill/>
-              </a:ln>
-            </p:spPr>
-            <p:txBody>
-              <a:bodyPr spcFirstLastPara="1" wrap="square" lIns="68569" tIns="68569" rIns="68569" bIns="68569" anchor="ctr" anchorCtr="0">
-                <a:noAutofit/>
-              </a:bodyPr>
-              <a:lstStyle/>
-              <a:p>
-                <a:pPr defTabSz="336947">
-                  <a:defRPr/>
-                </a:pPr>
-                <a:endParaRPr sz="1350">
-                  <a:latin typeface="Calibri"/>
-                  <a:cs typeface="Calibri"/>
-                </a:endParaRPr>
-              </a:p>
-            </p:txBody>
-          </p:sp>
-        </p:grpSp>
-        <p:grpSp>
-          <p:nvGrpSpPr>
-            <p:cNvPr id="258" name="Google Shape;1620;p34">
-              <a:extLst>
-                <a:ext uri="{FF2B5EF4-FFF2-40B4-BE49-F238E27FC236}">
-                  <a16:creationId xmlns:a16="http://schemas.microsoft.com/office/drawing/2014/main" id="{7B867325-B72A-5E65-1288-2A72EE135D7D}"/>
-                </a:ext>
-              </a:extLst>
-            </p:cNvPr>
-            <p:cNvGrpSpPr/>
-            <p:nvPr/>
-          </p:nvGrpSpPr>
-          <p:grpSpPr>
-            <a:xfrm>
-              <a:off x="5390087" y="4151376"/>
-              <a:ext cx="449126" cy="603625"/>
-              <a:chOff x="3545057" y="2295416"/>
-              <a:chExt cx="684519" cy="886347"/>
-            </a:xfrm>
-          </p:grpSpPr>
-          <p:sp>
-            <p:nvSpPr>
-              <p:cNvPr id="260" name="Google Shape;1621;p34">
-                <a:extLst>
-                  <a:ext uri="{FF2B5EF4-FFF2-40B4-BE49-F238E27FC236}">
-                    <a16:creationId xmlns:a16="http://schemas.microsoft.com/office/drawing/2014/main" id="{2C5D1206-557D-693D-4FF5-21FB3A45E267}"/>
-                  </a:ext>
-                </a:extLst>
-              </p:cNvPr>
-              <p:cNvSpPr/>
-              <p:nvPr/>
-            </p:nvSpPr>
-            <p:spPr>
-              <a:xfrm>
-                <a:off x="3545057" y="2588990"/>
-                <a:ext cx="592773" cy="592773"/>
-              </a:xfrm>
-              <a:custGeom>
-                <a:avLst/>
-                <a:gdLst/>
-                <a:ahLst/>
-                <a:cxnLst/>
-                <a:rect l="l" t="t" r="r" b="b"/>
-                <a:pathLst>
-                  <a:path w="12405" h="12405" extrusionOk="0">
-                    <a:moveTo>
-                      <a:pt x="6202" y="190"/>
-                    </a:moveTo>
-                    <a:cubicBezTo>
-                      <a:pt x="9551" y="190"/>
-                      <a:pt x="12280" y="2854"/>
-                      <a:pt x="12280" y="6203"/>
-                    </a:cubicBezTo>
-                    <a:cubicBezTo>
-                      <a:pt x="12280" y="9552"/>
-                      <a:pt x="9551" y="12281"/>
-                      <a:pt x="6202" y="12281"/>
-                    </a:cubicBezTo>
-                    <a:cubicBezTo>
-                      <a:pt x="2853" y="12281"/>
-                      <a:pt x="184" y="9552"/>
-                      <a:pt x="184" y="6203"/>
-                    </a:cubicBezTo>
-                    <a:cubicBezTo>
-                      <a:pt x="184" y="2854"/>
-                      <a:pt x="2853" y="190"/>
-                      <a:pt x="6202" y="190"/>
-                    </a:cubicBezTo>
-                    <a:close/>
-                    <a:moveTo>
-                      <a:pt x="6202" y="1"/>
-                    </a:moveTo>
-                    <a:cubicBezTo>
-                      <a:pt x="2789" y="1"/>
-                      <a:pt x="0" y="2794"/>
-                      <a:pt x="0" y="6203"/>
-                    </a:cubicBezTo>
-                    <a:cubicBezTo>
-                      <a:pt x="0" y="9616"/>
-                      <a:pt x="2789" y="12405"/>
-                      <a:pt x="6202" y="12405"/>
-                    </a:cubicBezTo>
-                    <a:cubicBezTo>
-                      <a:pt x="9611" y="12405"/>
-                      <a:pt x="12404" y="9616"/>
-                      <a:pt x="12404" y="6203"/>
-                    </a:cubicBezTo>
-                    <a:cubicBezTo>
-                      <a:pt x="12404" y="2794"/>
-                      <a:pt x="9611" y="1"/>
-                      <a:pt x="6202" y="1"/>
-                    </a:cubicBezTo>
-                    <a:close/>
-                  </a:path>
-                </a:pathLst>
-              </a:custGeom>
-              <a:solidFill>
-                <a:schemeClr val="bg2">
-                  <a:lumMod val="40000"/>
-                  <a:lumOff val="60000"/>
-                </a:schemeClr>
-              </a:solidFill>
-              <a:ln>
-                <a:noFill/>
-              </a:ln>
-            </p:spPr>
-            <p:txBody>
-              <a:bodyPr spcFirstLastPara="1" wrap="square" lIns="68569" tIns="68569" rIns="68569" bIns="68569" anchor="ctr" anchorCtr="0">
-                <a:noAutofit/>
-              </a:bodyPr>
-              <a:lstStyle/>
-              <a:p>
-                <a:pPr defTabSz="336947">
-                  <a:defRPr/>
-                </a:pPr>
-                <a:endParaRPr sz="1350">
-                  <a:latin typeface="Calibri"/>
-                  <a:cs typeface="Calibri"/>
-                </a:endParaRPr>
-              </a:p>
-            </p:txBody>
-          </p:sp>
-          <p:sp>
-            <p:nvSpPr>
-              <p:cNvPr id="263" name="Google Shape;1624;p34">
-                <a:extLst>
-                  <a:ext uri="{FF2B5EF4-FFF2-40B4-BE49-F238E27FC236}">
-                    <a16:creationId xmlns:a16="http://schemas.microsoft.com/office/drawing/2014/main" id="{D528A119-5C72-D713-456B-14586BDEF3EE}"/>
-                  </a:ext>
-                </a:extLst>
-              </p:cNvPr>
-              <p:cNvSpPr/>
-              <p:nvPr/>
-            </p:nvSpPr>
-            <p:spPr>
-              <a:xfrm>
-                <a:off x="3834923" y="2295416"/>
-                <a:ext cx="5973" cy="303446"/>
-              </a:xfrm>
-              <a:custGeom>
-                <a:avLst/>
-                <a:gdLst/>
-                <a:ahLst/>
-                <a:cxnLst/>
-                <a:rect l="l" t="t" r="r" b="b"/>
-                <a:pathLst>
-                  <a:path w="125" h="19664" extrusionOk="0">
-                    <a:moveTo>
-                      <a:pt x="1" y="1"/>
-                    </a:moveTo>
-                    <a:lnTo>
-                      <a:pt x="1" y="19663"/>
-                    </a:lnTo>
-                    <a:lnTo>
-                      <a:pt x="125" y="19663"/>
-                    </a:lnTo>
-                    <a:lnTo>
-                      <a:pt x="125" y="1"/>
-                    </a:lnTo>
-                    <a:close/>
-                  </a:path>
-                </a:pathLst>
-              </a:custGeom>
-              <a:solidFill>
-                <a:schemeClr val="bg2">
-                  <a:lumMod val="40000"/>
-                  <a:lumOff val="60000"/>
-                </a:schemeClr>
-              </a:solidFill>
-              <a:ln>
-                <a:noFill/>
-              </a:ln>
-            </p:spPr>
-            <p:txBody>
-              <a:bodyPr spcFirstLastPara="1" wrap="square" lIns="68569" tIns="68569" rIns="68569" bIns="68569" anchor="ctr" anchorCtr="0">
-                <a:noAutofit/>
-              </a:bodyPr>
-              <a:lstStyle/>
-              <a:p>
-                <a:pPr defTabSz="336947">
-                  <a:defRPr/>
-                </a:pPr>
-                <a:endParaRPr sz="1350">
-                  <a:latin typeface="Calibri"/>
-                  <a:cs typeface="Calibri"/>
-                </a:endParaRPr>
-              </a:p>
-            </p:txBody>
-          </p:sp>
-          <p:sp>
-            <p:nvSpPr>
-              <p:cNvPr id="264" name="Google Shape;1625;p34">
-                <a:extLst>
-                  <a:ext uri="{FF2B5EF4-FFF2-40B4-BE49-F238E27FC236}">
-                    <a16:creationId xmlns:a16="http://schemas.microsoft.com/office/drawing/2014/main" id="{9C5318C3-8B9D-889D-400A-17192943EFDC}"/>
-                  </a:ext>
-                </a:extLst>
-              </p:cNvPr>
-              <p:cNvSpPr/>
-              <p:nvPr/>
-            </p:nvSpPr>
-            <p:spPr>
-              <a:xfrm>
-                <a:off x="3841418" y="2500110"/>
-                <a:ext cx="388158" cy="385290"/>
-              </a:xfrm>
-              <a:custGeom>
-                <a:avLst/>
-                <a:gdLst/>
-                <a:ahLst/>
-                <a:cxnLst/>
-                <a:rect l="l" t="t" r="r" b="b"/>
-                <a:pathLst>
-                  <a:path w="8123" h="8063" extrusionOk="0">
-                    <a:moveTo>
-                      <a:pt x="0" y="0"/>
-                    </a:moveTo>
-                    <a:lnTo>
-                      <a:pt x="0" y="124"/>
-                    </a:lnTo>
-                    <a:cubicBezTo>
-                      <a:pt x="4401" y="124"/>
-                      <a:pt x="7939" y="3722"/>
-                      <a:pt x="7939" y="8063"/>
-                    </a:cubicBezTo>
-                    <a:lnTo>
-                      <a:pt x="8122" y="8063"/>
-                    </a:lnTo>
-                    <a:cubicBezTo>
-                      <a:pt x="8122" y="3598"/>
-                      <a:pt x="4466" y="0"/>
-                      <a:pt x="0" y="0"/>
-                    </a:cubicBezTo>
-                    <a:close/>
-                  </a:path>
-                </a:pathLst>
-              </a:custGeom>
-              <a:solidFill>
-                <a:schemeClr val="bg2">
-                  <a:lumMod val="40000"/>
-                  <a:lumOff val="60000"/>
-                </a:schemeClr>
-              </a:solidFill>
-              <a:ln>
-                <a:noFill/>
-              </a:ln>
-            </p:spPr>
-            <p:txBody>
-              <a:bodyPr spcFirstLastPara="1" wrap="square" lIns="68569" tIns="68569" rIns="68569" bIns="68569" anchor="ctr" anchorCtr="0">
-                <a:noAutofit/>
-              </a:bodyPr>
-              <a:lstStyle/>
-              <a:p>
-                <a:pPr defTabSz="336947">
-                  <a:defRPr/>
-                </a:pPr>
-                <a:endParaRPr sz="1350">
-                  <a:latin typeface="Calibri"/>
-                  <a:cs typeface="Calibri"/>
-                </a:endParaRPr>
-              </a:p>
-            </p:txBody>
-          </p:sp>
-        </p:grpSp>
-        <p:grpSp>
-          <p:nvGrpSpPr>
-            <p:cNvPr id="268" name="Google Shape;1595;p34">
-              <a:extLst>
-                <a:ext uri="{FF2B5EF4-FFF2-40B4-BE49-F238E27FC236}">
-                  <a16:creationId xmlns:a16="http://schemas.microsoft.com/office/drawing/2014/main" id="{FC151ED8-9797-2BEB-42B7-B6FA4B533758}"/>
-                </a:ext>
-              </a:extLst>
-            </p:cNvPr>
-            <p:cNvGrpSpPr/>
-            <p:nvPr/>
-          </p:nvGrpSpPr>
-          <p:grpSpPr>
-            <a:xfrm>
-              <a:off x="6510299" y="4353480"/>
-              <a:ext cx="440218" cy="574931"/>
-              <a:chOff x="2310388" y="2586171"/>
-              <a:chExt cx="681652" cy="890249"/>
-            </a:xfrm>
-          </p:grpSpPr>
-          <p:sp>
-            <p:nvSpPr>
-              <p:cNvPr id="270" name="Google Shape;1596;p34">
-                <a:extLst>
-                  <a:ext uri="{FF2B5EF4-FFF2-40B4-BE49-F238E27FC236}">
-                    <a16:creationId xmlns:a16="http://schemas.microsoft.com/office/drawing/2014/main" id="{B3E74B00-3087-8C53-5730-24E34978B487}"/>
-                  </a:ext>
-                </a:extLst>
-              </p:cNvPr>
-              <p:cNvSpPr/>
-              <p:nvPr/>
-            </p:nvSpPr>
-            <p:spPr>
-              <a:xfrm>
-                <a:off x="2399315" y="2586171"/>
-                <a:ext cx="592725" cy="592773"/>
-              </a:xfrm>
-              <a:custGeom>
-                <a:avLst/>
-                <a:gdLst/>
-                <a:ahLst/>
-                <a:cxnLst/>
-                <a:rect l="l" t="t" r="r" b="b"/>
-                <a:pathLst>
-                  <a:path w="12404" h="12405" extrusionOk="0">
-                    <a:moveTo>
-                      <a:pt x="6202" y="124"/>
-                    </a:moveTo>
-                    <a:cubicBezTo>
-                      <a:pt x="9551" y="124"/>
-                      <a:pt x="12280" y="2853"/>
-                      <a:pt x="12280" y="6202"/>
-                    </a:cubicBezTo>
-                    <a:cubicBezTo>
-                      <a:pt x="12280" y="9487"/>
-                      <a:pt x="9551" y="12216"/>
-                      <a:pt x="6202" y="12216"/>
-                    </a:cubicBezTo>
-                    <a:cubicBezTo>
-                      <a:pt x="2913" y="12216"/>
-                      <a:pt x="184" y="9487"/>
-                      <a:pt x="184" y="6202"/>
-                    </a:cubicBezTo>
-                    <a:cubicBezTo>
-                      <a:pt x="184" y="2853"/>
-                      <a:pt x="2913" y="124"/>
-                      <a:pt x="6202" y="124"/>
-                    </a:cubicBezTo>
-                    <a:close/>
-                    <a:moveTo>
-                      <a:pt x="6202" y="0"/>
-                    </a:moveTo>
-                    <a:cubicBezTo>
-                      <a:pt x="2789" y="0"/>
-                      <a:pt x="0" y="2729"/>
-                      <a:pt x="0" y="6202"/>
-                    </a:cubicBezTo>
-                    <a:cubicBezTo>
-                      <a:pt x="0" y="9611"/>
-                      <a:pt x="2789" y="12404"/>
-                      <a:pt x="6202" y="12404"/>
-                    </a:cubicBezTo>
-                    <a:cubicBezTo>
-                      <a:pt x="9611" y="12404"/>
-                      <a:pt x="12404" y="9611"/>
-                      <a:pt x="12404" y="6202"/>
-                    </a:cubicBezTo>
-                    <a:cubicBezTo>
-                      <a:pt x="12404" y="2729"/>
-                      <a:pt x="9611" y="0"/>
-                      <a:pt x="6202" y="0"/>
-                    </a:cubicBezTo>
-                    <a:close/>
-                  </a:path>
-                </a:pathLst>
-              </a:custGeom>
-              <a:solidFill>
-                <a:schemeClr val="bg2">
-                  <a:lumMod val="40000"/>
-                  <a:lumOff val="60000"/>
-                </a:schemeClr>
-              </a:solidFill>
-              <a:ln>
-                <a:noFill/>
-              </a:ln>
-            </p:spPr>
-            <p:txBody>
-              <a:bodyPr spcFirstLastPara="1" wrap="square" lIns="68569" tIns="68569" rIns="68569" bIns="68569" anchor="ctr" anchorCtr="0">
-                <a:noAutofit/>
-              </a:bodyPr>
-              <a:lstStyle/>
-              <a:p>
-                <a:pPr defTabSz="336947">
-                  <a:defRPr/>
-                </a:pPr>
-                <a:endParaRPr sz="1350">
-                  <a:latin typeface="Calibri"/>
-                  <a:cs typeface="Calibri"/>
-                </a:endParaRPr>
-              </a:p>
-            </p:txBody>
-          </p:sp>
-          <p:sp>
-            <p:nvSpPr>
-              <p:cNvPr id="273" name="Google Shape;1599;p34">
-                <a:extLst>
-                  <a:ext uri="{FF2B5EF4-FFF2-40B4-BE49-F238E27FC236}">
-                    <a16:creationId xmlns:a16="http://schemas.microsoft.com/office/drawing/2014/main" id="{80255C23-C652-B8A0-6378-FEB55819D3F7}"/>
-                  </a:ext>
-                </a:extLst>
-              </p:cNvPr>
-              <p:cNvSpPr/>
-              <p:nvPr/>
-            </p:nvSpPr>
-            <p:spPr>
-              <a:xfrm>
-                <a:off x="2692577" y="3172972"/>
-                <a:ext cx="9079" cy="303448"/>
-              </a:xfrm>
-              <a:custGeom>
-                <a:avLst/>
-                <a:gdLst/>
-                <a:ahLst/>
-                <a:cxnLst/>
-                <a:rect l="l" t="t" r="r" b="b"/>
-                <a:pathLst>
-                  <a:path w="190" h="19658" extrusionOk="0">
-                    <a:moveTo>
-                      <a:pt x="1" y="0"/>
-                    </a:moveTo>
-                    <a:lnTo>
-                      <a:pt x="1" y="19658"/>
-                    </a:lnTo>
-                    <a:lnTo>
-                      <a:pt x="189" y="19658"/>
-                    </a:lnTo>
-                    <a:lnTo>
-                      <a:pt x="189" y="0"/>
-                    </a:lnTo>
-                    <a:close/>
-                  </a:path>
-                </a:pathLst>
-              </a:custGeom>
-              <a:solidFill>
-                <a:schemeClr val="bg2">
-                  <a:lumMod val="40000"/>
-                  <a:lumOff val="60000"/>
-                </a:schemeClr>
-              </a:solidFill>
-              <a:ln>
-                <a:noFill/>
-              </a:ln>
-            </p:spPr>
-            <p:txBody>
-              <a:bodyPr spcFirstLastPara="1" wrap="square" lIns="68569" tIns="68569" rIns="68569" bIns="68569" anchor="ctr" anchorCtr="0">
-                <a:noAutofit/>
-              </a:bodyPr>
-              <a:lstStyle/>
-              <a:p>
-                <a:pPr defTabSz="336947">
-                  <a:defRPr/>
-                </a:pPr>
-                <a:endParaRPr sz="1350">
-                  <a:latin typeface="Calibri"/>
-                  <a:cs typeface="Calibri"/>
-                </a:endParaRPr>
-              </a:p>
-            </p:txBody>
-          </p:sp>
-          <p:sp>
-            <p:nvSpPr>
-              <p:cNvPr id="274" name="Google Shape;1600;p34">
-                <a:extLst>
-                  <a:ext uri="{FF2B5EF4-FFF2-40B4-BE49-F238E27FC236}">
-                    <a16:creationId xmlns:a16="http://schemas.microsoft.com/office/drawing/2014/main" id="{DFAEFA9C-C1DD-B91D-6233-06626B5D5D2B}"/>
-                  </a:ext>
-                </a:extLst>
-              </p:cNvPr>
-              <p:cNvSpPr/>
-              <p:nvPr/>
-            </p:nvSpPr>
-            <p:spPr>
-              <a:xfrm>
-                <a:off x="2310388" y="2885354"/>
-                <a:ext cx="385338" cy="388396"/>
-              </a:xfrm>
-              <a:custGeom>
-                <a:avLst/>
-                <a:gdLst/>
-                <a:ahLst/>
-                <a:cxnLst/>
-                <a:rect l="l" t="t" r="r" b="b"/>
-                <a:pathLst>
-                  <a:path w="8064" h="8128" extrusionOk="0">
-                    <a:moveTo>
-                      <a:pt x="1" y="1"/>
-                    </a:moveTo>
-                    <a:cubicBezTo>
-                      <a:pt x="1" y="4466"/>
-                      <a:pt x="3598" y="8128"/>
-                      <a:pt x="8063" y="8128"/>
-                    </a:cubicBezTo>
-                    <a:lnTo>
-                      <a:pt x="8063" y="7939"/>
-                    </a:lnTo>
-                    <a:cubicBezTo>
-                      <a:pt x="3722" y="7939"/>
-                      <a:pt x="125" y="4407"/>
-                      <a:pt x="125" y="1"/>
-                    </a:cubicBezTo>
-                    <a:close/>
-                  </a:path>
-                </a:pathLst>
-              </a:custGeom>
-              <a:solidFill>
-                <a:schemeClr val="bg2">
-                  <a:lumMod val="40000"/>
-                  <a:lumOff val="60000"/>
-                </a:schemeClr>
-              </a:solidFill>
-              <a:ln>
-                <a:noFill/>
-              </a:ln>
-            </p:spPr>
-            <p:txBody>
-              <a:bodyPr spcFirstLastPara="1" wrap="square" lIns="68569" tIns="68569" rIns="68569" bIns="68569" anchor="ctr" anchorCtr="0">
-                <a:noAutofit/>
-              </a:bodyPr>
-              <a:lstStyle/>
-              <a:p>
-                <a:pPr defTabSz="336947">
-                  <a:defRPr/>
-                </a:pPr>
-                <a:endParaRPr sz="1350">
-                  <a:latin typeface="Calibri"/>
-                  <a:cs typeface="Calibri"/>
-                </a:endParaRPr>
-              </a:p>
-            </p:txBody>
-          </p:sp>
-        </p:grpSp>
-        <p:grpSp>
-          <p:nvGrpSpPr>
-            <p:cNvPr id="278" name="Google Shape;1620;p34">
-              <a:extLst>
-                <a:ext uri="{FF2B5EF4-FFF2-40B4-BE49-F238E27FC236}">
-                  <a16:creationId xmlns:a16="http://schemas.microsoft.com/office/drawing/2014/main" id="{37F8B98F-5D8B-7BBC-856B-82446670BCE4}"/>
-                </a:ext>
-              </a:extLst>
-            </p:cNvPr>
-            <p:cNvGrpSpPr/>
-            <p:nvPr/>
-          </p:nvGrpSpPr>
-          <p:grpSpPr>
-            <a:xfrm>
-              <a:off x="7869739" y="4152279"/>
-              <a:ext cx="258939" cy="401794"/>
-              <a:chOff x="3834923" y="2295416"/>
-              <a:chExt cx="394653" cy="589984"/>
-            </a:xfrm>
-          </p:grpSpPr>
-          <p:sp>
-            <p:nvSpPr>
-              <p:cNvPr id="283" name="Google Shape;1624;p34">
-                <a:extLst>
-                  <a:ext uri="{FF2B5EF4-FFF2-40B4-BE49-F238E27FC236}">
-                    <a16:creationId xmlns:a16="http://schemas.microsoft.com/office/drawing/2014/main" id="{8A0F6BF5-4641-CDC3-58E4-3CE792718ED3}"/>
-                  </a:ext>
-                </a:extLst>
-              </p:cNvPr>
-              <p:cNvSpPr/>
-              <p:nvPr/>
-            </p:nvSpPr>
-            <p:spPr>
-              <a:xfrm>
-                <a:off x="3834923" y="2295416"/>
-                <a:ext cx="5973" cy="303446"/>
-              </a:xfrm>
-              <a:custGeom>
-                <a:avLst/>
-                <a:gdLst/>
-                <a:ahLst/>
-                <a:cxnLst/>
-                <a:rect l="l" t="t" r="r" b="b"/>
-                <a:pathLst>
-                  <a:path w="125" h="19664" extrusionOk="0">
-                    <a:moveTo>
-                      <a:pt x="1" y="1"/>
-                    </a:moveTo>
-                    <a:lnTo>
-                      <a:pt x="1" y="19663"/>
-                    </a:lnTo>
-                    <a:lnTo>
-                      <a:pt x="125" y="19663"/>
-                    </a:lnTo>
-                    <a:lnTo>
-                      <a:pt x="125" y="1"/>
-                    </a:lnTo>
-                    <a:close/>
-                  </a:path>
-                </a:pathLst>
-              </a:custGeom>
-              <a:solidFill>
-                <a:schemeClr val="bg2">
-                  <a:lumMod val="40000"/>
-                  <a:lumOff val="60000"/>
-                </a:schemeClr>
-              </a:solidFill>
-              <a:ln>
-                <a:noFill/>
-              </a:ln>
-            </p:spPr>
-            <p:txBody>
-              <a:bodyPr spcFirstLastPara="1" wrap="square" lIns="68569" tIns="68569" rIns="68569" bIns="68569" anchor="ctr" anchorCtr="0">
-                <a:noAutofit/>
-              </a:bodyPr>
-              <a:lstStyle/>
-              <a:p>
-                <a:pPr defTabSz="336947">
-                  <a:defRPr/>
-                </a:pPr>
-                <a:endParaRPr sz="1350">
-                  <a:latin typeface="Calibri"/>
-                  <a:cs typeface="Calibri"/>
-                </a:endParaRPr>
-              </a:p>
-            </p:txBody>
-          </p:sp>
-          <p:sp>
-            <p:nvSpPr>
-              <p:cNvPr id="284" name="Google Shape;1625;p34">
-                <a:extLst>
-                  <a:ext uri="{FF2B5EF4-FFF2-40B4-BE49-F238E27FC236}">
-                    <a16:creationId xmlns:a16="http://schemas.microsoft.com/office/drawing/2014/main" id="{B32FF47F-D660-3C64-8DF2-3DAFB267AE89}"/>
-                  </a:ext>
-                </a:extLst>
-              </p:cNvPr>
-              <p:cNvSpPr/>
-              <p:nvPr/>
-            </p:nvSpPr>
-            <p:spPr>
-              <a:xfrm>
-                <a:off x="3841418" y="2500110"/>
-                <a:ext cx="388158" cy="385290"/>
-              </a:xfrm>
-              <a:custGeom>
-                <a:avLst/>
-                <a:gdLst/>
-                <a:ahLst/>
-                <a:cxnLst/>
-                <a:rect l="l" t="t" r="r" b="b"/>
-                <a:pathLst>
-                  <a:path w="8123" h="8063" extrusionOk="0">
-                    <a:moveTo>
-                      <a:pt x="0" y="0"/>
-                    </a:moveTo>
-                    <a:lnTo>
-                      <a:pt x="0" y="124"/>
-                    </a:lnTo>
-                    <a:cubicBezTo>
-                      <a:pt x="4401" y="124"/>
-                      <a:pt x="7939" y="3722"/>
-                      <a:pt x="7939" y="8063"/>
-                    </a:cubicBezTo>
-                    <a:lnTo>
-                      <a:pt x="8122" y="8063"/>
-                    </a:lnTo>
-                    <a:cubicBezTo>
-                      <a:pt x="8122" y="3598"/>
-                      <a:pt x="4466" y="0"/>
-                      <a:pt x="0" y="0"/>
-                    </a:cubicBezTo>
-                    <a:close/>
-                  </a:path>
-                </a:pathLst>
-              </a:custGeom>
-              <a:solidFill>
-                <a:schemeClr val="bg2">
-                  <a:lumMod val="40000"/>
-                  <a:lumOff val="60000"/>
-                </a:schemeClr>
-              </a:solidFill>
-              <a:ln>
-                <a:noFill/>
-              </a:ln>
-            </p:spPr>
-            <p:txBody>
-              <a:bodyPr spcFirstLastPara="1" wrap="square" lIns="68569" tIns="68569" rIns="68569" bIns="68569" anchor="ctr" anchorCtr="0">
-                <a:noAutofit/>
-              </a:bodyPr>
-              <a:lstStyle/>
-              <a:p>
-                <a:pPr defTabSz="336947">
-                  <a:defRPr/>
-                </a:pPr>
-                <a:endParaRPr sz="1350">
-                  <a:latin typeface="Calibri"/>
-                  <a:cs typeface="Calibri"/>
-                </a:endParaRPr>
-              </a:p>
-            </p:txBody>
-          </p:sp>
-        </p:grpSp>
-        <p:grpSp>
-          <p:nvGrpSpPr>
-            <p:cNvPr id="286" name="Google Shape;1593;p34">
-              <a:extLst>
-                <a:ext uri="{FF2B5EF4-FFF2-40B4-BE49-F238E27FC236}">
-                  <a16:creationId xmlns:a16="http://schemas.microsoft.com/office/drawing/2014/main" id="{56BE7E1C-5A16-0843-8FAA-2174691CEB6F}"/>
-                </a:ext>
-              </a:extLst>
-            </p:cNvPr>
-            <p:cNvGrpSpPr/>
-            <p:nvPr/>
-          </p:nvGrpSpPr>
-          <p:grpSpPr>
-            <a:xfrm>
-              <a:off x="8374815" y="3995925"/>
-              <a:ext cx="1362075" cy="1345562"/>
-              <a:chOff x="648102" y="2042984"/>
-              <a:chExt cx="2109096" cy="2083528"/>
-            </a:xfrm>
-          </p:grpSpPr>
-          <p:sp>
-            <p:nvSpPr>
-              <p:cNvPr id="287" name="Google Shape;1594;p34">
-                <a:extLst>
-                  <a:ext uri="{FF2B5EF4-FFF2-40B4-BE49-F238E27FC236}">
-                    <a16:creationId xmlns:a16="http://schemas.microsoft.com/office/drawing/2014/main" id="{F1997C4E-A91B-1AAA-D510-DDD3EE49D7EA}"/>
-                  </a:ext>
-                </a:extLst>
-              </p:cNvPr>
-              <p:cNvSpPr txBox="1"/>
-              <p:nvPr/>
-            </p:nvSpPr>
-            <p:spPr>
-              <a:xfrm>
-                <a:off x="648102" y="3606012"/>
-                <a:ext cx="2109096" cy="520500"/>
-              </a:xfrm>
-              <a:prstGeom prst="rect">
-                <a:avLst/>
-              </a:prstGeom>
-              <a:noFill/>
-              <a:ln>
-                <a:noFill/>
-              </a:ln>
-            </p:spPr>
-            <p:txBody>
-              <a:bodyPr spcFirstLastPara="1" wrap="square" lIns="68569" tIns="68569" rIns="68569" bIns="68569" anchor="ctr" anchorCtr="0">
-                <a:noAutofit/>
-              </a:bodyPr>
-              <a:lstStyle/>
-              <a:p>
-                <a:pPr algn="ctr" defTabSz="336947">
-                  <a:defRPr/>
-                </a:pPr>
-                <a:r>
-                  <a:rPr lang="pt-BR" sz="600" dirty="0">
-                    <a:solidFill>
-                      <a:schemeClr val="tx1"/>
-                    </a:solidFill>
-                    <a:latin typeface="Roboto"/>
-                    <a:ea typeface="Roboto"/>
-                    <a:cs typeface="Roboto"/>
-                    <a:sym typeface="Roboto"/>
-                  </a:rPr>
-                  <a:t>Fim do semestre letivo</a:t>
-                </a:r>
-                <a:r>
-                  <a:rPr lang="pt-BR" sz="600" dirty="0">
-                    <a:solidFill>
-                      <a:srgbClr val="A7A7A7"/>
-                    </a:solidFill>
-                    <a:latin typeface="Roboto"/>
-                    <a:ea typeface="Roboto"/>
-                    <a:cs typeface="Roboto"/>
-                    <a:sym typeface="Roboto"/>
-                  </a:rPr>
-                  <a:t>.</a:t>
-                </a:r>
-                <a:endParaRPr lang="pt-BR" sz="600" dirty="0">
-                  <a:solidFill>
-                    <a:schemeClr val="tx1"/>
-                  </a:solidFill>
-                  <a:latin typeface="Roboto"/>
-                  <a:ea typeface="Roboto"/>
-                  <a:cs typeface="Roboto"/>
-                  <a:sym typeface="Roboto"/>
-                </a:endParaRPr>
-              </a:p>
-            </p:txBody>
-          </p:sp>
-          <p:grpSp>
-            <p:nvGrpSpPr>
-              <p:cNvPr id="288" name="Google Shape;1595;p34">
-                <a:extLst>
-                  <a:ext uri="{FF2B5EF4-FFF2-40B4-BE49-F238E27FC236}">
-                    <a16:creationId xmlns:a16="http://schemas.microsoft.com/office/drawing/2014/main" id="{C91186A5-EF24-D1F7-A4C9-C770C8393C68}"/>
-                  </a:ext>
-                </a:extLst>
-              </p:cNvPr>
-              <p:cNvGrpSpPr/>
-              <p:nvPr/>
-            </p:nvGrpSpPr>
-            <p:grpSpPr>
-              <a:xfrm>
-                <a:off x="1306267" y="2586171"/>
-                <a:ext cx="681652" cy="969321"/>
-                <a:chOff x="2310388" y="2586171"/>
-                <a:chExt cx="681652" cy="969321"/>
-              </a:xfrm>
-            </p:grpSpPr>
-            <p:sp>
-              <p:nvSpPr>
-                <p:cNvPr id="290" name="Google Shape;1596;p34">
-                  <a:extLst>
-                    <a:ext uri="{FF2B5EF4-FFF2-40B4-BE49-F238E27FC236}">
-                      <a16:creationId xmlns:a16="http://schemas.microsoft.com/office/drawing/2014/main" id="{728E37BD-1B27-354E-C77B-383EB238A235}"/>
-                    </a:ext>
-                  </a:extLst>
-                </p:cNvPr>
-                <p:cNvSpPr/>
-                <p:nvPr/>
-              </p:nvSpPr>
-              <p:spPr>
-                <a:xfrm>
-                  <a:off x="2399315" y="2586171"/>
-                  <a:ext cx="592725" cy="592773"/>
-                </a:xfrm>
-                <a:custGeom>
-                  <a:avLst/>
-                  <a:gdLst/>
-                  <a:ahLst/>
-                  <a:cxnLst/>
-                  <a:rect l="l" t="t" r="r" b="b"/>
-                  <a:pathLst>
-                    <a:path w="12404" h="12405" extrusionOk="0">
-                      <a:moveTo>
-                        <a:pt x="6202" y="124"/>
-                      </a:moveTo>
-                      <a:cubicBezTo>
-                        <a:pt x="9551" y="124"/>
-                        <a:pt x="12280" y="2853"/>
-                        <a:pt x="12280" y="6202"/>
-                      </a:cubicBezTo>
-                      <a:cubicBezTo>
-                        <a:pt x="12280" y="9487"/>
-                        <a:pt x="9551" y="12216"/>
-                        <a:pt x="6202" y="12216"/>
-                      </a:cubicBezTo>
-                      <a:cubicBezTo>
-                        <a:pt x="2913" y="12216"/>
-                        <a:pt x="184" y="9487"/>
-                        <a:pt x="184" y="6202"/>
-                      </a:cubicBezTo>
-                      <a:cubicBezTo>
-                        <a:pt x="184" y="2853"/>
-                        <a:pt x="2913" y="124"/>
-                        <a:pt x="6202" y="124"/>
-                      </a:cubicBezTo>
-                      <a:close/>
-                      <a:moveTo>
-                        <a:pt x="6202" y="0"/>
-                      </a:moveTo>
-                      <a:cubicBezTo>
-                        <a:pt x="2789" y="0"/>
-                        <a:pt x="0" y="2729"/>
-                        <a:pt x="0" y="6202"/>
-                      </a:cubicBezTo>
-                      <a:cubicBezTo>
-                        <a:pt x="0" y="9611"/>
-                        <a:pt x="2789" y="12404"/>
-                        <a:pt x="6202" y="12404"/>
-                      </a:cubicBezTo>
-                      <a:cubicBezTo>
-                        <a:pt x="9611" y="12404"/>
-                        <a:pt x="12404" y="9611"/>
-                        <a:pt x="12404" y="6202"/>
-                      </a:cubicBezTo>
-                      <a:cubicBezTo>
-                        <a:pt x="12404" y="2729"/>
-                        <a:pt x="9611" y="0"/>
-                        <a:pt x="6202" y="0"/>
-                      </a:cubicBezTo>
-                      <a:close/>
-                    </a:path>
-                  </a:pathLst>
-                </a:custGeom>
-                <a:solidFill>
-                  <a:schemeClr val="bg2">
-                    <a:lumMod val="40000"/>
-                    <a:lumOff val="60000"/>
-                  </a:schemeClr>
-                </a:solidFill>
-                <a:ln>
-                  <a:noFill/>
-                </a:ln>
-              </p:spPr>
-              <p:txBody>
-                <a:bodyPr spcFirstLastPara="1" wrap="square" lIns="68569" tIns="68569" rIns="68569" bIns="68569" anchor="ctr" anchorCtr="0">
-                  <a:noAutofit/>
-                </a:bodyPr>
-                <a:lstStyle/>
-                <a:p>
-                  <a:pPr defTabSz="336947">
-                    <a:defRPr/>
-                  </a:pPr>
-                  <a:endParaRPr sz="1350">
-                    <a:latin typeface="Calibri"/>
-                    <a:cs typeface="Calibri"/>
-                  </a:endParaRPr>
-                </a:p>
-              </p:txBody>
-            </p:sp>
-            <p:sp>
-              <p:nvSpPr>
-                <p:cNvPr id="291" name="Google Shape;1597;p34">
-                  <a:extLst>
-                    <a:ext uri="{FF2B5EF4-FFF2-40B4-BE49-F238E27FC236}">
-                      <a16:creationId xmlns:a16="http://schemas.microsoft.com/office/drawing/2014/main" id="{9B78EC46-023D-4DBB-B8EC-DB036BF865FC}"/>
-                    </a:ext>
-                  </a:extLst>
-                </p:cNvPr>
-                <p:cNvSpPr/>
-                <p:nvPr/>
-              </p:nvSpPr>
-              <p:spPr>
-                <a:xfrm>
-                  <a:off x="2514764" y="2698799"/>
-                  <a:ext cx="361589" cy="364456"/>
-                </a:xfrm>
-                <a:custGeom>
-                  <a:avLst/>
-                  <a:gdLst/>
-                  <a:ahLst/>
-                  <a:cxnLst/>
-                  <a:rect l="l" t="t" r="r" b="b"/>
-                  <a:pathLst>
-                    <a:path w="7567" h="7627" extrusionOk="0">
-                      <a:moveTo>
-                        <a:pt x="3786" y="496"/>
-                      </a:moveTo>
-                      <a:cubicBezTo>
-                        <a:pt x="5647" y="496"/>
-                        <a:pt x="7135" y="1985"/>
-                        <a:pt x="7135" y="3845"/>
-                      </a:cubicBezTo>
-                      <a:cubicBezTo>
-                        <a:pt x="7135" y="5641"/>
-                        <a:pt x="5647" y="7130"/>
-                        <a:pt x="3786" y="7130"/>
-                      </a:cubicBezTo>
-                      <a:cubicBezTo>
-                        <a:pt x="1985" y="7130"/>
-                        <a:pt x="497" y="5641"/>
-                        <a:pt x="497" y="3845"/>
-                      </a:cubicBezTo>
-                      <a:cubicBezTo>
-                        <a:pt x="497" y="1985"/>
-                        <a:pt x="1985" y="496"/>
-                        <a:pt x="3786" y="496"/>
-                      </a:cubicBezTo>
-                      <a:close/>
-                      <a:moveTo>
-                        <a:pt x="3786" y="0"/>
-                      </a:moveTo>
-                      <a:cubicBezTo>
-                        <a:pt x="1677" y="0"/>
-                        <a:pt x="0" y="1737"/>
-                        <a:pt x="0" y="3845"/>
-                      </a:cubicBezTo>
-                      <a:cubicBezTo>
-                        <a:pt x="0" y="5889"/>
-                        <a:pt x="1677" y="7626"/>
-                        <a:pt x="3786" y="7626"/>
-                      </a:cubicBezTo>
-                      <a:cubicBezTo>
-                        <a:pt x="5895" y="7626"/>
-                        <a:pt x="7567" y="5889"/>
-                        <a:pt x="7567" y="3845"/>
-                      </a:cubicBezTo>
-                      <a:cubicBezTo>
-                        <a:pt x="7567" y="1737"/>
-                        <a:pt x="5895" y="0"/>
-                        <a:pt x="3786" y="0"/>
-                      </a:cubicBezTo>
-                      <a:close/>
-                    </a:path>
-                  </a:pathLst>
-                </a:custGeom>
-                <a:solidFill>
-                  <a:srgbClr val="A75EAB"/>
-                </a:solidFill>
-                <a:ln>
-                  <a:noFill/>
-                </a:ln>
-              </p:spPr>
-              <p:txBody>
-                <a:bodyPr spcFirstLastPara="1" wrap="square" lIns="68569" tIns="68569" rIns="68569" bIns="68569" anchor="ctr" anchorCtr="0">
-                  <a:noAutofit/>
-                </a:bodyPr>
-                <a:lstStyle/>
-                <a:p>
-                  <a:pPr defTabSz="336947">
-                    <a:defRPr/>
-                  </a:pPr>
-                  <a:endParaRPr sz="1350">
-                    <a:latin typeface="Calibri"/>
-                    <a:cs typeface="Calibri"/>
-                  </a:endParaRPr>
-                </a:p>
-              </p:txBody>
-            </p:sp>
-            <p:sp>
-              <p:nvSpPr>
-                <p:cNvPr id="292" name="Google Shape;1598;p34">
-                  <a:extLst>
-                    <a:ext uri="{FF2B5EF4-FFF2-40B4-BE49-F238E27FC236}">
-                      <a16:creationId xmlns:a16="http://schemas.microsoft.com/office/drawing/2014/main" id="{FFB74ECD-5B68-FBFB-A471-74B66026C1D3}"/>
-                    </a:ext>
-                  </a:extLst>
-                </p:cNvPr>
-                <p:cNvSpPr/>
-                <p:nvPr/>
-              </p:nvSpPr>
-              <p:spPr>
-                <a:xfrm>
-                  <a:off x="2612674" y="2796473"/>
-                  <a:ext cx="168872" cy="169062"/>
-                </a:xfrm>
-                <a:custGeom>
-                  <a:avLst/>
-                  <a:gdLst/>
-                  <a:ahLst/>
-                  <a:cxnLst/>
-                  <a:rect l="l" t="t" r="r" b="b"/>
-                  <a:pathLst>
-                    <a:path w="3534" h="3538" extrusionOk="0">
-                      <a:moveTo>
-                        <a:pt x="1737" y="0"/>
-                      </a:moveTo>
-                      <a:cubicBezTo>
-                        <a:pt x="745" y="0"/>
-                        <a:pt x="1" y="809"/>
-                        <a:pt x="1" y="1801"/>
-                      </a:cubicBezTo>
-                      <a:cubicBezTo>
-                        <a:pt x="1" y="2729"/>
-                        <a:pt x="745" y="3538"/>
-                        <a:pt x="1737" y="3538"/>
-                      </a:cubicBezTo>
-                      <a:cubicBezTo>
-                        <a:pt x="2729" y="3538"/>
-                        <a:pt x="3533" y="2729"/>
-                        <a:pt x="3533" y="1801"/>
-                      </a:cubicBezTo>
-                      <a:cubicBezTo>
-                        <a:pt x="3533" y="809"/>
-                        <a:pt x="2729" y="0"/>
-                        <a:pt x="1737" y="0"/>
-                      </a:cubicBezTo>
-                      <a:close/>
-                    </a:path>
-                  </a:pathLst>
-                </a:custGeom>
-                <a:solidFill>
-                  <a:srgbClr val="A75EAB"/>
-                </a:solidFill>
-                <a:ln>
-                  <a:noFill/>
-                </a:ln>
-              </p:spPr>
-              <p:txBody>
-                <a:bodyPr spcFirstLastPara="1" wrap="square" lIns="68569" tIns="68569" rIns="68569" bIns="68569" anchor="ctr" anchorCtr="0">
-                  <a:noAutofit/>
-                </a:bodyPr>
-                <a:lstStyle/>
-                <a:p>
-                  <a:pPr defTabSz="336947">
-                    <a:defRPr/>
-                  </a:pPr>
-                  <a:endParaRPr sz="1350">
-                    <a:latin typeface="Calibri"/>
-                    <a:cs typeface="Calibri"/>
-                  </a:endParaRPr>
-                </a:p>
-              </p:txBody>
-            </p:sp>
-            <p:sp>
-              <p:nvSpPr>
-                <p:cNvPr id="293" name="Google Shape;1599;p34">
-                  <a:extLst>
-                    <a:ext uri="{FF2B5EF4-FFF2-40B4-BE49-F238E27FC236}">
-                      <a16:creationId xmlns:a16="http://schemas.microsoft.com/office/drawing/2014/main" id="{6DC368B5-D0AD-EC22-E115-3A767CD29CAA}"/>
-                    </a:ext>
-                  </a:extLst>
-                </p:cNvPr>
-                <p:cNvSpPr/>
-                <p:nvPr/>
-              </p:nvSpPr>
-              <p:spPr>
-                <a:xfrm>
-                  <a:off x="2692577" y="3172972"/>
-                  <a:ext cx="9079" cy="303448"/>
-                </a:xfrm>
-                <a:custGeom>
-                  <a:avLst/>
-                  <a:gdLst/>
-                  <a:ahLst/>
-                  <a:cxnLst/>
-                  <a:rect l="l" t="t" r="r" b="b"/>
-                  <a:pathLst>
-                    <a:path w="190" h="19658" extrusionOk="0">
-                      <a:moveTo>
-                        <a:pt x="1" y="0"/>
-                      </a:moveTo>
-                      <a:lnTo>
-                        <a:pt x="1" y="19658"/>
-                      </a:lnTo>
-                      <a:lnTo>
-                        <a:pt x="189" y="19658"/>
-                      </a:lnTo>
-                      <a:lnTo>
-                        <a:pt x="189" y="0"/>
-                      </a:lnTo>
-                      <a:close/>
-                    </a:path>
-                  </a:pathLst>
-                </a:custGeom>
-                <a:solidFill>
-                  <a:schemeClr val="bg2">
-                    <a:lumMod val="40000"/>
-                    <a:lumOff val="60000"/>
-                  </a:schemeClr>
-                </a:solidFill>
-                <a:ln>
-                  <a:noFill/>
-                </a:ln>
-              </p:spPr>
-              <p:txBody>
-                <a:bodyPr spcFirstLastPara="1" wrap="square" lIns="68569" tIns="68569" rIns="68569" bIns="68569" anchor="ctr" anchorCtr="0">
-                  <a:noAutofit/>
-                </a:bodyPr>
-                <a:lstStyle/>
-                <a:p>
-                  <a:pPr defTabSz="336947">
-                    <a:defRPr/>
-                  </a:pPr>
-                  <a:endParaRPr sz="1350">
-                    <a:latin typeface="Calibri"/>
-                    <a:cs typeface="Calibri"/>
-                  </a:endParaRPr>
-                </a:p>
-              </p:txBody>
-            </p:sp>
-            <p:sp>
-              <p:nvSpPr>
-                <p:cNvPr id="294" name="Google Shape;1600;p34">
-                  <a:extLst>
-                    <a:ext uri="{FF2B5EF4-FFF2-40B4-BE49-F238E27FC236}">
-                      <a16:creationId xmlns:a16="http://schemas.microsoft.com/office/drawing/2014/main" id="{ACBB9711-4803-3956-3ECA-EF235117C994}"/>
-                    </a:ext>
-                  </a:extLst>
-                </p:cNvPr>
-                <p:cNvSpPr/>
-                <p:nvPr/>
-              </p:nvSpPr>
-              <p:spPr>
-                <a:xfrm>
-                  <a:off x="2310388" y="2885354"/>
-                  <a:ext cx="385338" cy="388396"/>
-                </a:xfrm>
-                <a:custGeom>
-                  <a:avLst/>
-                  <a:gdLst/>
-                  <a:ahLst/>
-                  <a:cxnLst/>
-                  <a:rect l="l" t="t" r="r" b="b"/>
-                  <a:pathLst>
-                    <a:path w="8064" h="8128" extrusionOk="0">
-                      <a:moveTo>
-                        <a:pt x="1" y="1"/>
-                      </a:moveTo>
-                      <a:cubicBezTo>
-                        <a:pt x="1" y="4466"/>
-                        <a:pt x="3598" y="8128"/>
-                        <a:pt x="8063" y="8128"/>
-                      </a:cubicBezTo>
-                      <a:lnTo>
-                        <a:pt x="8063" y="7939"/>
-                      </a:lnTo>
-                      <a:cubicBezTo>
-                        <a:pt x="3722" y="7939"/>
-                        <a:pt x="125" y="4407"/>
-                        <a:pt x="125" y="1"/>
-                      </a:cubicBezTo>
-                      <a:close/>
-                    </a:path>
-                  </a:pathLst>
-                </a:custGeom>
-                <a:solidFill>
-                  <a:schemeClr val="bg2">
-                    <a:lumMod val="40000"/>
-                    <a:lumOff val="60000"/>
-                  </a:schemeClr>
-                </a:solidFill>
-                <a:ln>
-                  <a:noFill/>
-                </a:ln>
-              </p:spPr>
-              <p:txBody>
-                <a:bodyPr spcFirstLastPara="1" wrap="square" lIns="68569" tIns="68569" rIns="68569" bIns="68569" anchor="ctr" anchorCtr="0">
-                  <a:noAutofit/>
-                </a:bodyPr>
-                <a:lstStyle/>
-                <a:p>
-                  <a:pPr defTabSz="336947">
-                    <a:defRPr/>
-                  </a:pPr>
-                  <a:endParaRPr sz="1350">
-                    <a:latin typeface="Calibri"/>
-                    <a:cs typeface="Calibri"/>
-                  </a:endParaRPr>
-                </a:p>
-              </p:txBody>
-            </p:sp>
-            <p:sp>
-              <p:nvSpPr>
-                <p:cNvPr id="295" name="Google Shape;1601;p34">
-                  <a:extLst>
-                    <a:ext uri="{FF2B5EF4-FFF2-40B4-BE49-F238E27FC236}">
-                      <a16:creationId xmlns:a16="http://schemas.microsoft.com/office/drawing/2014/main" id="{D0FEF200-3445-E24A-EB94-6D774E187F9C}"/>
-                    </a:ext>
-                  </a:extLst>
-                </p:cNvPr>
-                <p:cNvSpPr/>
-                <p:nvPr/>
-              </p:nvSpPr>
-              <p:spPr>
-                <a:xfrm>
-                  <a:off x="2646714" y="3454692"/>
-                  <a:ext cx="100800" cy="100800"/>
-                </a:xfrm>
-                <a:prstGeom prst="ellipse">
-                  <a:avLst/>
-                </a:prstGeom>
-                <a:solidFill>
-                  <a:srgbClr val="A75EAB"/>
-                </a:solidFill>
-                <a:ln>
-                  <a:noFill/>
-                </a:ln>
-              </p:spPr>
-              <p:txBody>
-                <a:bodyPr spcFirstLastPara="1" wrap="square" lIns="68569" tIns="68569" rIns="68569" bIns="68569" anchor="ctr" anchorCtr="0">
-                  <a:noAutofit/>
-                </a:bodyPr>
-                <a:lstStyle/>
-                <a:p>
-                  <a:pPr defTabSz="336947">
-                    <a:defRPr/>
-                  </a:pPr>
-                  <a:endParaRPr sz="1350">
-                    <a:latin typeface="Calibri"/>
-                    <a:cs typeface="Calibri"/>
-                  </a:endParaRPr>
-                </a:p>
-              </p:txBody>
-            </p:sp>
-          </p:grpSp>
-          <p:sp>
-            <p:nvSpPr>
-              <p:cNvPr id="289" name="Google Shape;1602;p34">
-                <a:extLst>
-                  <a:ext uri="{FF2B5EF4-FFF2-40B4-BE49-F238E27FC236}">
-                    <a16:creationId xmlns:a16="http://schemas.microsoft.com/office/drawing/2014/main" id="{AF3D399D-82D6-E564-E9D7-5BDB3CEFE659}"/>
-                  </a:ext>
-                </a:extLst>
-              </p:cNvPr>
-              <p:cNvSpPr txBox="1"/>
-              <p:nvPr/>
-            </p:nvSpPr>
-            <p:spPr>
-              <a:xfrm>
-                <a:off x="832043" y="2042984"/>
-                <a:ext cx="1754312" cy="627174"/>
-              </a:xfrm>
-              <a:prstGeom prst="rect">
-                <a:avLst/>
-              </a:prstGeom>
-              <a:noFill/>
-              <a:ln>
-                <a:noFill/>
-              </a:ln>
-            </p:spPr>
-            <p:txBody>
-              <a:bodyPr spcFirstLastPara="1" wrap="square" lIns="68569" tIns="68569" rIns="68569" bIns="68569" anchor="ctr" anchorCtr="0">
-                <a:noAutofit/>
-              </a:bodyPr>
-              <a:lstStyle/>
-              <a:p>
-                <a:pPr algn="ctr" defTabSz="336947">
-                  <a:lnSpc>
-                    <a:spcPct val="115000"/>
-                  </a:lnSpc>
-                  <a:defRPr/>
-                </a:pPr>
-                <a:r>
-                  <a:rPr lang="pt-BR" sz="825" b="1" dirty="0">
-                    <a:solidFill>
-                      <a:schemeClr val="tx1"/>
-                    </a:solidFill>
-                    <a:latin typeface="Fira Sans Extra Condensed"/>
-                    <a:cs typeface="Calibri"/>
-                    <a:sym typeface="Fira Sans Extra Condensed"/>
-                  </a:rPr>
-                  <a:t>07 de Dezembro</a:t>
-                </a:r>
-              </a:p>
-            </p:txBody>
-          </p:sp>
-        </p:grpSp>
-        <p:pic>
-          <p:nvPicPr>
-            <p:cNvPr id="296" name="Gráfico 295" descr="Parar com preenchimento sólido">
-              <a:extLst>
-                <a:ext uri="{FF2B5EF4-FFF2-40B4-BE49-F238E27FC236}">
-                  <a16:creationId xmlns:a16="http://schemas.microsoft.com/office/drawing/2014/main" id="{51C4CBCB-65D9-71EA-9E97-0CADCB5197ED}"/>
-                </a:ext>
-              </a:extLst>
-            </p:cNvPr>
-            <p:cNvPicPr>
-              <a:picLocks noChangeAspect="1"/>
-            </p:cNvPicPr>
-            <p:nvPr/>
-          </p:nvPicPr>
-          <p:blipFill>
-            <a:blip r:embed="rId2" cstate="print">
-              <a:extLst>
-                <a:ext uri="{28A0092B-C50C-407E-A947-70E740481C1C}">
-                  <a14:useLocalDpi xmlns:a14="http://schemas.microsoft.com/office/drawing/2010/main" val="0"/>
-                </a:ext>
-                <a:ext uri="{96DAC541-7B7A-43D3-8B79-37D633B846F1}">
-                  <asvg:svgBlip xmlns:asvg="http://schemas.microsoft.com/office/drawing/2016/SVG/main" r:embed="rId3"/>
-                </a:ext>
-              </a:extLst>
-            </a:blip>
-            <a:stretch>
-              <a:fillRect/>
-            </a:stretch>
-          </p:blipFill>
-          <p:spPr>
-            <a:xfrm>
-              <a:off x="2140927" y="4465126"/>
-              <a:ext cx="144000" cy="144000"/>
-            </a:xfrm>
-            <a:prstGeom prst="rect">
-              <a:avLst/>
-            </a:prstGeom>
-          </p:spPr>
-        </p:pic>
-        <p:pic>
-          <p:nvPicPr>
-            <p:cNvPr id="297" name="Gráfico 296" descr="Reproduzir com preenchimento sólido">
-              <a:extLst>
-                <a:ext uri="{FF2B5EF4-FFF2-40B4-BE49-F238E27FC236}">
-                  <a16:creationId xmlns:a16="http://schemas.microsoft.com/office/drawing/2014/main" id="{05A8057D-A70B-B719-50D1-9E4B77AEB5F4}"/>
-                </a:ext>
-              </a:extLst>
-            </p:cNvPr>
-            <p:cNvPicPr>
-              <a:picLocks noChangeAspect="1"/>
-            </p:cNvPicPr>
-            <p:nvPr/>
-          </p:nvPicPr>
-          <p:blipFill>
-            <a:blip r:embed="rId4" cstate="print">
-              <a:extLst>
-                <a:ext uri="{28A0092B-C50C-407E-A947-70E740481C1C}">
-                  <a14:useLocalDpi xmlns:a14="http://schemas.microsoft.com/office/drawing/2010/main" val="0"/>
-                </a:ext>
-                <a:ext uri="{96DAC541-7B7A-43D3-8B79-37D633B846F1}">
-                  <asvg:svgBlip xmlns:asvg="http://schemas.microsoft.com/office/drawing/2016/SVG/main" r:embed="rId5"/>
-                </a:ext>
-              </a:extLst>
-            </a:blip>
-            <a:stretch>
-              <a:fillRect/>
-            </a:stretch>
-          </p:blipFill>
-          <p:spPr>
-            <a:xfrm>
-              <a:off x="184406" y="2667507"/>
-              <a:ext cx="180000" cy="180000"/>
-            </a:xfrm>
-            <a:prstGeom prst="rect">
-              <a:avLst/>
-            </a:prstGeom>
-          </p:spPr>
-        </p:pic>
-        <p:sp>
-          <p:nvSpPr>
-            <p:cNvPr id="298" name="CaixaDeTexto 9">
-              <a:extLst>
-                <a:ext uri="{FF2B5EF4-FFF2-40B4-BE49-F238E27FC236}">
-                  <a16:creationId xmlns:a16="http://schemas.microsoft.com/office/drawing/2014/main" id="{8F75AF40-21C6-3356-3758-DE310ECEDE3A}"/>
-                </a:ext>
-              </a:extLst>
-            </p:cNvPr>
-            <p:cNvSpPr txBox="1"/>
-            <p:nvPr/>
-          </p:nvSpPr>
-          <p:spPr>
-            <a:xfrm>
-              <a:off x="836294" y="1111960"/>
-              <a:ext cx="7667626" cy="579143"/>
-            </a:xfrm>
-            <a:prstGeom prst="rect">
-              <a:avLst/>
-            </a:prstGeom>
-            <a:ln w="12700">
-              <a:miter lim="400000"/>
-            </a:ln>
-            <a:extLst>
-              <a:ext uri="{C572A759-6A51-4108-AA02-DFA0A04FC94B}">
-                <ma14:wrappingTextBoxFlag xmlns:ma14="http://schemas.microsoft.com/office/mac/drawingml/2011/main" xmlns:a14="http://schemas.microsoft.com/office/drawing/2010/main" xmlns:m="http://schemas.openxmlformats.org/officeDocument/2006/math" xmlns="" val="1"/>
-              </a:ext>
-            </a:extLst>
-          </p:spPr>
-          <p:txBody>
-            <a:bodyPr wrap="square" lIns="34289" tIns="34289" rIns="34289" bIns="34289">
-              <a:spAutoFit/>
-            </a:bodyPr>
-            <a:lstStyle>
-              <a:lvl1pPr>
-                <a:lnSpc>
-                  <a:spcPct val="93000"/>
-                </a:lnSpc>
-                <a:defRPr sz="2400" b="1">
-                  <a:solidFill>
-                    <a:srgbClr val="16165D"/>
-                  </a:solidFill>
-                </a:defRPr>
-              </a:lvl1pPr>
-            </a:lstStyle>
-            <a:p>
-              <a:pPr defTabSz="336947">
-                <a:defRPr/>
-              </a:pPr>
-              <a:r>
-                <a:rPr lang="en-US" sz="3600" b="1" dirty="0" err="1">
-                  <a:solidFill>
-                    <a:srgbClr val="0070C0"/>
-                  </a:solidFill>
-                </a:rPr>
-                <a:t>Calendário</a:t>
-              </a:r>
-              <a:r>
-                <a:rPr lang="en-US" sz="3600" b="1" dirty="0">
-                  <a:solidFill>
-                    <a:srgbClr val="0070C0"/>
-                  </a:solidFill>
-                </a:rPr>
-                <a:t> </a:t>
-              </a:r>
-              <a:r>
-                <a:rPr lang="en-US" sz="3600" b="1" dirty="0" err="1">
-                  <a:solidFill>
-                    <a:srgbClr val="0070C0"/>
-                  </a:solidFill>
-                </a:rPr>
-                <a:t>Acadêmico</a:t>
-              </a:r>
-              <a:r>
-                <a:rPr lang="en-US" sz="3600" b="1" dirty="0">
-                  <a:solidFill>
-                    <a:srgbClr val="0070C0"/>
-                  </a:solidFill>
-                </a:rPr>
-                <a:t> 2023.2</a:t>
-              </a:r>
-              <a:endParaRPr sz="1800" dirty="0">
-                <a:latin typeface="Calibri"/>
-                <a:cs typeface="Calibri"/>
-              </a:endParaRPr>
-            </a:p>
-          </p:txBody>
-        </p:sp>
-        <p:sp>
-          <p:nvSpPr>
-            <p:cNvPr id="299" name="Rectangle 6">
-              <a:extLst>
-                <a:ext uri="{FF2B5EF4-FFF2-40B4-BE49-F238E27FC236}">
-                  <a16:creationId xmlns:a16="http://schemas.microsoft.com/office/drawing/2014/main" id="{6B7837D1-6E3F-3066-1FE1-F257717CE9B4}"/>
-                </a:ext>
-              </a:extLst>
-            </p:cNvPr>
-            <p:cNvSpPr/>
-            <p:nvPr/>
-          </p:nvSpPr>
-          <p:spPr>
-            <a:xfrm>
-              <a:off x="684337" y="1075083"/>
-              <a:ext cx="79508" cy="536575"/>
-            </a:xfrm>
-            <a:prstGeom prst="rect">
-              <a:avLst/>
-            </a:prstGeom>
-            <a:solidFill>
-              <a:srgbClr val="00ADBB"/>
-            </a:solidFill>
-            <a:ln>
-              <a:solidFill>
-                <a:srgbClr val="00ADBB"/>
-              </a:solidFill>
-            </a:ln>
-          </p:spPr>
-          <p:txBody>
-            <a:bodyPr lIns="34289" tIns="34289" rIns="34289" bIns="34289" anchor="ctr"/>
-            <a:lstStyle/>
-            <a:p>
-              <a:pPr defTabSz="336947">
-                <a:lnSpc>
-                  <a:spcPct val="93000"/>
-                </a:lnSpc>
-                <a:defRPr/>
-              </a:pPr>
-              <a:endParaRPr sz="1350">
-                <a:latin typeface="Calibri"/>
-                <a:cs typeface="Calibri"/>
-              </a:endParaRPr>
-            </a:p>
-          </p:txBody>
-        </p:sp>
-        <p:sp>
-          <p:nvSpPr>
-            <p:cNvPr id="300" name="CaixaDeTexto 299">
-              <a:extLst>
-                <a:ext uri="{FF2B5EF4-FFF2-40B4-BE49-F238E27FC236}">
-                  <a16:creationId xmlns:a16="http://schemas.microsoft.com/office/drawing/2014/main" id="{4D5DBC7C-571E-7702-0DF9-4E7C7CF2FFB3}"/>
-                </a:ext>
-              </a:extLst>
-            </p:cNvPr>
-            <p:cNvSpPr txBox="1"/>
-            <p:nvPr/>
-          </p:nvSpPr>
-          <p:spPr>
-            <a:xfrm>
-              <a:off x="268756" y="3578596"/>
-              <a:ext cx="1102626" cy="402892"/>
-            </a:xfrm>
-            <a:prstGeom prst="rect">
-              <a:avLst/>
-            </a:prstGeom>
-            <a:noFill/>
-          </p:spPr>
-          <p:txBody>
-            <a:bodyPr wrap="square">
-              <a:spAutoFit/>
-            </a:bodyPr>
-            <a:lstStyle/>
-            <a:p>
-              <a:pPr algn="ctr" defTabSz="566402" hangingPunct="1">
-                <a:lnSpc>
-                  <a:spcPct val="107000"/>
-                </a:lnSpc>
-              </a:pPr>
-              <a:r>
-                <a:rPr lang="pt-BR" sz="650" b="1" kern="1200" dirty="0">
-                  <a:solidFill>
-                    <a:srgbClr val="0070C0"/>
-                  </a:solidFill>
-                  <a:highlight>
-                    <a:srgbClr val="FFFF00"/>
-                  </a:highlight>
-                  <a:latin typeface="Leelawadee" panose="020B0502040204020203" pitchFamily="34" charset="-34"/>
-                  <a:cs typeface="Leelawadee" panose="020B0502040204020203" pitchFamily="34" charset="-34"/>
-                </a:rPr>
-                <a:t>Veteranos:  23/02</a:t>
-              </a:r>
-            </a:p>
-            <a:p>
-              <a:pPr algn="ctr" defTabSz="566402" hangingPunct="1">
-                <a:lnSpc>
-                  <a:spcPct val="107000"/>
-                </a:lnSpc>
-              </a:pPr>
-              <a:r>
-                <a:rPr lang="pt-BR" sz="650" b="1" kern="1200" dirty="0">
-                  <a:solidFill>
-                    <a:srgbClr val="0070C0"/>
-                  </a:solidFill>
-                  <a:highlight>
-                    <a:srgbClr val="FFFF00"/>
-                  </a:highlight>
-                  <a:latin typeface="Leelawadee" panose="020B0502040204020203" pitchFamily="34" charset="-34"/>
-                  <a:cs typeface="Leelawadee" panose="020B0502040204020203" pitchFamily="34" charset="-34"/>
-                </a:rPr>
-                <a:t>Calouros:  06/03</a:t>
-              </a:r>
-            </a:p>
-            <a:p>
-              <a:pPr defTabSz="566402" hangingPunct="1">
-                <a:lnSpc>
-                  <a:spcPct val="107000"/>
-                </a:lnSpc>
-              </a:pPr>
-              <a:endParaRPr lang="pt-BR" sz="650" kern="1200" dirty="0">
-                <a:solidFill>
-                  <a:srgbClr val="0070C0"/>
-                </a:solidFill>
-                <a:latin typeface="Leelawadee" panose="020B0502040204020203" pitchFamily="34" charset="-34"/>
-                <a:cs typeface="Leelawadee" panose="020B0502040204020203" pitchFamily="34" charset="-34"/>
-              </a:endParaRPr>
-            </a:p>
-          </p:txBody>
-        </p:sp>
-      </p:grpSp>
-    </p:spTree>
-    <p:extLst>
-      <p:ext uri="{BB962C8B-B14F-4D97-AF65-F5344CB8AC3E}">
-        <p14:creationId xmlns:p14="http://schemas.microsoft.com/office/powerpoint/2010/main" val="2824872865"/>
-      </p:ext>
-    </p:extLst>
-  </p:cSld>
-  <p:clrMapOvr>
-    <a:masterClrMapping/>
-  </p:clrMapOvr>
-</p:sld>
-</file>
-
-<file path=ppt/slides/slide12.xml><?xml version="1.0" encoding="utf-8"?>
-<p:sld xmlns:a="http://schemas.openxmlformats.org/drawingml/2006/main" xmlns:r="http://schemas.openxmlformats.org/officeDocument/2006/relationships" xmlns:p="http://schemas.openxmlformats.org/presentationml/2006/main">
-  <p:cSld>
-    <p:spTree>
-      <p:nvGrpSpPr>
-        <p:cNvPr id="1" name=""/>
-        <p:cNvGrpSpPr/>
-        <p:nvPr/>
-      </p:nvGrpSpPr>
-      <p:grpSpPr>
-        <a:xfrm>
-          <a:off x="0" y="0"/>
-          <a:ext cx="0" cy="0"/>
-          <a:chOff x="0" y="0"/>
-          <a:chExt cx="0" cy="0"/>
-        </a:xfrm>
-      </p:grpSpPr>
-      <p:sp>
-        <p:nvSpPr>
-          <p:cNvPr id="2" name="Título 1">
-            <a:extLst>
-              <a:ext uri="{FF2B5EF4-FFF2-40B4-BE49-F238E27FC236}">
-                <a16:creationId xmlns:a16="http://schemas.microsoft.com/office/drawing/2014/main" id="{BE70F8CA-DC02-4D15-8261-E003DFCF721F}"/>
-              </a:ext>
-            </a:extLst>
-          </p:cNvPr>
-          <p:cNvSpPr>
-            <a:spLocks noGrp="1"/>
-          </p:cNvSpPr>
-          <p:nvPr>
-            <p:ph type="title"/>
-          </p:nvPr>
-        </p:nvSpPr>
-        <p:spPr>
-          <a:xfrm>
-            <a:off x="822960" y="214953"/>
-            <a:ext cx="7543800" cy="1088068"/>
-          </a:xfrm>
-        </p:spPr>
-        <p:txBody>
-          <a:bodyPr>
-            <a:normAutofit/>
-          </a:bodyPr>
-          <a:lstStyle/>
-          <a:p>
-            <a:pPr defTabSz="336947">
-              <a:defRPr/>
-            </a:pPr>
-            <a:r>
-              <a:rPr lang="en-US" sz="4400" b="1" dirty="0" err="1">
-                <a:solidFill>
-                  <a:srgbClr val="0070C0"/>
-                </a:solidFill>
-              </a:rPr>
-              <a:t>Datas</a:t>
-            </a:r>
-            <a:r>
-              <a:rPr lang="en-US" sz="4400" b="1" dirty="0">
-                <a:solidFill>
-                  <a:srgbClr val="0070C0"/>
-                </a:solidFill>
-              </a:rPr>
-              <a:t> </a:t>
-            </a:r>
-            <a:r>
-              <a:rPr lang="en-US" sz="4400" b="1" dirty="0" err="1">
-                <a:solidFill>
-                  <a:srgbClr val="0070C0"/>
-                </a:solidFill>
-              </a:rPr>
-              <a:t>Avaliativas</a:t>
-            </a:r>
-            <a:r>
-              <a:rPr lang="en-US" sz="4400" b="1" dirty="0">
-                <a:solidFill>
-                  <a:srgbClr val="0070C0"/>
-                </a:solidFill>
-              </a:rPr>
-              <a:t> 2023.2</a:t>
-            </a:r>
-            <a:endParaRPr lang="en-US" sz="2400" dirty="0">
-              <a:latin typeface="Calibri"/>
-              <a:cs typeface="Calibri"/>
-            </a:endParaRPr>
-          </a:p>
-        </p:txBody>
-      </p:sp>
-      <p:sp>
-        <p:nvSpPr>
-          <p:cNvPr id="3" name="Espaço Reservado para Conteúdo 2">
-            <a:extLst>
-              <a:ext uri="{FF2B5EF4-FFF2-40B4-BE49-F238E27FC236}">
-                <a16:creationId xmlns:a16="http://schemas.microsoft.com/office/drawing/2014/main" id="{9E0854B4-920E-4A2E-8691-75CA4973B341}"/>
-              </a:ext>
-            </a:extLst>
-          </p:cNvPr>
-          <p:cNvSpPr>
-            <a:spLocks noGrp="1"/>
-          </p:cNvSpPr>
-          <p:nvPr>
-            <p:ph idx="1"/>
-          </p:nvPr>
-        </p:nvSpPr>
-        <p:spPr/>
-        <p:txBody>
-          <a:bodyPr>
-            <a:normAutofit/>
-          </a:bodyPr>
-          <a:lstStyle/>
-          <a:p>
-            <a:r>
-              <a:rPr lang="pt-BR" sz="2000" b="1" dirty="0">
-                <a:solidFill>
-                  <a:schemeClr val="tx1"/>
-                </a:solidFill>
-                <a:latin typeface="Times New Roman" panose="02020603050405020304" pitchFamily="18" charset="0"/>
-                <a:cs typeface="Times New Roman" panose="02020603050405020304" pitchFamily="18" charset="0"/>
-              </a:rPr>
-              <a:t>Avaliando o Aprendizado 1 (Presencial):</a:t>
-            </a:r>
-            <a:r>
-              <a:rPr lang="pt-BR" sz="2000" dirty="0">
-                <a:solidFill>
-                  <a:schemeClr val="tx1"/>
-                </a:solidFill>
-                <a:latin typeface="Times New Roman" panose="02020603050405020304" pitchFamily="18" charset="0"/>
-                <a:cs typeface="Times New Roman" panose="02020603050405020304" pitchFamily="18" charset="0"/>
-              </a:rPr>
-              <a:t> </a:t>
-            </a:r>
-            <a:r>
-              <a:rPr lang="pt-BR" sz="2000" b="1" dirty="0">
-                <a:solidFill>
-                  <a:srgbClr val="FF0000"/>
-                </a:solidFill>
-                <a:latin typeface="Times New Roman" panose="02020603050405020304" pitchFamily="18" charset="0"/>
-                <a:cs typeface="Times New Roman" panose="02020603050405020304" pitchFamily="18" charset="0"/>
-              </a:rPr>
-              <a:t>Final</a:t>
-            </a:r>
-            <a:r>
-              <a:rPr lang="pt-BR" sz="2000" dirty="0">
-                <a:solidFill>
-                  <a:schemeClr val="tx1"/>
-                </a:solidFill>
-                <a:latin typeface="Times New Roman" panose="02020603050405020304" pitchFamily="18" charset="0"/>
-                <a:cs typeface="Times New Roman" panose="02020603050405020304" pitchFamily="18" charset="0"/>
-              </a:rPr>
-              <a:t>/SETEMBRO</a:t>
-            </a:r>
-          </a:p>
-          <a:p>
-            <a:endParaRPr lang="pt-BR" sz="2000" b="1" dirty="0">
-              <a:solidFill>
-                <a:schemeClr val="tx1"/>
-              </a:solidFill>
-              <a:latin typeface="Times New Roman" panose="02020603050405020304" pitchFamily="18" charset="0"/>
-              <a:cs typeface="Times New Roman" panose="02020603050405020304" pitchFamily="18" charset="0"/>
-            </a:endParaRPr>
-          </a:p>
-          <a:p>
-            <a:r>
-              <a:rPr lang="pt-BR" sz="2000" b="1" dirty="0">
-                <a:solidFill>
-                  <a:schemeClr val="tx1"/>
-                </a:solidFill>
-                <a:latin typeface="Times New Roman" panose="02020603050405020304" pitchFamily="18" charset="0"/>
-                <a:cs typeface="Times New Roman" panose="02020603050405020304" pitchFamily="18" charset="0"/>
-              </a:rPr>
-              <a:t>Avaliando o Aprendizado 2 (Online):</a:t>
-            </a:r>
-            <a:r>
-              <a:rPr lang="pt-BR" sz="2000" dirty="0">
-                <a:solidFill>
-                  <a:schemeClr val="tx1"/>
-                </a:solidFill>
-                <a:latin typeface="Times New Roman" panose="02020603050405020304" pitchFamily="18" charset="0"/>
-                <a:cs typeface="Times New Roman" panose="02020603050405020304" pitchFamily="18" charset="0"/>
-              </a:rPr>
-              <a:t> </a:t>
-            </a:r>
-            <a:r>
-              <a:rPr lang="pt-BR" sz="2000" b="1" dirty="0">
-                <a:solidFill>
-                  <a:srgbClr val="FF0000"/>
-                </a:solidFill>
-                <a:latin typeface="Times New Roman" panose="02020603050405020304" pitchFamily="18" charset="0"/>
-                <a:cs typeface="Times New Roman" panose="02020603050405020304" pitchFamily="18" charset="0"/>
-              </a:rPr>
-              <a:t>02/OUT A 05/NOV</a:t>
-            </a:r>
-          </a:p>
-          <a:p>
-            <a:endParaRPr lang="pt-BR" sz="2000" b="1" dirty="0">
-              <a:solidFill>
-                <a:schemeClr val="tx1"/>
-              </a:solidFill>
-              <a:latin typeface="Times New Roman" panose="02020603050405020304" pitchFamily="18" charset="0"/>
-              <a:cs typeface="Times New Roman" panose="02020603050405020304" pitchFamily="18" charset="0"/>
-            </a:endParaRPr>
-          </a:p>
-          <a:p>
-            <a:r>
-              <a:rPr lang="pt-BR" sz="2000" b="1" dirty="0">
-                <a:solidFill>
-                  <a:schemeClr val="tx1"/>
-                </a:solidFill>
-                <a:latin typeface="Times New Roman" panose="02020603050405020304" pitchFamily="18" charset="0"/>
-                <a:cs typeface="Times New Roman" panose="02020603050405020304" pitchFamily="18" charset="0"/>
-              </a:rPr>
-              <a:t>AV (Presencial):</a:t>
-            </a:r>
-            <a:r>
-              <a:rPr lang="pt-BR" sz="2000" dirty="0">
-                <a:solidFill>
-                  <a:schemeClr val="tx1"/>
-                </a:solidFill>
-                <a:latin typeface="Times New Roman" panose="02020603050405020304" pitchFamily="18" charset="0"/>
-                <a:cs typeface="Times New Roman" panose="02020603050405020304" pitchFamily="18" charset="0"/>
-              </a:rPr>
-              <a:t> </a:t>
-            </a:r>
-            <a:r>
-              <a:rPr lang="pt-BR" sz="2000" b="1" dirty="0">
-                <a:solidFill>
-                  <a:srgbClr val="FF0000"/>
-                </a:solidFill>
-                <a:latin typeface="Times New Roman" panose="02020603050405020304" pitchFamily="18" charset="0"/>
-                <a:cs typeface="Times New Roman" panose="02020603050405020304" pitchFamily="18" charset="0"/>
-              </a:rPr>
-              <a:t>Início</a:t>
-            </a:r>
-            <a:r>
-              <a:rPr lang="pt-BR" sz="2000" dirty="0">
-                <a:solidFill>
-                  <a:schemeClr val="tx1"/>
-                </a:solidFill>
-                <a:latin typeface="Times New Roman" panose="02020603050405020304" pitchFamily="18" charset="0"/>
-                <a:cs typeface="Times New Roman" panose="02020603050405020304" pitchFamily="18" charset="0"/>
-              </a:rPr>
-              <a:t>/NOVEMBRO</a:t>
-            </a:r>
-          </a:p>
-          <a:p>
-            <a:endParaRPr lang="pt-BR" sz="2000" b="1" dirty="0">
-              <a:solidFill>
-                <a:srgbClr val="002060"/>
-              </a:solidFill>
-              <a:latin typeface="Times New Roman" panose="02020603050405020304" pitchFamily="18" charset="0"/>
-              <a:cs typeface="Times New Roman" panose="02020603050405020304" pitchFamily="18" charset="0"/>
-            </a:endParaRPr>
-          </a:p>
-          <a:p>
-            <a:r>
-              <a:rPr lang="pt-BR" sz="2000" b="1" dirty="0">
-                <a:solidFill>
-                  <a:srgbClr val="002060"/>
-                </a:solidFill>
-                <a:latin typeface="Times New Roman" panose="02020603050405020304" pitchFamily="18" charset="0"/>
-                <a:cs typeface="Times New Roman" panose="02020603050405020304" pitchFamily="18" charset="0"/>
-              </a:rPr>
-              <a:t>FIM DO SEMESTRE LETIVO:</a:t>
-            </a:r>
-            <a:r>
-              <a:rPr lang="pt-BR" sz="2000" dirty="0">
-                <a:solidFill>
-                  <a:schemeClr val="tx1"/>
-                </a:solidFill>
-                <a:latin typeface="Times New Roman" panose="02020603050405020304" pitchFamily="18" charset="0"/>
-                <a:cs typeface="Times New Roman" panose="02020603050405020304" pitchFamily="18" charset="0"/>
-              </a:rPr>
-              <a:t> </a:t>
-            </a:r>
-            <a:r>
-              <a:rPr lang="pt-BR" sz="2000" b="1" dirty="0">
-                <a:solidFill>
-                  <a:srgbClr val="FF0000"/>
-                </a:solidFill>
-                <a:latin typeface="Times New Roman" panose="02020603050405020304" pitchFamily="18" charset="0"/>
-                <a:cs typeface="Times New Roman" panose="02020603050405020304" pitchFamily="18" charset="0"/>
-              </a:rPr>
-              <a:t>07/DEZEMBRO</a:t>
-            </a:r>
-          </a:p>
-        </p:txBody>
-      </p:sp>
-      <p:sp>
-        <p:nvSpPr>
-          <p:cNvPr id="6" name="Espaço Reservado para Número de Slide 5">
-            <a:extLst>
-              <a:ext uri="{FF2B5EF4-FFF2-40B4-BE49-F238E27FC236}">
-                <a16:creationId xmlns:a16="http://schemas.microsoft.com/office/drawing/2014/main" id="{391249D3-C59D-41E6-AF88-D8DF193EA7EB}"/>
-              </a:ext>
-            </a:extLst>
-          </p:cNvPr>
-          <p:cNvSpPr>
-            <a:spLocks noGrp="1"/>
-          </p:cNvSpPr>
-          <p:nvPr>
-            <p:ph type="sldNum" sz="quarter" idx="12"/>
-          </p:nvPr>
-        </p:nvSpPr>
-        <p:spPr>
-          <a:xfrm>
-            <a:off x="8424556" y="4765688"/>
-            <a:ext cx="262247" cy="276995"/>
-          </a:xfrm>
-        </p:spPr>
-        <p:txBody>
-          <a:bodyPr/>
-          <a:lstStyle/>
-          <a:p>
-            <a:fld id="{E50FAC2A-6E90-4BEA-B3BF-15B8E63C5B7E}" type="slidenum">
-              <a:rPr lang="pt-BR" smtClean="0"/>
-              <a:pPr/>
-              <a:t>12</a:t>
-            </a:fld>
-            <a:endParaRPr lang="pt-BR"/>
-          </a:p>
-        </p:txBody>
-      </p:sp>
-    </p:spTree>
-    <p:extLst>
-      <p:ext uri="{BB962C8B-B14F-4D97-AF65-F5344CB8AC3E}">
-        <p14:creationId xmlns:p14="http://schemas.microsoft.com/office/powerpoint/2010/main" val="2726569474"/>
-      </p:ext>
-    </p:extLst>
-  </p:cSld>
-  <p:clrMapOvr>
-    <a:masterClrMapping/>
-  </p:clrMapOvr>
-</p:sld>
-</file>
-
-<file path=ppt/slides/slide13.xml><?xml version="1.0" encoding="utf-8"?>
-<p:sld xmlns:a="http://schemas.openxmlformats.org/drawingml/2006/main" xmlns:r="http://schemas.openxmlformats.org/officeDocument/2006/relationships" xmlns:p="http://schemas.openxmlformats.org/presentationml/2006/main">
-  <p:cSld>
-    <p:spTree>
-      <p:nvGrpSpPr>
-        <p:cNvPr id="1" name=""/>
-        <p:cNvGrpSpPr/>
-        <p:nvPr/>
-      </p:nvGrpSpPr>
-      <p:grpSpPr>
-        <a:xfrm>
-          <a:off x="0" y="0"/>
-          <a:ext cx="0" cy="0"/>
-          <a:chOff x="0" y="0"/>
-          <a:chExt cx="0" cy="0"/>
-        </a:xfrm>
-      </p:grpSpPr>
-      <p:sp>
-        <p:nvSpPr>
           <p:cNvPr id="6" name="Title 1"/>
           <p:cNvSpPr>
             <a:spLocks noGrp="1"/>
@@ -12822,7 +5020,7 @@
 </p:sld>
 </file>
 
-<file path=ppt/slides/slide14.xml><?xml version="1.0" encoding="utf-8"?>
+<file path=ppt/slides/slide11.xml><?xml version="1.0" encoding="utf-8"?>
 <p:sld xmlns:a="http://schemas.openxmlformats.org/drawingml/2006/main" xmlns:r="http://schemas.openxmlformats.org/officeDocument/2006/relationships" xmlns:p="http://schemas.openxmlformats.org/presentationml/2006/main">
   <p:cSld>
     <p:spTree>
@@ -13339,7 +5537,7 @@
 </p:sld>
 </file>
 
-<file path=ppt/slides/slide15.xml><?xml version="1.0" encoding="utf-8"?>
+<file path=ppt/slides/slide12.xml><?xml version="1.0" encoding="utf-8"?>
 <p:sld xmlns:a="http://schemas.openxmlformats.org/drawingml/2006/main" xmlns:r="http://schemas.openxmlformats.org/officeDocument/2006/relationships" xmlns:p="http://schemas.openxmlformats.org/presentationml/2006/main">
   <p:cSld>
     <p:spTree>
@@ -13751,7 +5949,7 @@
 </p:sld>
 </file>
 
-<file path=ppt/slides/slide16.xml><?xml version="1.0" encoding="utf-8"?>
+<file path=ppt/slides/slide13.xml><?xml version="1.0" encoding="utf-8"?>
 <p:sld xmlns:a="http://schemas.openxmlformats.org/drawingml/2006/main" xmlns:r="http://schemas.openxmlformats.org/officeDocument/2006/relationships" xmlns:p="http://schemas.openxmlformats.org/presentationml/2006/main">
   <p:cSld>
     <p:spTree>
@@ -15634,21 +7832,38 @@
                 <a:latin typeface="Times New Roman" panose="02020603050405020304" pitchFamily="18" charset="0"/>
                 <a:cs typeface="Times New Roman" panose="02020603050405020304" pitchFamily="18" charset="0"/>
               </a:rPr>
-              <a:t>Engenheiro Eletricista </a:t>
-            </a:r>
-            <a:r>
-              <a:rPr lang="pt-BR" altLang="pt-BR" sz="2400">
-                <a:latin typeface="Times New Roman" panose="02020603050405020304" pitchFamily="18" charset="0"/>
-                <a:cs typeface="Times New Roman" panose="02020603050405020304" pitchFamily="18" charset="0"/>
-              </a:rPr>
-              <a:t>8º/9º </a:t>
+              <a:t>Engenheiro Eletricista 10º Semestre - </a:t>
+            </a:r>
+            <a:r>
+              <a:rPr lang="pt-BR" altLang="pt-BR" sz="2400" dirty="0" err="1">
+                <a:latin typeface="Times New Roman" panose="02020603050405020304" pitchFamily="18" charset="0"/>
+                <a:cs typeface="Times New Roman" panose="02020603050405020304" pitchFamily="18" charset="0"/>
+              </a:rPr>
+              <a:t>UniRuy</a:t>
             </a:r>
             <a:r>
               <a:rPr lang="pt-BR" altLang="pt-BR" sz="2400" dirty="0">
                 <a:latin typeface="Times New Roman" panose="02020603050405020304" pitchFamily="18" charset="0"/>
                 <a:cs typeface="Times New Roman" panose="02020603050405020304" pitchFamily="18" charset="0"/>
               </a:rPr>
-              <a:t>Semestre - Área1 (Trancado)</a:t>
+              <a:t> (</a:t>
+            </a:r>
+            <a:r>
+              <a:rPr lang="pt-BR" altLang="pt-BR" sz="2400" b="1" dirty="0">
+                <a:solidFill>
+                  <a:srgbClr val="FF0000"/>
+                </a:solidFill>
+                <a:latin typeface="Times New Roman" panose="02020603050405020304" pitchFamily="18" charset="0"/>
+                <a:cs typeface="Times New Roman" panose="02020603050405020304" pitchFamily="18" charset="0"/>
+              </a:rPr>
+              <a:t>Formando</a:t>
+            </a:r>
+            <a:r>
+              <a:rPr lang="pt-BR" altLang="pt-BR" sz="2400" dirty="0">
+                <a:latin typeface="Times New Roman" panose="02020603050405020304" pitchFamily="18" charset="0"/>
+                <a:cs typeface="Times New Roman" panose="02020603050405020304" pitchFamily="18" charset="0"/>
+              </a:rPr>
+              <a:t>)</a:t>
             </a:r>
           </a:p>
           <a:p>
@@ -15900,17 +8115,17 @@
                 <a:latin typeface="Times New Roman" panose="02020603050405020304" pitchFamily="18" charset="0"/>
                 <a:cs typeface="Times New Roman" panose="02020603050405020304" pitchFamily="18" charset="0"/>
               </a:rPr>
-              <a:t>	Estas ferramentas, possui vasta biblioteca de códigos pré-elaborados e tem uma natureza de compreensão de fácil entendimento em relação a sua adoção para resolução de problemas utilizando sistema de </a:t>
-            </a:r>
-            <a:r>
-              <a:rPr lang="pt-BR" altLang="pt-BR" sz="2400" dirty="0" err="1">
+              <a:t>	Estas ferramentas, possui vasta biblioteca de códigos pré-elaborados e tem uma natureza de compreensão de fácil entendimento em relação a sua adoção para resolução de problemas utilizando sistema </a:t>
+            </a:r>
+            <a:r>
+              <a:rPr lang="pt-BR" altLang="pt-BR" sz="2400">
                 <a:solidFill>
                   <a:schemeClr val="tx1"/>
                 </a:solidFill>
                 <a:latin typeface="Times New Roman" panose="02020603050405020304" pitchFamily="18" charset="0"/>
                 <a:cs typeface="Times New Roman" panose="02020603050405020304" pitchFamily="18" charset="0"/>
               </a:rPr>
-              <a:t>informção</a:t>
+              <a:t>de informação</a:t>
             </a:r>
             <a:r>
               <a:rPr lang="pt-BR" altLang="pt-BR" sz="2400" dirty="0">
@@ -17060,7 +9275,7 @@
                 <a:latin typeface="Times New Roman" panose="02020603050405020304" pitchFamily="18" charset="0"/>
                 <a:cs typeface="Times New Roman" panose="02020603050405020304" pitchFamily="18" charset="0"/>
               </a:rPr>
-              <a:t>Avaliando Aprendizado 1 e 2 (</a:t>
+              <a:t>SIM1 – presencial e SIM2 – on-line (</a:t>
             </a:r>
             <a:r>
               <a:rPr lang="pt-BR" sz="2000" b="1" dirty="0">
@@ -17070,7 +9285,7 @@
                 <a:latin typeface="Times New Roman" panose="02020603050405020304" pitchFamily="18" charset="0"/>
                 <a:cs typeface="Times New Roman" panose="02020603050405020304" pitchFamily="18" charset="0"/>
               </a:rPr>
-              <a:t>até 2 pontos extra</a:t>
+              <a:t>1 ponto cada</a:t>
             </a:r>
             <a:r>
               <a:rPr lang="pt-BR" sz="2000" b="1" dirty="0">
@@ -17097,32 +9312,8 @@
                 <a:latin typeface="Times New Roman" panose="02020603050405020304" pitchFamily="18" charset="0"/>
                 <a:cs typeface="Times New Roman" panose="02020603050405020304" pitchFamily="18" charset="0"/>
               </a:rPr>
-              <a:t>AV (</a:t>
-            </a:r>
-            <a:r>
-              <a:rPr lang="pt-BR" sz="2000" b="1" dirty="0">
-                <a:solidFill>
-                  <a:srgbClr val="FF0000"/>
-                </a:solidFill>
-                <a:latin typeface="Times New Roman" panose="02020603050405020304" pitchFamily="18" charset="0"/>
-                <a:cs typeface="Times New Roman" panose="02020603050405020304" pitchFamily="18" charset="0"/>
-              </a:rPr>
-              <a:t>nova chance</a:t>
-            </a:r>
-            <a:r>
-              <a:rPr lang="pt-BR" sz="2000" b="1" dirty="0">
-                <a:solidFill>
-                  <a:srgbClr val="0070C0"/>
-                </a:solidFill>
-                <a:latin typeface="Times New Roman" panose="02020603050405020304" pitchFamily="18" charset="0"/>
-                <a:cs typeface="Times New Roman" panose="02020603050405020304" pitchFamily="18" charset="0"/>
-              </a:rPr>
-              <a:t>)</a:t>
-            </a:r>
-            <a:endParaRPr lang="pt-BR" sz="2000" dirty="0">
-              <a:latin typeface="Times New Roman" panose="02020603050405020304" pitchFamily="18" charset="0"/>
-              <a:cs typeface="Times New Roman" panose="02020603050405020304" pitchFamily="18" charset="0"/>
-            </a:endParaRPr>
+              <a:t>AV = Prova + Projeto</a:t>
+            </a:r>
           </a:p>
           <a:p>
             <a:pPr marL="342900" indent="-342900" eaLnBrk="0" hangingPunct="0">
@@ -17138,7 +9329,28 @@
                 <a:latin typeface="Times New Roman" panose="02020603050405020304" pitchFamily="18" charset="0"/>
                 <a:cs typeface="Times New Roman" panose="02020603050405020304" pitchFamily="18" charset="0"/>
               </a:rPr>
-              <a:t>AVS</a:t>
+              <a:t>Nova Chance = Somente Pontuação da Prova</a:t>
+            </a:r>
+            <a:endParaRPr lang="pt-BR" sz="2000" dirty="0">
+              <a:latin typeface="Times New Roman" panose="02020603050405020304" pitchFamily="18" charset="0"/>
+              <a:cs typeface="Times New Roman" panose="02020603050405020304" pitchFamily="18" charset="0"/>
+            </a:endParaRPr>
+          </a:p>
+          <a:p>
+            <a:pPr marL="342900" indent="-342900" eaLnBrk="0" hangingPunct="0">
+              <a:buFont typeface="Wingdings" panose="05000000000000000000" pitchFamily="2" charset="2"/>
+              <a:buChar char="§"/>
+              <a:defRPr/>
+            </a:pPr>
+            <a:r>
+              <a:rPr lang="pt-BR" sz="2000" b="1" dirty="0">
+                <a:solidFill>
+                  <a:srgbClr val="FF0000"/>
+                </a:solidFill>
+                <a:latin typeface="Times New Roman" panose="02020603050405020304" pitchFamily="18" charset="0"/>
+                <a:cs typeface="Times New Roman" panose="02020603050405020304" pitchFamily="18" charset="0"/>
+              </a:rPr>
+              <a:t>AVS = 10</a:t>
             </a:r>
             <a:endParaRPr lang="pt-BR" sz="2000" dirty="0">
               <a:latin typeface="Times New Roman" panose="02020603050405020304" pitchFamily="18" charset="0"/>
@@ -17179,7 +9391,7 @@
                 <a:latin typeface="Times New Roman" panose="02020603050405020304" pitchFamily="18" charset="0"/>
                 <a:cs typeface="Times New Roman" panose="02020603050405020304" pitchFamily="18" charset="0"/>
               </a:rPr>
-              <a:t> = </a:t>
+              <a:t> &gt;= </a:t>
             </a:r>
             <a:r>
               <a:rPr lang="pt-BR" sz="2000" b="1" dirty="0">
@@ -17189,7 +9401,7 @@
                 <a:latin typeface="Times New Roman" panose="02020603050405020304" pitchFamily="18" charset="0"/>
                 <a:cs typeface="Times New Roman" panose="02020603050405020304" pitchFamily="18" charset="0"/>
               </a:rPr>
-              <a:t>AV</a:t>
+              <a:t>6 aprovação; presença 25%</a:t>
             </a:r>
             <a:endParaRPr lang="pt-BR" sz="2000" dirty="0">
               <a:solidFill>
@@ -17365,7 +9577,7 @@
         </p:nvGrpSpPr>
         <p:grpSpPr>
           <a:xfrm>
-            <a:off x="441657" y="3258500"/>
+            <a:off x="156250" y="2655972"/>
             <a:ext cx="8306406" cy="1195489"/>
             <a:chOff x="255401" y="3651801"/>
             <a:chExt cx="6052248" cy="902611"/>
@@ -17747,7 +9959,7 @@
         </p:nvGrpSpPr>
         <p:grpSpPr>
           <a:xfrm>
-            <a:off x="549361" y="1474118"/>
+            <a:off x="206461" y="1088628"/>
             <a:ext cx="8070083" cy="1592744"/>
             <a:chOff x="255401" y="1951610"/>
             <a:chExt cx="6110059" cy="1145390"/>
@@ -18135,10 +10347,191 @@
           </p:spPr>
         </p:pic>
       </p:grpSp>
+      <p:sp>
+        <p:nvSpPr>
+          <p:cNvPr id="4" name="CaixaDeTexto 3">
+            <a:extLst>
+              <a:ext uri="{FF2B5EF4-FFF2-40B4-BE49-F238E27FC236}">
+                <a16:creationId xmlns:a16="http://schemas.microsoft.com/office/drawing/2014/main" id="{25EBBC54-2A90-1E65-77B4-A31559B0C0E0}"/>
+              </a:ext>
+            </a:extLst>
+          </p:cNvPr>
+          <p:cNvSpPr txBox="1"/>
+          <p:nvPr/>
+        </p:nvSpPr>
+        <p:spPr>
+          <a:xfrm>
+            <a:off x="106463" y="4003541"/>
+            <a:ext cx="7716735" cy="646331"/>
+          </a:xfrm>
+          <a:prstGeom prst="rect">
+            <a:avLst/>
+          </a:prstGeom>
+          <a:noFill/>
+          <a:ln w="12700" cap="flat">
+            <a:noFill/>
+            <a:miter lim="400000"/>
+          </a:ln>
+          <a:effectLst/>
+        </p:spPr>
+        <p:style>
+          <a:lnRef idx="0">
+            <a:scrgbClr r="0" g="0" b="0"/>
+          </a:lnRef>
+          <a:fillRef idx="0">
+            <a:scrgbClr r="0" g="0" b="0"/>
+          </a:fillRef>
+          <a:effectRef idx="0">
+            <a:scrgbClr r="0" g="0" b="0"/>
+          </a:effectRef>
+          <a:fontRef idx="none"/>
+        </p:style>
+        <p:txBody>
+          <a:bodyPr wrap="square">
+            <a:spAutoFit/>
+          </a:bodyPr>
+          <a:lstStyle/>
+          <a:p>
+            <a:pPr marL="0" indent="0" algn="just" eaLnBrk="0" hangingPunct="0">
+              <a:buNone/>
+            </a:pPr>
+            <a:r>
+              <a:rPr lang="pt-BR" sz="1800" b="1" dirty="0">
+                <a:solidFill>
+                  <a:schemeClr val="tx1"/>
+                </a:solidFill>
+                <a:latin typeface="Times New Roman" panose="02020603050405020304" pitchFamily="18" charset="0"/>
+                <a:cs typeface="Times New Roman" panose="02020603050405020304" pitchFamily="18" charset="0"/>
+              </a:rPr>
+              <a:t>SIM1</a:t>
+            </a:r>
+            <a:r>
+              <a:rPr lang="pt-BR" sz="1800" dirty="0">
+                <a:solidFill>
+                  <a:schemeClr val="tx1"/>
+                </a:solidFill>
+                <a:latin typeface="Times New Roman" panose="02020603050405020304" pitchFamily="18" charset="0"/>
+                <a:cs typeface="Times New Roman" panose="02020603050405020304" pitchFamily="18" charset="0"/>
+              </a:rPr>
+              <a:t> – presencial vale 1 </a:t>
+            </a:r>
+            <a:r>
+              <a:rPr lang="pt-BR" sz="1800" dirty="0" err="1">
+                <a:solidFill>
+                  <a:schemeClr val="tx1"/>
+                </a:solidFill>
+                <a:latin typeface="Times New Roman" panose="02020603050405020304" pitchFamily="18" charset="0"/>
+                <a:cs typeface="Times New Roman" panose="02020603050405020304" pitchFamily="18" charset="0"/>
+              </a:rPr>
+              <a:t>pto</a:t>
+            </a:r>
+            <a:r>
+              <a:rPr lang="pt-BR" sz="1800" dirty="0">
+                <a:solidFill>
+                  <a:schemeClr val="tx1"/>
+                </a:solidFill>
+                <a:latin typeface="Times New Roman" panose="02020603050405020304" pitchFamily="18" charset="0"/>
+                <a:cs typeface="Times New Roman" panose="02020603050405020304" pitchFamily="18" charset="0"/>
+              </a:rPr>
+              <a:t>; </a:t>
+            </a:r>
+            <a:r>
+              <a:rPr lang="pt-BR" sz="1800" b="1" dirty="0">
+                <a:solidFill>
+                  <a:schemeClr val="tx1"/>
+                </a:solidFill>
+                <a:latin typeface="Times New Roman" panose="02020603050405020304" pitchFamily="18" charset="0"/>
+                <a:cs typeface="Times New Roman" panose="02020603050405020304" pitchFamily="18" charset="0"/>
+              </a:rPr>
+              <a:t>SIM2</a:t>
+            </a:r>
+            <a:r>
+              <a:rPr lang="pt-BR" sz="1800" dirty="0">
+                <a:solidFill>
+                  <a:schemeClr val="tx1"/>
+                </a:solidFill>
+                <a:latin typeface="Times New Roman" panose="02020603050405020304" pitchFamily="18" charset="0"/>
+                <a:cs typeface="Times New Roman" panose="02020603050405020304" pitchFamily="18" charset="0"/>
+              </a:rPr>
+              <a:t> – on-line vale 1 </a:t>
+            </a:r>
+            <a:r>
+              <a:rPr lang="pt-BR" sz="1800" dirty="0" err="1">
+                <a:solidFill>
+                  <a:schemeClr val="tx1"/>
+                </a:solidFill>
+                <a:latin typeface="Times New Roman" panose="02020603050405020304" pitchFamily="18" charset="0"/>
+                <a:cs typeface="Times New Roman" panose="02020603050405020304" pitchFamily="18" charset="0"/>
+              </a:rPr>
+              <a:t>pto</a:t>
+            </a:r>
+            <a:r>
+              <a:rPr lang="pt-BR" sz="1800" dirty="0">
+                <a:solidFill>
+                  <a:schemeClr val="tx1"/>
+                </a:solidFill>
+                <a:latin typeface="Times New Roman" panose="02020603050405020304" pitchFamily="18" charset="0"/>
+                <a:cs typeface="Times New Roman" panose="02020603050405020304" pitchFamily="18" charset="0"/>
+              </a:rPr>
+              <a:t>; AV = Prova + Projeto;</a:t>
+            </a:r>
+          </a:p>
+          <a:p>
+            <a:pPr marL="0" indent="0" algn="just" eaLnBrk="0" hangingPunct="0">
+              <a:buNone/>
+            </a:pPr>
+            <a:r>
+              <a:rPr lang="pt-BR" b="1" dirty="0">
+                <a:solidFill>
+                  <a:schemeClr val="tx1"/>
+                </a:solidFill>
+                <a:latin typeface="Times New Roman" panose="02020603050405020304" pitchFamily="18" charset="0"/>
+                <a:cs typeface="Times New Roman" panose="02020603050405020304" pitchFamily="18" charset="0"/>
+              </a:rPr>
+              <a:t>NC</a:t>
+            </a:r>
+            <a:r>
+              <a:rPr lang="pt-BR" dirty="0">
+                <a:solidFill>
+                  <a:schemeClr val="tx1"/>
+                </a:solidFill>
+                <a:latin typeface="Times New Roman" panose="02020603050405020304" pitchFamily="18" charset="0"/>
+                <a:cs typeface="Times New Roman" panose="02020603050405020304" pitchFamily="18" charset="0"/>
+              </a:rPr>
+              <a:t> = Nova chance; </a:t>
+            </a:r>
+            <a:r>
+              <a:rPr lang="pt-BR" b="1" dirty="0">
+                <a:solidFill>
+                  <a:srgbClr val="FF0000"/>
+                </a:solidFill>
+                <a:latin typeface="Times New Roman" panose="02020603050405020304" pitchFamily="18" charset="0"/>
+                <a:cs typeface="Times New Roman" panose="02020603050405020304" pitchFamily="18" charset="0"/>
+              </a:rPr>
+              <a:t>NÃO EXISTE SEGUNDA CHAMADA;</a:t>
+            </a:r>
+            <a:r>
+              <a:rPr lang="pt-BR" b="1" dirty="0">
+                <a:solidFill>
+                  <a:srgbClr val="002060"/>
+                </a:solidFill>
+                <a:latin typeface="Times New Roman" panose="02020603050405020304" pitchFamily="18" charset="0"/>
+                <a:cs typeface="Times New Roman" panose="02020603050405020304" pitchFamily="18" charset="0"/>
+              </a:rPr>
+              <a:t> AVS = Final</a:t>
+            </a:r>
+            <a:endParaRPr lang="pt-BR" b="1" dirty="0">
+              <a:solidFill>
+                <a:srgbClr val="002060"/>
+              </a:solidFill>
+            </a:endParaRPr>
+          </a:p>
+        </p:txBody>
+      </p:sp>
     </p:spTree>
     <p:extLst>
       <p:ext uri="{BB962C8B-B14F-4D97-AF65-F5344CB8AC3E}">
-        <p14:creationId xmlns:p14="http://schemas.microsoft.com/office/powerpoint/2010/main" val="1226873747"/>
+        <p14:creationId xmlns:p14="http://schemas.microsoft.com/office/powerpoint/2010/main" val="579349297"/>
       </p:ext>
     </p:extLst>
   </p:cSld>
